--- a/retrospective/retrospective-1.pptx
+++ b/retrospective/retrospective-1.pptx
@@ -10,6 +10,7 @@
     <p:sldId id="258" r:id="rId4"/>
     <p:sldId id="259" r:id="rId5"/>
     <p:sldId id="260" r:id="rId6"/>
+    <p:sldId id="261" r:id="rId7"/>
   </p:sldIdLst>
   <p:sldSz cx="9144000" cy="6858000" type="screen4x3"/>
   <p:notesSz cx="6858000" cy="9144000"/>
@@ -108,6 +109,22 @@
       </a:defRPr>
     </a:lvl9pPr>
   </p:defaultTextStyle>
+  <p:extLst>
+    <p:ext uri="{EFAFB233-063F-42B5-8137-9DF3F51BA10A}">
+      <p15:sldGuideLst xmlns:p15="http://schemas.microsoft.com/office/powerpoint/2012/main">
+        <p15:guide id="1" orient="horz" pos="2160">
+          <p15:clr>
+            <a:srgbClr val="A4A3A4"/>
+          </p15:clr>
+        </p15:guide>
+        <p15:guide id="2" pos="2880">
+          <p15:clr>
+            <a:srgbClr val="A4A3A4"/>
+          </p15:clr>
+        </p15:guide>
+      </p15:sldGuideLst>
+    </p:ext>
+  </p:extLst>
 </p:presentation>
 </file>
 
@@ -149,10 +166,9 @@
           <a:lstStyle/>
           <a:p>
             <a:r>
-              <a:rPr lang="it-IT" smtClean="0"/>
+              <a:rPr lang="it-IT"/>
               <a:t>Fare clic per modificare lo stile del titolo</a:t>
             </a:r>
-            <a:endParaRPr lang="it-IT"/>
           </a:p>
         </p:txBody>
       </p:sp>
@@ -268,10 +284,9 @@
           </a:lstStyle>
           <a:p>
             <a:r>
-              <a:rPr lang="it-IT" smtClean="0"/>
+              <a:rPr lang="it-IT"/>
               <a:t>Fare clic per modificare lo stile del sottotitolo dello schema</a:t>
             </a:r>
-            <a:endParaRPr lang="it-IT"/>
           </a:p>
         </p:txBody>
       </p:sp>
@@ -334,7 +349,7 @@
           <a:p>
             <a:fld id="{F5516D96-626E-488A-A4A8-2C76F6562AEE}" type="slidenum">
               <a:rPr lang="it-IT" smtClean="0"/>
-              <a:t>‹N›</a:t>
+              <a:t>‹#›</a:t>
             </a:fld>
             <a:endParaRPr lang="it-IT"/>
           </a:p>
@@ -381,10 +396,9 @@
           <a:lstStyle/>
           <a:p>
             <a:r>
-              <a:rPr lang="it-IT" smtClean="0"/>
+              <a:rPr lang="it-IT"/>
               <a:t>Fare clic per modificare lo stile del titolo</a:t>
             </a:r>
-            <a:endParaRPr lang="it-IT"/>
           </a:p>
         </p:txBody>
       </p:sp>
@@ -405,38 +419,37 @@
           <a:p>
             <a:pPr lvl="0"/>
             <a:r>
-              <a:rPr lang="it-IT" smtClean="0"/>
+              <a:rPr lang="it-IT"/>
               <a:t>Fare clic per modificare stili del testo dello schema</a:t>
             </a:r>
           </a:p>
           <a:p>
             <a:pPr lvl="1"/>
             <a:r>
-              <a:rPr lang="it-IT" smtClean="0"/>
+              <a:rPr lang="it-IT"/>
               <a:t>Secondo livello</a:t>
             </a:r>
           </a:p>
           <a:p>
             <a:pPr lvl="2"/>
             <a:r>
-              <a:rPr lang="it-IT" smtClean="0"/>
+              <a:rPr lang="it-IT"/>
               <a:t>Terzo livello</a:t>
             </a:r>
           </a:p>
           <a:p>
             <a:pPr lvl="3"/>
             <a:r>
-              <a:rPr lang="it-IT" smtClean="0"/>
+              <a:rPr lang="it-IT"/>
               <a:t>Quarto livello</a:t>
             </a:r>
           </a:p>
           <a:p>
             <a:pPr lvl="4"/>
             <a:r>
-              <a:rPr lang="it-IT" smtClean="0"/>
+              <a:rPr lang="it-IT"/>
               <a:t>Quinto livello</a:t>
             </a:r>
-            <a:endParaRPr lang="it-IT"/>
           </a:p>
         </p:txBody>
       </p:sp>
@@ -499,7 +512,7 @@
           <a:p>
             <a:fld id="{F5516D96-626E-488A-A4A8-2C76F6562AEE}" type="slidenum">
               <a:rPr lang="it-IT" smtClean="0"/>
-              <a:t>‹N›</a:t>
+              <a:t>‹#›</a:t>
             </a:fld>
             <a:endParaRPr lang="it-IT"/>
           </a:p>
@@ -551,10 +564,9 @@
           <a:lstStyle/>
           <a:p>
             <a:r>
-              <a:rPr lang="it-IT" smtClean="0"/>
+              <a:rPr lang="it-IT"/>
               <a:t>Fare clic per modificare lo stile del titolo</a:t>
             </a:r>
-            <a:endParaRPr lang="it-IT"/>
           </a:p>
         </p:txBody>
       </p:sp>
@@ -580,38 +592,37 @@
           <a:p>
             <a:pPr lvl="0"/>
             <a:r>
-              <a:rPr lang="it-IT" smtClean="0"/>
+              <a:rPr lang="it-IT"/>
               <a:t>Fare clic per modificare stili del testo dello schema</a:t>
             </a:r>
           </a:p>
           <a:p>
             <a:pPr lvl="1"/>
             <a:r>
-              <a:rPr lang="it-IT" smtClean="0"/>
+              <a:rPr lang="it-IT"/>
               <a:t>Secondo livello</a:t>
             </a:r>
           </a:p>
           <a:p>
             <a:pPr lvl="2"/>
             <a:r>
-              <a:rPr lang="it-IT" smtClean="0"/>
+              <a:rPr lang="it-IT"/>
               <a:t>Terzo livello</a:t>
             </a:r>
           </a:p>
           <a:p>
             <a:pPr lvl="3"/>
             <a:r>
-              <a:rPr lang="it-IT" smtClean="0"/>
+              <a:rPr lang="it-IT"/>
               <a:t>Quarto livello</a:t>
             </a:r>
           </a:p>
           <a:p>
             <a:pPr lvl="4"/>
             <a:r>
-              <a:rPr lang="it-IT" smtClean="0"/>
+              <a:rPr lang="it-IT"/>
               <a:t>Quinto livello</a:t>
             </a:r>
-            <a:endParaRPr lang="it-IT"/>
           </a:p>
         </p:txBody>
       </p:sp>
@@ -674,7 +685,7 @@
           <a:p>
             <a:fld id="{F5516D96-626E-488A-A4A8-2C76F6562AEE}" type="slidenum">
               <a:rPr lang="it-IT" smtClean="0"/>
-              <a:t>‹N›</a:t>
+              <a:t>‹#›</a:t>
             </a:fld>
             <a:endParaRPr lang="it-IT"/>
           </a:p>
@@ -721,10 +732,9 @@
           <a:lstStyle/>
           <a:p>
             <a:r>
-              <a:rPr lang="it-IT" smtClean="0"/>
+              <a:rPr lang="it-IT"/>
               <a:t>Fare clic per modificare lo stile del titolo</a:t>
             </a:r>
-            <a:endParaRPr lang="it-IT"/>
           </a:p>
         </p:txBody>
       </p:sp>
@@ -745,38 +755,37 @@
           <a:p>
             <a:pPr lvl="0"/>
             <a:r>
-              <a:rPr lang="it-IT" smtClean="0"/>
+              <a:rPr lang="it-IT"/>
               <a:t>Fare clic per modificare stili del testo dello schema</a:t>
             </a:r>
           </a:p>
           <a:p>
             <a:pPr lvl="1"/>
             <a:r>
-              <a:rPr lang="it-IT" smtClean="0"/>
+              <a:rPr lang="it-IT"/>
               <a:t>Secondo livello</a:t>
             </a:r>
           </a:p>
           <a:p>
             <a:pPr lvl="2"/>
             <a:r>
-              <a:rPr lang="it-IT" smtClean="0"/>
+              <a:rPr lang="it-IT"/>
               <a:t>Terzo livello</a:t>
             </a:r>
           </a:p>
           <a:p>
             <a:pPr lvl="3"/>
             <a:r>
-              <a:rPr lang="it-IT" smtClean="0"/>
+              <a:rPr lang="it-IT"/>
               <a:t>Quarto livello</a:t>
             </a:r>
           </a:p>
           <a:p>
             <a:pPr lvl="4"/>
             <a:r>
-              <a:rPr lang="it-IT" smtClean="0"/>
+              <a:rPr lang="it-IT"/>
               <a:t>Quinto livello</a:t>
             </a:r>
-            <a:endParaRPr lang="it-IT"/>
           </a:p>
         </p:txBody>
       </p:sp>
@@ -839,7 +848,7 @@
           <a:p>
             <a:fld id="{F5516D96-626E-488A-A4A8-2C76F6562AEE}" type="slidenum">
               <a:rPr lang="it-IT" smtClean="0"/>
-              <a:t>‹N›</a:t>
+              <a:t>‹#›</a:t>
             </a:fld>
             <a:endParaRPr lang="it-IT"/>
           </a:p>
@@ -895,10 +904,9 @@
           </a:lstStyle>
           <a:p>
             <a:r>
-              <a:rPr lang="it-IT" smtClean="0"/>
+              <a:rPr lang="it-IT"/>
               <a:t>Fare clic per modificare lo stile del titolo</a:t>
             </a:r>
-            <a:endParaRPr lang="it-IT"/>
           </a:p>
         </p:txBody>
       </p:sp>
@@ -1015,7 +1023,7 @@
           <a:p>
             <a:pPr lvl="0"/>
             <a:r>
-              <a:rPr lang="it-IT" smtClean="0"/>
+              <a:rPr lang="it-IT"/>
               <a:t>Fare clic per modificare stili del testo dello schema</a:t>
             </a:r>
           </a:p>
@@ -1080,7 +1088,7 @@
           <a:p>
             <a:fld id="{F5516D96-626E-488A-A4A8-2C76F6562AEE}" type="slidenum">
               <a:rPr lang="it-IT" smtClean="0"/>
-              <a:t>‹N›</a:t>
+              <a:t>‹#›</a:t>
             </a:fld>
             <a:endParaRPr lang="it-IT"/>
           </a:p>
@@ -1127,10 +1135,9 @@
           <a:lstStyle/>
           <a:p>
             <a:r>
-              <a:rPr lang="it-IT" smtClean="0"/>
+              <a:rPr lang="it-IT"/>
               <a:t>Fare clic per modificare lo stile del titolo</a:t>
             </a:r>
-            <a:endParaRPr lang="it-IT"/>
           </a:p>
         </p:txBody>
       </p:sp>
@@ -1184,38 +1191,37 @@
           <a:p>
             <a:pPr lvl="0"/>
             <a:r>
-              <a:rPr lang="it-IT" smtClean="0"/>
+              <a:rPr lang="it-IT"/>
               <a:t>Fare clic per modificare stili del testo dello schema</a:t>
             </a:r>
           </a:p>
           <a:p>
             <a:pPr lvl="1"/>
             <a:r>
-              <a:rPr lang="it-IT" smtClean="0"/>
+              <a:rPr lang="it-IT"/>
               <a:t>Secondo livello</a:t>
             </a:r>
           </a:p>
           <a:p>
             <a:pPr lvl="2"/>
             <a:r>
-              <a:rPr lang="it-IT" smtClean="0"/>
+              <a:rPr lang="it-IT"/>
               <a:t>Terzo livello</a:t>
             </a:r>
           </a:p>
           <a:p>
             <a:pPr lvl="3"/>
             <a:r>
-              <a:rPr lang="it-IT" smtClean="0"/>
+              <a:rPr lang="it-IT"/>
               <a:t>Quarto livello</a:t>
             </a:r>
           </a:p>
           <a:p>
             <a:pPr lvl="4"/>
             <a:r>
-              <a:rPr lang="it-IT" smtClean="0"/>
+              <a:rPr lang="it-IT"/>
               <a:t>Quinto livello</a:t>
             </a:r>
-            <a:endParaRPr lang="it-IT"/>
           </a:p>
         </p:txBody>
       </p:sp>
@@ -1269,38 +1275,37 @@
           <a:p>
             <a:pPr lvl="0"/>
             <a:r>
-              <a:rPr lang="it-IT" smtClean="0"/>
+              <a:rPr lang="it-IT"/>
               <a:t>Fare clic per modificare stili del testo dello schema</a:t>
             </a:r>
           </a:p>
           <a:p>
             <a:pPr lvl="1"/>
             <a:r>
-              <a:rPr lang="it-IT" smtClean="0"/>
+              <a:rPr lang="it-IT"/>
               <a:t>Secondo livello</a:t>
             </a:r>
           </a:p>
           <a:p>
             <a:pPr lvl="2"/>
             <a:r>
-              <a:rPr lang="it-IT" smtClean="0"/>
+              <a:rPr lang="it-IT"/>
               <a:t>Terzo livello</a:t>
             </a:r>
           </a:p>
           <a:p>
             <a:pPr lvl="3"/>
             <a:r>
-              <a:rPr lang="it-IT" smtClean="0"/>
+              <a:rPr lang="it-IT"/>
               <a:t>Quarto livello</a:t>
             </a:r>
           </a:p>
           <a:p>
             <a:pPr lvl="4"/>
             <a:r>
-              <a:rPr lang="it-IT" smtClean="0"/>
+              <a:rPr lang="it-IT"/>
               <a:t>Quinto livello</a:t>
             </a:r>
-            <a:endParaRPr lang="it-IT"/>
           </a:p>
         </p:txBody>
       </p:sp>
@@ -1363,7 +1368,7 @@
           <a:p>
             <a:fld id="{F5516D96-626E-488A-A4A8-2C76F6562AEE}" type="slidenum">
               <a:rPr lang="it-IT" smtClean="0"/>
-              <a:t>‹N›</a:t>
+              <a:t>‹#›</a:t>
             </a:fld>
             <a:endParaRPr lang="it-IT"/>
           </a:p>
@@ -1414,10 +1419,9 @@
           </a:lstStyle>
           <a:p>
             <a:r>
-              <a:rPr lang="it-IT" smtClean="0"/>
+              <a:rPr lang="it-IT"/>
               <a:t>Fare clic per modificare lo stile del titolo</a:t>
             </a:r>
-            <a:endParaRPr lang="it-IT"/>
           </a:p>
         </p:txBody>
       </p:sp>
@@ -1480,7 +1484,7 @@
           <a:p>
             <a:pPr lvl="0"/>
             <a:r>
-              <a:rPr lang="it-IT" smtClean="0"/>
+              <a:rPr lang="it-IT"/>
               <a:t>Fare clic per modificare stili del testo dello schema</a:t>
             </a:r>
           </a:p>
@@ -1536,38 +1540,37 @@
           <a:p>
             <a:pPr lvl="0"/>
             <a:r>
-              <a:rPr lang="it-IT" smtClean="0"/>
+              <a:rPr lang="it-IT"/>
               <a:t>Fare clic per modificare stili del testo dello schema</a:t>
             </a:r>
           </a:p>
           <a:p>
             <a:pPr lvl="1"/>
             <a:r>
-              <a:rPr lang="it-IT" smtClean="0"/>
+              <a:rPr lang="it-IT"/>
               <a:t>Secondo livello</a:t>
             </a:r>
           </a:p>
           <a:p>
             <a:pPr lvl="2"/>
             <a:r>
-              <a:rPr lang="it-IT" smtClean="0"/>
+              <a:rPr lang="it-IT"/>
               <a:t>Terzo livello</a:t>
             </a:r>
           </a:p>
           <a:p>
             <a:pPr lvl="3"/>
             <a:r>
-              <a:rPr lang="it-IT" smtClean="0"/>
+              <a:rPr lang="it-IT"/>
               <a:t>Quarto livello</a:t>
             </a:r>
           </a:p>
           <a:p>
             <a:pPr lvl="4"/>
             <a:r>
-              <a:rPr lang="it-IT" smtClean="0"/>
+              <a:rPr lang="it-IT"/>
               <a:t>Quinto livello</a:t>
             </a:r>
-            <a:endParaRPr lang="it-IT"/>
           </a:p>
         </p:txBody>
       </p:sp>
@@ -1630,7 +1633,7 @@
           <a:p>
             <a:pPr lvl="0"/>
             <a:r>
-              <a:rPr lang="it-IT" smtClean="0"/>
+              <a:rPr lang="it-IT"/>
               <a:t>Fare clic per modificare stili del testo dello schema</a:t>
             </a:r>
           </a:p>
@@ -1686,38 +1689,37 @@
           <a:p>
             <a:pPr lvl="0"/>
             <a:r>
-              <a:rPr lang="it-IT" smtClean="0"/>
+              <a:rPr lang="it-IT"/>
               <a:t>Fare clic per modificare stili del testo dello schema</a:t>
             </a:r>
           </a:p>
           <a:p>
             <a:pPr lvl="1"/>
             <a:r>
-              <a:rPr lang="it-IT" smtClean="0"/>
+              <a:rPr lang="it-IT"/>
               <a:t>Secondo livello</a:t>
             </a:r>
           </a:p>
           <a:p>
             <a:pPr lvl="2"/>
             <a:r>
-              <a:rPr lang="it-IT" smtClean="0"/>
+              <a:rPr lang="it-IT"/>
               <a:t>Terzo livello</a:t>
             </a:r>
           </a:p>
           <a:p>
             <a:pPr lvl="3"/>
             <a:r>
-              <a:rPr lang="it-IT" smtClean="0"/>
+              <a:rPr lang="it-IT"/>
               <a:t>Quarto livello</a:t>
             </a:r>
           </a:p>
           <a:p>
             <a:pPr lvl="4"/>
             <a:r>
-              <a:rPr lang="it-IT" smtClean="0"/>
+              <a:rPr lang="it-IT"/>
               <a:t>Quinto livello</a:t>
             </a:r>
-            <a:endParaRPr lang="it-IT"/>
           </a:p>
         </p:txBody>
       </p:sp>
@@ -1780,7 +1782,7 @@
           <a:p>
             <a:fld id="{F5516D96-626E-488A-A4A8-2C76F6562AEE}" type="slidenum">
               <a:rPr lang="it-IT" smtClean="0"/>
-              <a:t>‹N›</a:t>
+              <a:t>‹#›</a:t>
             </a:fld>
             <a:endParaRPr lang="it-IT"/>
           </a:p>
@@ -1827,10 +1829,9 @@
           <a:lstStyle/>
           <a:p>
             <a:r>
-              <a:rPr lang="it-IT" smtClean="0"/>
+              <a:rPr lang="it-IT"/>
               <a:t>Fare clic per modificare lo stile del titolo</a:t>
             </a:r>
-            <a:endParaRPr lang="it-IT"/>
           </a:p>
         </p:txBody>
       </p:sp>
@@ -1893,7 +1894,7 @@
           <a:p>
             <a:fld id="{F5516D96-626E-488A-A4A8-2C76F6562AEE}" type="slidenum">
               <a:rPr lang="it-IT" smtClean="0"/>
-              <a:t>‹N›</a:t>
+              <a:t>‹#›</a:t>
             </a:fld>
             <a:endParaRPr lang="it-IT"/>
           </a:p>
@@ -1983,7 +1984,7 @@
           <a:p>
             <a:fld id="{F5516D96-626E-488A-A4A8-2C76F6562AEE}" type="slidenum">
               <a:rPr lang="it-IT" smtClean="0"/>
-              <a:t>‹N›</a:t>
+              <a:t>‹#›</a:t>
             </a:fld>
             <a:endParaRPr lang="it-IT"/>
           </a:p>
@@ -2039,10 +2040,9 @@
           </a:lstStyle>
           <a:p>
             <a:r>
-              <a:rPr lang="it-IT" smtClean="0"/>
+              <a:rPr lang="it-IT"/>
               <a:t>Fare clic per modificare lo stile del titolo</a:t>
             </a:r>
-            <a:endParaRPr lang="it-IT"/>
           </a:p>
         </p:txBody>
       </p:sp>
@@ -2096,38 +2096,37 @@
           <a:p>
             <a:pPr lvl="0"/>
             <a:r>
-              <a:rPr lang="it-IT" smtClean="0"/>
+              <a:rPr lang="it-IT"/>
               <a:t>Fare clic per modificare stili del testo dello schema</a:t>
             </a:r>
           </a:p>
           <a:p>
             <a:pPr lvl="1"/>
             <a:r>
-              <a:rPr lang="it-IT" smtClean="0"/>
+              <a:rPr lang="it-IT"/>
               <a:t>Secondo livello</a:t>
             </a:r>
           </a:p>
           <a:p>
             <a:pPr lvl="2"/>
             <a:r>
-              <a:rPr lang="it-IT" smtClean="0"/>
+              <a:rPr lang="it-IT"/>
               <a:t>Terzo livello</a:t>
             </a:r>
           </a:p>
           <a:p>
             <a:pPr lvl="3"/>
             <a:r>
-              <a:rPr lang="it-IT" smtClean="0"/>
+              <a:rPr lang="it-IT"/>
               <a:t>Quarto livello</a:t>
             </a:r>
           </a:p>
           <a:p>
             <a:pPr lvl="4"/>
             <a:r>
-              <a:rPr lang="it-IT" smtClean="0"/>
+              <a:rPr lang="it-IT"/>
               <a:t>Quinto livello</a:t>
             </a:r>
-            <a:endParaRPr lang="it-IT"/>
           </a:p>
         </p:txBody>
       </p:sp>
@@ -2190,7 +2189,7 @@
           <a:p>
             <a:pPr lvl="0"/>
             <a:r>
-              <a:rPr lang="it-IT" smtClean="0"/>
+              <a:rPr lang="it-IT"/>
               <a:t>Fare clic per modificare stili del testo dello schema</a:t>
             </a:r>
           </a:p>
@@ -2255,7 +2254,7 @@
           <a:p>
             <a:fld id="{F5516D96-626E-488A-A4A8-2C76F6562AEE}" type="slidenum">
               <a:rPr lang="it-IT" smtClean="0"/>
-              <a:t>‹N›</a:t>
+              <a:t>‹#›</a:t>
             </a:fld>
             <a:endParaRPr lang="it-IT"/>
           </a:p>
@@ -2311,10 +2310,9 @@
           </a:lstStyle>
           <a:p>
             <a:r>
-              <a:rPr lang="it-IT" smtClean="0"/>
+              <a:rPr lang="it-IT"/>
               <a:t>Fare clic per modificare lo stile del titolo</a:t>
             </a:r>
-            <a:endParaRPr lang="it-IT"/>
           </a:p>
         </p:txBody>
       </p:sp>
@@ -2438,7 +2436,7 @@
           <a:p>
             <a:pPr lvl="0"/>
             <a:r>
-              <a:rPr lang="it-IT" smtClean="0"/>
+              <a:rPr lang="it-IT"/>
               <a:t>Fare clic per modificare stili del testo dello schema</a:t>
             </a:r>
           </a:p>
@@ -2503,7 +2501,7 @@
           <a:p>
             <a:fld id="{F5516D96-626E-488A-A4A8-2C76F6562AEE}" type="slidenum">
               <a:rPr lang="it-IT" smtClean="0"/>
-              <a:t>‹N›</a:t>
+              <a:t>‹#›</a:t>
             </a:fld>
             <a:endParaRPr lang="it-IT"/>
           </a:p>
@@ -2565,10 +2563,9 @@
           <a:lstStyle/>
           <a:p>
             <a:r>
-              <a:rPr lang="it-IT" smtClean="0"/>
+              <a:rPr lang="it-IT"/>
               <a:t>Fare clic per modificare lo stile del titolo</a:t>
             </a:r>
-            <a:endParaRPr lang="it-IT"/>
           </a:p>
         </p:txBody>
       </p:sp>
@@ -2599,38 +2596,37 @@
           <a:p>
             <a:pPr lvl="0"/>
             <a:r>
-              <a:rPr lang="it-IT" smtClean="0"/>
+              <a:rPr lang="it-IT"/>
               <a:t>Fare clic per modificare stili del testo dello schema</a:t>
             </a:r>
           </a:p>
           <a:p>
             <a:pPr lvl="1"/>
             <a:r>
-              <a:rPr lang="it-IT" smtClean="0"/>
+              <a:rPr lang="it-IT"/>
               <a:t>Secondo livello</a:t>
             </a:r>
           </a:p>
           <a:p>
             <a:pPr lvl="2"/>
             <a:r>
-              <a:rPr lang="it-IT" smtClean="0"/>
+              <a:rPr lang="it-IT"/>
               <a:t>Terzo livello</a:t>
             </a:r>
           </a:p>
           <a:p>
             <a:pPr lvl="3"/>
             <a:r>
-              <a:rPr lang="it-IT" smtClean="0"/>
+              <a:rPr lang="it-IT"/>
               <a:t>Quarto livello</a:t>
             </a:r>
           </a:p>
           <a:p>
             <a:pPr lvl="4"/>
             <a:r>
-              <a:rPr lang="it-IT" smtClean="0"/>
+              <a:rPr lang="it-IT"/>
               <a:t>Quinto livello</a:t>
             </a:r>
-            <a:endParaRPr lang="it-IT"/>
           </a:p>
         </p:txBody>
       </p:sp>
@@ -2747,7 +2743,7 @@
           <a:p>
             <a:fld id="{F5516D96-626E-488A-A4A8-2C76F6562AEE}" type="slidenum">
               <a:rPr lang="it-IT" smtClean="0"/>
-              <a:t>‹N›</a:t>
+              <a:t>‹#›</a:t>
             </a:fld>
             <a:endParaRPr lang="it-IT"/>
           </a:p>
@@ -3055,14 +3051,9 @@
           <a:lstStyle/>
           <a:p>
             <a:r>
-              <a:rPr lang="it-IT" dirty="0" smtClean="0"/>
-              <a:t>Office </a:t>
-            </a:r>
-            <a:r>
-              <a:rPr lang="it-IT" dirty="0" err="1" smtClean="0"/>
-              <a:t>Queue</a:t>
-            </a:r>
-            <a:endParaRPr lang="it-IT" dirty="0"/>
+              <a:rPr lang="it-IT" dirty="0"/>
+              <a:t>Office Queue Management</a:t>
+            </a:r>
           </a:p>
         </p:txBody>
       </p:sp>
@@ -3082,14 +3073,15 @@
           <a:lstStyle/>
           <a:p>
             <a:r>
-              <a:rPr lang="it-IT" dirty="0" smtClean="0"/>
-              <a:t>Team 6 Sprint </a:t>
-            </a:r>
-            <a:r>
-              <a:rPr lang="it-IT" dirty="0" err="1" smtClean="0"/>
-              <a:t>Retrospective</a:t>
-            </a:r>
-            <a:endParaRPr lang="it-IT" dirty="0"/>
+              <a:rPr lang="it-IT" dirty="0"/>
+              <a:t>Team 6 </a:t>
+            </a:r>
+          </a:p>
+          <a:p>
+            <a:r>
+              <a:rPr lang="it-IT" dirty="0"/>
+              <a:t>Sprint Retrospective</a:t>
+            </a:r>
           </a:p>
         </p:txBody>
       </p:sp>
@@ -3136,10 +3128,9 @@
           <a:lstStyle/>
           <a:p>
             <a:r>
-              <a:rPr lang="it-IT" dirty="0" err="1" smtClean="0"/>
+              <a:rPr lang="it-IT" dirty="0"/>
               <a:t>Review</a:t>
             </a:r>
-            <a:endParaRPr lang="it-IT" dirty="0"/>
           </a:p>
         </p:txBody>
       </p:sp>
@@ -3155,235 +3146,79 @@
         </p:nvSpPr>
         <p:spPr/>
         <p:txBody>
-          <a:bodyPr/>
-          <a:lstStyle/>
-          <a:p>
-            <a:r>
-              <a:rPr lang="it-IT" dirty="0" smtClean="0"/>
+          <a:bodyPr>
+            <a:normAutofit fontScale="92500" lnSpcReduction="20000"/>
+          </a:bodyPr>
+          <a:lstStyle/>
+          <a:p>
+            <a:pPr marL="0" indent="0">
+              <a:buNone/>
+            </a:pPr>
+            <a:r>
+              <a:rPr lang="it-IT" dirty="0"/>
               <a:t>Sprint:</a:t>
             </a:r>
           </a:p>
           <a:p>
+            <a:r>
+              <a:rPr lang="it-IT" dirty="0"/>
+              <a:t>Following stories implemented:</a:t>
+            </a:r>
+          </a:p>
+          <a:p>
             <a:pPr lvl="1"/>
             <a:r>
-              <a:rPr lang="it-IT" dirty="0" err="1" smtClean="0"/>
-              <a:t>We</a:t>
-            </a:r>
-            <a:r>
-              <a:rPr lang="it-IT" dirty="0" smtClean="0"/>
-              <a:t> </a:t>
-            </a:r>
-            <a:r>
-              <a:rPr lang="it-IT" dirty="0" err="1" smtClean="0"/>
-              <a:t>implemented</a:t>
-            </a:r>
-            <a:r>
-              <a:rPr lang="it-IT" dirty="0" smtClean="0"/>
-              <a:t> the </a:t>
-            </a:r>
-            <a:r>
-              <a:rPr lang="it-IT" dirty="0" err="1" smtClean="0"/>
-              <a:t>stories</a:t>
-            </a:r>
-            <a:r>
-              <a:rPr lang="it-IT" dirty="0" smtClean="0"/>
-              <a:t> </a:t>
-            </a:r>
-            <a:r>
-              <a:rPr lang="it-IT" dirty="0" err="1" smtClean="0"/>
-              <a:t>about</a:t>
-            </a:r>
-            <a:r>
-              <a:rPr lang="it-IT" dirty="0" smtClean="0"/>
-              <a:t> booking a ticket, </a:t>
-            </a:r>
-            <a:r>
-              <a:rPr lang="it-IT" dirty="0" err="1" smtClean="0"/>
-              <a:t>calling</a:t>
-            </a:r>
-            <a:r>
-              <a:rPr lang="it-IT" dirty="0" smtClean="0"/>
-              <a:t> a ticket </a:t>
-            </a:r>
-            <a:r>
-              <a:rPr lang="it-IT" dirty="0" err="1" smtClean="0"/>
-              <a:t>to</a:t>
-            </a:r>
-            <a:r>
-              <a:rPr lang="it-IT" dirty="0" smtClean="0"/>
-              <a:t> a </a:t>
-            </a:r>
-            <a:r>
-              <a:rPr lang="it-IT" dirty="0" err="1" smtClean="0"/>
-              <a:t>counter</a:t>
-            </a:r>
-            <a:r>
-              <a:rPr lang="it-IT" dirty="0" smtClean="0"/>
-              <a:t> </a:t>
-            </a:r>
-            <a:r>
-              <a:rPr lang="it-IT" dirty="0" err="1" smtClean="0"/>
-              <a:t>to</a:t>
-            </a:r>
-            <a:r>
-              <a:rPr lang="it-IT" dirty="0" smtClean="0"/>
-              <a:t> </a:t>
-            </a:r>
-            <a:r>
-              <a:rPr lang="it-IT" dirty="0" err="1" smtClean="0"/>
-              <a:t>be</a:t>
-            </a:r>
-            <a:r>
-              <a:rPr lang="it-IT" dirty="0" smtClean="0"/>
-              <a:t> </a:t>
-            </a:r>
-            <a:r>
-              <a:rPr lang="it-IT" dirty="0" err="1" smtClean="0"/>
-              <a:t>served</a:t>
-            </a:r>
-            <a:r>
-              <a:rPr lang="it-IT" dirty="0" smtClean="0"/>
-              <a:t>, </a:t>
-            </a:r>
-            <a:r>
-              <a:rPr lang="it-IT" dirty="0" err="1" smtClean="0"/>
-              <a:t>notifyink</a:t>
-            </a:r>
-            <a:r>
-              <a:rPr lang="it-IT" dirty="0" smtClean="0"/>
-              <a:t> a </a:t>
-            </a:r>
-            <a:r>
-              <a:rPr lang="it-IT" dirty="0" err="1" smtClean="0"/>
-              <a:t>customer</a:t>
-            </a:r>
-            <a:r>
-              <a:rPr lang="it-IT" dirty="0" smtClean="0"/>
-              <a:t> </a:t>
-            </a:r>
-            <a:r>
-              <a:rPr lang="it-IT" dirty="0" err="1" smtClean="0"/>
-              <a:t>when</a:t>
-            </a:r>
-            <a:r>
-              <a:rPr lang="it-IT" dirty="0" smtClean="0"/>
-              <a:t> </a:t>
-            </a:r>
-            <a:r>
-              <a:rPr lang="it-IT" dirty="0" err="1" smtClean="0"/>
-              <a:t>he</a:t>
-            </a:r>
-            <a:r>
-              <a:rPr lang="it-IT" dirty="0" smtClean="0"/>
-              <a:t> </a:t>
-            </a:r>
-            <a:r>
-              <a:rPr lang="it-IT" dirty="0" err="1" smtClean="0"/>
-              <a:t>is</a:t>
-            </a:r>
-            <a:r>
-              <a:rPr lang="it-IT" dirty="0" smtClean="0"/>
-              <a:t> </a:t>
-            </a:r>
-            <a:r>
-              <a:rPr lang="it-IT" dirty="0" err="1" smtClean="0"/>
-              <a:t>called</a:t>
-            </a:r>
-            <a:r>
-              <a:rPr lang="it-IT" dirty="0" smtClean="0"/>
-              <a:t> </a:t>
-            </a:r>
-            <a:r>
-              <a:rPr lang="it-IT" dirty="0" err="1" smtClean="0"/>
-              <a:t>to</a:t>
-            </a:r>
-            <a:r>
-              <a:rPr lang="it-IT" dirty="0" smtClean="0"/>
-              <a:t> a </a:t>
-            </a:r>
-            <a:r>
-              <a:rPr lang="it-IT" dirty="0" err="1" smtClean="0"/>
-              <a:t>counter</a:t>
-            </a:r>
-            <a:r>
               <a:rPr lang="it-IT" dirty="0"/>
-              <a:t> </a:t>
-            </a:r>
-            <a:r>
-              <a:rPr lang="it-IT" dirty="0" smtClean="0"/>
-              <a:t>and </a:t>
-            </a:r>
-            <a:r>
-              <a:rPr lang="it-IT" dirty="0" err="1" smtClean="0"/>
-              <a:t>configuring</a:t>
-            </a:r>
-            <a:r>
-              <a:rPr lang="it-IT" dirty="0" smtClean="0"/>
-              <a:t> the </a:t>
-            </a:r>
-            <a:r>
-              <a:rPr lang="it-IT" dirty="0" err="1" smtClean="0"/>
-              <a:t>counters</a:t>
-            </a:r>
-            <a:r>
-              <a:rPr lang="it-IT" dirty="0" smtClean="0"/>
-              <a:t>.</a:t>
-            </a:r>
-          </a:p>
-          <a:p>
-            <a:r>
-              <a:rPr lang="it-IT" dirty="0" smtClean="0"/>
+              <a:t>booking tickets by the customers </a:t>
+            </a:r>
+          </a:p>
+          <a:p>
+            <a:pPr lvl="1"/>
+            <a:r>
+              <a:rPr lang="en-US" dirty="0"/>
+              <a:t>calling a ticket to be served in a specific counter by Officer</a:t>
+            </a:r>
+          </a:p>
+          <a:p>
+            <a:pPr lvl="1"/>
+            <a:r>
+              <a:rPr lang="it-IT" dirty="0"/>
+              <a:t>Notifying the customers once they are called to the counter </a:t>
+            </a:r>
+          </a:p>
+          <a:p>
+            <a:pPr lvl="1"/>
+            <a:r>
+              <a:rPr lang="it-IT" dirty="0"/>
+              <a:t>configuring the counters</a:t>
+            </a:r>
+          </a:p>
+          <a:p>
+            <a:r>
+              <a:rPr lang="it-IT" dirty="0"/>
               <a:t>Feedback:</a:t>
             </a:r>
           </a:p>
           <a:p>
             <a:pPr lvl="1"/>
             <a:r>
-              <a:rPr lang="it-IT" b="1" dirty="0" smtClean="0"/>
+              <a:rPr lang="it-IT" b="1" dirty="0"/>
               <a:t>Positive:</a:t>
             </a:r>
             <a:r>
-              <a:rPr lang="it-IT" dirty="0" smtClean="0"/>
-              <a:t> </a:t>
-            </a:r>
-            <a:r>
-              <a:rPr lang="it-IT" dirty="0" err="1" smtClean="0"/>
-              <a:t>Nice</a:t>
-            </a:r>
-            <a:r>
-              <a:rPr lang="it-IT" dirty="0" smtClean="0"/>
-              <a:t> </a:t>
-            </a:r>
-            <a:r>
-              <a:rPr lang="it-IT" dirty="0" err="1" smtClean="0"/>
-              <a:t>user</a:t>
-            </a:r>
-            <a:r>
-              <a:rPr lang="it-IT" dirty="0" smtClean="0"/>
-              <a:t> interface</a:t>
+              <a:rPr lang="it-IT" dirty="0"/>
+              <a:t> Suitable User Interface</a:t>
             </a:r>
           </a:p>
           <a:p>
             <a:pPr lvl="1"/>
             <a:r>
-              <a:rPr lang="it-IT" b="1" dirty="0" smtClean="0"/>
+              <a:rPr lang="it-IT" b="1" dirty="0"/>
               <a:t>Negative:</a:t>
             </a:r>
             <a:r>
-              <a:rPr lang="it-IT" dirty="0" smtClean="0"/>
-              <a:t> </a:t>
-            </a:r>
-            <a:r>
-              <a:rPr lang="it-IT" dirty="0" err="1" smtClean="0"/>
-              <a:t>Small</a:t>
-            </a:r>
-            <a:r>
-              <a:rPr lang="it-IT" dirty="0" smtClean="0"/>
-              <a:t> text in </a:t>
-            </a:r>
-            <a:r>
-              <a:rPr lang="it-IT" dirty="0" err="1" smtClean="0"/>
-              <a:t>buttons</a:t>
+              <a:rPr lang="it-IT" dirty="0"/>
+              <a:t> Text on the Buttons are small</a:t>
             </a:r>
             <a:endParaRPr lang="it-IT" b="1" dirty="0"/>
           </a:p>
@@ -3432,212 +3267,83 @@
           <a:lstStyle/>
           <a:p>
             <a:r>
-              <a:rPr lang="it-IT" dirty="0" err="1" smtClean="0"/>
+              <a:rPr lang="it-IT" dirty="0"/>
               <a:t>Process</a:t>
             </a:r>
+          </a:p>
+        </p:txBody>
+      </p:sp>
+      <p:sp>
+        <p:nvSpPr>
+          <p:cNvPr id="3" name="Segnaposto contenuto 2"/>
+          <p:cNvSpPr>
+            <a:spLocks noGrp="1"/>
+          </p:cNvSpPr>
+          <p:nvPr>
+            <p:ph idx="1"/>
+          </p:nvPr>
+        </p:nvSpPr>
+        <p:spPr>
+          <a:xfrm>
+            <a:off x="457200" y="1417638"/>
+            <a:ext cx="8229600" cy="5035698"/>
+          </a:xfrm>
+        </p:spPr>
+        <p:txBody>
+          <a:bodyPr>
+            <a:normAutofit fontScale="92500" lnSpcReduction="10000"/>
+          </a:bodyPr>
+          <a:lstStyle/>
+          <a:p>
+            <a:r>
+              <a:rPr lang="it-IT" dirty="0"/>
+              <a:t>Number of stories committed/done: 4/3</a:t>
+            </a:r>
+          </a:p>
+          <a:p>
+            <a:r>
+              <a:rPr lang="it-IT" dirty="0"/>
+              <a:t>Total points committed/done: 15/10</a:t>
+            </a:r>
+          </a:p>
+          <a:p>
+            <a:r>
+              <a:rPr lang="it-IT" dirty="0"/>
+              <a:t>Number of hours planned/spent: 36/49</a:t>
+            </a:r>
+          </a:p>
+          <a:p>
+            <a:r>
+              <a:rPr lang="it-IT" dirty="0"/>
+              <a:t>Hours per task: 5.4 (avg), </a:t>
+            </a:r>
+          </a:p>
+          <a:p>
             <a:endParaRPr lang="it-IT" dirty="0"/>
           </a:p>
-        </p:txBody>
-      </p:sp>
-      <p:sp>
-        <p:nvSpPr>
-          <p:cNvPr id="3" name="Segnaposto contenuto 2"/>
-          <p:cNvSpPr>
-            <a:spLocks noGrp="1"/>
-          </p:cNvSpPr>
-          <p:nvPr>
-            <p:ph idx="1"/>
-          </p:nvPr>
-        </p:nvSpPr>
-        <p:spPr/>
-        <p:txBody>
-          <a:bodyPr>
-            <a:normAutofit fontScale="70000" lnSpcReduction="20000"/>
-          </a:bodyPr>
-          <a:lstStyle/>
-          <a:p>
-            <a:r>
-              <a:rPr lang="it-IT" dirty="0" err="1" smtClean="0"/>
-              <a:t>Number</a:t>
-            </a:r>
-            <a:r>
-              <a:rPr lang="it-IT" dirty="0" smtClean="0"/>
-              <a:t> </a:t>
-            </a:r>
-            <a:r>
-              <a:rPr lang="it-IT" dirty="0" err="1" smtClean="0"/>
-              <a:t>of</a:t>
-            </a:r>
-            <a:r>
-              <a:rPr lang="it-IT" dirty="0" smtClean="0"/>
-              <a:t> </a:t>
-            </a:r>
-            <a:r>
-              <a:rPr lang="it-IT" dirty="0" err="1" smtClean="0"/>
-              <a:t>stories</a:t>
-            </a:r>
-            <a:r>
-              <a:rPr lang="it-IT" dirty="0" smtClean="0"/>
-              <a:t> </a:t>
-            </a:r>
-            <a:r>
-              <a:rPr lang="it-IT" dirty="0" err="1" smtClean="0"/>
-              <a:t>committed</a:t>
-            </a:r>
-            <a:r>
-              <a:rPr lang="it-IT" dirty="0" smtClean="0"/>
-              <a:t>/</a:t>
-            </a:r>
-            <a:r>
-              <a:rPr lang="it-IT" dirty="0" err="1" smtClean="0"/>
-              <a:t>done</a:t>
-            </a:r>
-            <a:r>
-              <a:rPr lang="it-IT" dirty="0" smtClean="0"/>
-              <a:t>: 4/3</a:t>
-            </a:r>
+          <a:p>
             <a:endParaRPr lang="it-IT" dirty="0"/>
           </a:p>
           <a:p>
-            <a:r>
-              <a:rPr lang="it-IT" dirty="0" smtClean="0"/>
-              <a:t>Total </a:t>
-            </a:r>
-            <a:r>
-              <a:rPr lang="it-IT" dirty="0" err="1" smtClean="0"/>
-              <a:t>points</a:t>
-            </a:r>
-            <a:r>
-              <a:rPr lang="it-IT" dirty="0" smtClean="0"/>
-              <a:t> </a:t>
-            </a:r>
-            <a:r>
-              <a:rPr lang="it-IT" dirty="0" err="1" smtClean="0"/>
-              <a:t>committed</a:t>
-            </a:r>
-            <a:r>
-              <a:rPr lang="it-IT" dirty="0" smtClean="0"/>
-              <a:t>/</a:t>
-            </a:r>
-            <a:r>
-              <a:rPr lang="it-IT" dirty="0" err="1" smtClean="0"/>
-              <a:t>done</a:t>
-            </a:r>
-            <a:r>
-              <a:rPr lang="it-IT" dirty="0" smtClean="0"/>
-              <a:t>: 15/10</a:t>
-            </a:r>
-          </a:p>
-          <a:p>
-            <a:r>
-              <a:rPr lang="it-IT" dirty="0" err="1" smtClean="0"/>
-              <a:t>Number</a:t>
-            </a:r>
-            <a:r>
-              <a:rPr lang="it-IT" dirty="0" smtClean="0"/>
-              <a:t> </a:t>
-            </a:r>
-            <a:r>
-              <a:rPr lang="it-IT" dirty="0" err="1" smtClean="0"/>
-              <a:t>of</a:t>
-            </a:r>
-            <a:r>
-              <a:rPr lang="it-IT" dirty="0" smtClean="0"/>
-              <a:t> </a:t>
-            </a:r>
-            <a:r>
-              <a:rPr lang="it-IT" dirty="0" err="1" smtClean="0"/>
-              <a:t>hours</a:t>
-            </a:r>
-            <a:r>
-              <a:rPr lang="it-IT" dirty="0" smtClean="0"/>
-              <a:t> </a:t>
-            </a:r>
-            <a:r>
-              <a:rPr lang="it-IT" dirty="0" err="1" smtClean="0"/>
-              <a:t>planned</a:t>
-            </a:r>
-            <a:r>
-              <a:rPr lang="it-IT" dirty="0" smtClean="0"/>
-              <a:t>/</a:t>
-            </a:r>
-            <a:r>
-              <a:rPr lang="it-IT" dirty="0" err="1" smtClean="0"/>
-              <a:t>spent</a:t>
-            </a:r>
-            <a:r>
-              <a:rPr lang="it-IT" dirty="0" smtClean="0"/>
-              <a:t>: 36/49</a:t>
-            </a:r>
-          </a:p>
-          <a:p>
-            <a:r>
-              <a:rPr lang="it-IT" dirty="0" err="1" smtClean="0"/>
-              <a:t>Hours</a:t>
-            </a:r>
-            <a:r>
-              <a:rPr lang="it-IT" dirty="0" smtClean="0"/>
-              <a:t> per task: 5.4 (</a:t>
-            </a:r>
-            <a:r>
-              <a:rPr lang="it-IT" dirty="0" err="1" smtClean="0"/>
-              <a:t>avg</a:t>
-            </a:r>
-            <a:r>
-              <a:rPr lang="it-IT" dirty="0" smtClean="0"/>
-              <a:t>), </a:t>
-            </a:r>
-          </a:p>
-          <a:p>
             <a:endParaRPr lang="it-IT" dirty="0"/>
           </a:p>
           <a:p>
             <a:endParaRPr lang="it-IT" dirty="0"/>
           </a:p>
           <a:p>
-            <a:endParaRPr lang="it-IT" dirty="0" smtClean="0"/>
-          </a:p>
-          <a:p>
             <a:endParaRPr lang="it-IT" dirty="0"/>
           </a:p>
           <a:p>
-            <a:endParaRPr lang="it-IT" dirty="0" smtClean="0"/>
-          </a:p>
-          <a:p>
-            <a:endParaRPr lang="it-IT" dirty="0" smtClean="0"/>
-          </a:p>
-          <a:p>
+            <a:r>
+              <a:rPr lang="it-IT" dirty="0"/>
+              <a:t>Total task estimation error ratio: 0.73</a:t>
+            </a:r>
+          </a:p>
+          <a:p>
+            <a:pPr marL="0" indent="0">
+              <a:buNone/>
+            </a:pPr>
             <a:endParaRPr lang="it-IT" dirty="0"/>
-          </a:p>
-          <a:p>
-            <a:r>
-              <a:rPr lang="it-IT" dirty="0" smtClean="0"/>
-              <a:t>Total task </a:t>
-            </a:r>
-            <a:r>
-              <a:rPr lang="it-IT" dirty="0" err="1" smtClean="0"/>
-              <a:t>estimation</a:t>
-            </a:r>
-            <a:r>
-              <a:rPr lang="it-IT" dirty="0" smtClean="0"/>
-              <a:t> </a:t>
-            </a:r>
-            <a:r>
-              <a:rPr lang="it-IT" dirty="0" err="1" smtClean="0"/>
-              <a:t>error</a:t>
-            </a:r>
-            <a:r>
-              <a:rPr lang="it-IT" dirty="0" smtClean="0"/>
-              <a:t> </a:t>
-            </a:r>
-            <a:r>
-              <a:rPr lang="it-IT" dirty="0" err="1" smtClean="0"/>
-              <a:t>ratio</a:t>
-            </a:r>
-            <a:r>
-              <a:rPr lang="it-IT" dirty="0" smtClean="0"/>
-              <a:t>: 0.73</a:t>
-            </a:r>
           </a:p>
         </p:txBody>
       </p:sp>
@@ -3647,10 +3353,16 @@
           <p:cNvGraphicFramePr>
             <a:graphicFrameLocks noGrp="1"/>
           </p:cNvGraphicFramePr>
-          <p:nvPr/>
+          <p:nvPr>
+            <p:extLst>
+              <p:ext uri="{D42A27DB-BD31-4B8C-83A1-F6EECF244321}">
+                <p14:modId xmlns:p14="http://schemas.microsoft.com/office/powerpoint/2010/main" val="293829743"/>
+              </p:ext>
+            </p:extLst>
+          </p:nvPr>
         </p:nvGraphicFramePr>
         <p:xfrm>
-          <a:off x="642910" y="3000372"/>
+          <a:off x="642910" y="3573016"/>
           <a:ext cx="7858180" cy="2214576"/>
         </p:xfrm>
         <a:graphic>
@@ -3660,11 +3372,41 @@
                 <a:tableStyleId>{5C22544A-7EE6-4342-B048-85BDC9FD1C3A}</a:tableStyleId>
               </a:tblPr>
               <a:tblGrid>
-                <a:gridCol w="1571636"/>
-                <a:gridCol w="1571636"/>
-                <a:gridCol w="1571636"/>
-                <a:gridCol w="1571636"/>
-                <a:gridCol w="1571636"/>
+                <a:gridCol w="1571636">
+                  <a:extLst>
+                    <a:ext uri="{9D8B030D-6E8A-4147-A177-3AD203B41FA5}">
+                      <a16:colId xmlns:a16="http://schemas.microsoft.com/office/drawing/2014/main" val="20000"/>
+                    </a:ext>
+                  </a:extLst>
+                </a:gridCol>
+                <a:gridCol w="1571636">
+                  <a:extLst>
+                    <a:ext uri="{9D8B030D-6E8A-4147-A177-3AD203B41FA5}">
+                      <a16:colId xmlns:a16="http://schemas.microsoft.com/office/drawing/2014/main" val="20001"/>
+                    </a:ext>
+                  </a:extLst>
+                </a:gridCol>
+                <a:gridCol w="1571636">
+                  <a:extLst>
+                    <a:ext uri="{9D8B030D-6E8A-4147-A177-3AD203B41FA5}">
+                      <a16:colId xmlns:a16="http://schemas.microsoft.com/office/drawing/2014/main" val="20002"/>
+                    </a:ext>
+                  </a:extLst>
+                </a:gridCol>
+                <a:gridCol w="1571636">
+                  <a:extLst>
+                    <a:ext uri="{9D8B030D-6E8A-4147-A177-3AD203B41FA5}">
+                      <a16:colId xmlns:a16="http://schemas.microsoft.com/office/drawing/2014/main" val="20003"/>
+                    </a:ext>
+                  </a:extLst>
+                </a:gridCol>
+                <a:gridCol w="1571636">
+                  <a:extLst>
+                    <a:ext uri="{9D8B030D-6E8A-4147-A177-3AD203B41FA5}">
+                      <a16:colId xmlns:a16="http://schemas.microsoft.com/office/drawing/2014/main" val="20004"/>
+                    </a:ext>
+                  </a:extLst>
+                </a:gridCol>
               </a:tblGrid>
               <a:tr h="667552">
                 <a:tc>
@@ -3673,11 +3415,11 @@
                     <a:lstStyle/>
                     <a:p>
                       <a:r>
-                        <a:rPr lang="it-IT" dirty="0" smtClean="0"/>
+                        <a:rPr lang="it-IT" dirty="0"/>
                         <a:t>ID</a:t>
                       </a:r>
                       <a:r>
-                        <a:rPr lang="it-IT" baseline="0" dirty="0" smtClean="0"/>
+                        <a:rPr lang="it-IT" baseline="0" dirty="0"/>
                         <a:t> story</a:t>
                       </a:r>
                       <a:endParaRPr lang="it-IT" dirty="0"/>
@@ -3691,16 +3433,12 @@
                     <a:lstStyle/>
                     <a:p>
                       <a:r>
-                        <a:rPr lang="it-IT" dirty="0" smtClean="0"/>
+                        <a:rPr lang="it-IT" dirty="0"/>
                         <a:t>#</a:t>
                       </a:r>
                       <a:r>
-                        <a:rPr lang="it-IT" baseline="0" dirty="0" smtClean="0"/>
-                        <a:t> </a:t>
-                      </a:r>
-                      <a:r>
-                        <a:rPr lang="it-IT" baseline="0" dirty="0" err="1" smtClean="0"/>
-                        <a:t>Tasks</a:t>
+                        <a:rPr lang="it-IT" baseline="0" dirty="0"/>
+                        <a:t> Tasks</a:t>
                       </a:r>
                       <a:endParaRPr lang="it-IT" dirty="0"/>
                     </a:p>
@@ -3713,10 +3451,9 @@
                     <a:lstStyle/>
                     <a:p>
                       <a:r>
-                        <a:rPr lang="it-IT" dirty="0" err="1" smtClean="0"/>
+                        <a:rPr lang="it-IT" dirty="0"/>
                         <a:t>Points</a:t>
                       </a:r>
-                      <a:endParaRPr lang="it-IT" dirty="0"/>
                     </a:p>
                   </a:txBody>
                   <a:tcPr/>
@@ -3727,18 +3464,9 @@
                     <a:lstStyle/>
                     <a:p>
                       <a:r>
-                        <a:rPr lang="it-IT" dirty="0" err="1" smtClean="0"/>
-                        <a:t>Hrs</a:t>
+                        <a:rPr lang="it-IT" dirty="0"/>
+                        <a:t>Hrs estimated</a:t>
                       </a:r>
-                      <a:r>
-                        <a:rPr lang="it-IT" dirty="0" smtClean="0"/>
-                        <a:t> </a:t>
-                      </a:r>
-                      <a:r>
-                        <a:rPr lang="it-IT" dirty="0" err="1" smtClean="0"/>
-                        <a:t>extimaded</a:t>
-                      </a:r>
-                      <a:endParaRPr lang="it-IT" dirty="0"/>
                     </a:p>
                   </a:txBody>
                   <a:tcPr/>
@@ -3749,22 +3477,18 @@
                     <a:lstStyle/>
                     <a:p>
                       <a:r>
-                        <a:rPr lang="it-IT" dirty="0" err="1" smtClean="0"/>
-                        <a:t>Hrs</a:t>
+                        <a:rPr lang="it-IT" dirty="0"/>
+                        <a:t>Hrs Spent</a:t>
                       </a:r>
-                      <a:r>
-                        <a:rPr lang="it-IT" dirty="0" smtClean="0"/>
-                        <a:t> </a:t>
-                      </a:r>
-                      <a:r>
-                        <a:rPr lang="it-IT" dirty="0" err="1" smtClean="0"/>
-                        <a:t>spent</a:t>
-                      </a:r>
-                      <a:endParaRPr lang="it-IT" dirty="0"/>
                     </a:p>
                   </a:txBody>
                   <a:tcPr/>
                 </a:tc>
+                <a:extLst>
+                  <a:ext uri="{0D108BD9-81ED-4DB2-BD59-A6C34878D82A}">
+                    <a16:rowId xmlns:a16="http://schemas.microsoft.com/office/drawing/2014/main" val="10000"/>
+                  </a:ext>
+                </a:extLst>
               </a:tr>
               <a:tr h="386756">
                 <a:tc>
@@ -3773,10 +3497,9 @@
                     <a:lstStyle/>
                     <a:p>
                       <a:r>
-                        <a:rPr lang="it-IT" dirty="0" smtClean="0"/>
+                        <a:rPr lang="it-IT" dirty="0"/>
                         <a:t>OQ-1</a:t>
                       </a:r>
-                      <a:endParaRPr lang="it-IT" dirty="0"/>
                     </a:p>
                   </a:txBody>
                   <a:tcPr/>
@@ -3787,10 +3510,9 @@
                     <a:lstStyle/>
                     <a:p>
                       <a:r>
-                        <a:rPr lang="it-IT" dirty="0" smtClean="0"/>
+                        <a:rPr lang="it-IT" dirty="0"/>
                         <a:t>3</a:t>
                       </a:r>
-                      <a:endParaRPr lang="it-IT" dirty="0"/>
                     </a:p>
                   </a:txBody>
                   <a:tcPr/>
@@ -3801,10 +3523,9 @@
                     <a:lstStyle/>
                     <a:p>
                       <a:r>
-                        <a:rPr lang="it-IT" dirty="0" smtClean="0"/>
+                        <a:rPr lang="it-IT" dirty="0"/>
                         <a:t>5</a:t>
                       </a:r>
-                      <a:endParaRPr lang="it-IT" dirty="0"/>
                     </a:p>
                   </a:txBody>
                   <a:tcPr/>
@@ -3815,10 +3536,9 @@
                     <a:lstStyle/>
                     <a:p>
                       <a:r>
-                        <a:rPr lang="it-IT" dirty="0" smtClean="0"/>
+                        <a:rPr lang="it-IT" dirty="0"/>
                         <a:t>11</a:t>
                       </a:r>
-                      <a:endParaRPr lang="it-IT" dirty="0"/>
                     </a:p>
                   </a:txBody>
                   <a:tcPr/>
@@ -3829,14 +3549,18 @@
                     <a:lstStyle/>
                     <a:p>
                       <a:r>
-                        <a:rPr lang="it-IT" dirty="0" smtClean="0"/>
+                        <a:rPr lang="it-IT" dirty="0"/>
                         <a:t>14</a:t>
                       </a:r>
-                      <a:endParaRPr lang="it-IT" dirty="0"/>
                     </a:p>
                   </a:txBody>
                   <a:tcPr/>
                 </a:tc>
+                <a:extLst>
+                  <a:ext uri="{0D108BD9-81ED-4DB2-BD59-A6C34878D82A}">
+                    <a16:rowId xmlns:a16="http://schemas.microsoft.com/office/drawing/2014/main" val="10001"/>
+                  </a:ext>
+                </a:extLst>
               </a:tr>
               <a:tr h="386756">
                 <a:tc>
@@ -3845,10 +3569,9 @@
                     <a:lstStyle/>
                     <a:p>
                       <a:r>
-                        <a:rPr lang="it-IT" dirty="0" smtClean="0"/>
+                        <a:rPr lang="it-IT" dirty="0"/>
                         <a:t>OQ-2</a:t>
                       </a:r>
-                      <a:endParaRPr lang="it-IT" dirty="0"/>
                     </a:p>
                   </a:txBody>
                   <a:tcPr/>
@@ -3859,10 +3582,9 @@
                     <a:lstStyle/>
                     <a:p>
                       <a:r>
-                        <a:rPr lang="it-IT" dirty="0" smtClean="0"/>
+                        <a:rPr lang="it-IT" dirty="0"/>
                         <a:t>2</a:t>
                       </a:r>
-                      <a:endParaRPr lang="it-IT" dirty="0"/>
                     </a:p>
                   </a:txBody>
                   <a:tcPr/>
@@ -3873,10 +3595,9 @@
                     <a:lstStyle/>
                     <a:p>
                       <a:r>
-                        <a:rPr lang="it-IT" dirty="0" smtClean="0"/>
+                        <a:rPr lang="it-IT" dirty="0"/>
                         <a:t>3</a:t>
                       </a:r>
-                      <a:endParaRPr lang="it-IT" dirty="0"/>
                     </a:p>
                   </a:txBody>
                   <a:tcPr/>
@@ -3887,10 +3608,9 @@
                     <a:lstStyle/>
                     <a:p>
                       <a:r>
-                        <a:rPr lang="it-IT" dirty="0" smtClean="0"/>
+                        <a:rPr lang="it-IT" dirty="0"/>
                         <a:t>8</a:t>
                       </a:r>
-                      <a:endParaRPr lang="it-IT" dirty="0"/>
                     </a:p>
                   </a:txBody>
                   <a:tcPr/>
@@ -3901,14 +3621,18 @@
                     <a:lstStyle/>
                     <a:p>
                       <a:r>
-                        <a:rPr lang="it-IT" dirty="0" smtClean="0"/>
+                        <a:rPr lang="it-IT" dirty="0"/>
                         <a:t>13.5</a:t>
                       </a:r>
-                      <a:endParaRPr lang="it-IT" dirty="0"/>
                     </a:p>
                   </a:txBody>
                   <a:tcPr/>
                 </a:tc>
+                <a:extLst>
+                  <a:ext uri="{0D108BD9-81ED-4DB2-BD59-A6C34878D82A}">
+                    <a16:rowId xmlns:a16="http://schemas.microsoft.com/office/drawing/2014/main" val="10002"/>
+                  </a:ext>
+                </a:extLst>
               </a:tr>
               <a:tr h="386756">
                 <a:tc>
@@ -3917,10 +3641,9 @@
                     <a:lstStyle/>
                     <a:p>
                       <a:r>
-                        <a:rPr lang="it-IT" dirty="0" smtClean="0"/>
+                        <a:rPr lang="it-IT" dirty="0"/>
                         <a:t>OQ-6</a:t>
                       </a:r>
-                      <a:endParaRPr lang="it-IT" dirty="0"/>
                     </a:p>
                   </a:txBody>
                   <a:tcPr/>
@@ -3931,10 +3654,9 @@
                     <a:lstStyle/>
                     <a:p>
                       <a:r>
-                        <a:rPr lang="it-IT" dirty="0" smtClean="0"/>
+                        <a:rPr lang="it-IT" dirty="0"/>
                         <a:t>2</a:t>
                       </a:r>
-                      <a:endParaRPr lang="it-IT" dirty="0"/>
                     </a:p>
                   </a:txBody>
                   <a:tcPr/>
@@ -3945,10 +3667,9 @@
                     <a:lstStyle/>
                     <a:p>
                       <a:r>
-                        <a:rPr lang="it-IT" dirty="0" smtClean="0"/>
+                        <a:rPr lang="it-IT" dirty="0"/>
                         <a:t>2</a:t>
                       </a:r>
-                      <a:endParaRPr lang="it-IT" dirty="0"/>
                     </a:p>
                   </a:txBody>
                   <a:tcPr/>
@@ -3959,10 +3680,9 @@
                     <a:lstStyle/>
                     <a:p>
                       <a:r>
-                        <a:rPr lang="it-IT" dirty="0" smtClean="0"/>
+                        <a:rPr lang="it-IT" dirty="0"/>
                         <a:t>10</a:t>
                       </a:r>
-                      <a:endParaRPr lang="it-IT" dirty="0"/>
                     </a:p>
                   </a:txBody>
                   <a:tcPr/>
@@ -3973,14 +3693,18 @@
                     <a:lstStyle/>
                     <a:p>
                       <a:r>
-                        <a:rPr lang="it-IT" dirty="0" smtClean="0"/>
+                        <a:rPr lang="it-IT" dirty="0"/>
                         <a:t>5</a:t>
                       </a:r>
-                      <a:endParaRPr lang="it-IT" dirty="0"/>
                     </a:p>
                   </a:txBody>
                   <a:tcPr/>
                 </a:tc>
+                <a:extLst>
+                  <a:ext uri="{0D108BD9-81ED-4DB2-BD59-A6C34878D82A}">
+                    <a16:rowId xmlns:a16="http://schemas.microsoft.com/office/drawing/2014/main" val="10003"/>
+                  </a:ext>
+                </a:extLst>
               </a:tr>
               <a:tr h="386756">
                 <a:tc>
@@ -3989,10 +3713,9 @@
                     <a:lstStyle/>
                     <a:p>
                       <a:r>
-                        <a:rPr lang="it-IT" dirty="0" smtClean="0"/>
+                        <a:rPr lang="it-IT" dirty="0"/>
                         <a:t>OQ-17</a:t>
                       </a:r>
-                      <a:endParaRPr lang="it-IT" dirty="0"/>
                     </a:p>
                   </a:txBody>
                   <a:tcPr/>
@@ -4003,10 +3726,9 @@
                     <a:lstStyle/>
                     <a:p>
                       <a:r>
-                        <a:rPr lang="it-IT" dirty="0" smtClean="0"/>
+                        <a:rPr lang="it-IT" dirty="0"/>
                         <a:t>2</a:t>
                       </a:r>
-                      <a:endParaRPr lang="it-IT" dirty="0"/>
                     </a:p>
                   </a:txBody>
                   <a:tcPr/>
@@ -4017,10 +3739,9 @@
                     <a:lstStyle/>
                     <a:p>
                       <a:r>
-                        <a:rPr lang="it-IT" dirty="0" smtClean="0"/>
+                        <a:rPr lang="it-IT" dirty="0"/>
                         <a:t>5</a:t>
                       </a:r>
-                      <a:endParaRPr lang="it-IT" dirty="0"/>
                     </a:p>
                   </a:txBody>
                   <a:tcPr/>
@@ -4031,10 +3752,9 @@
                     <a:lstStyle/>
                     <a:p>
                       <a:r>
-                        <a:rPr lang="it-IT" dirty="0" smtClean="0"/>
+                        <a:rPr lang="it-IT" dirty="0"/>
                         <a:t>7</a:t>
                       </a:r>
-                      <a:endParaRPr lang="it-IT" dirty="0"/>
                     </a:p>
                   </a:txBody>
                   <a:tcPr/>
@@ -4045,14 +3765,18 @@
                     <a:lstStyle/>
                     <a:p>
                       <a:r>
-                        <a:rPr lang="it-IT" dirty="0" smtClean="0"/>
+                        <a:rPr lang="it-IT" dirty="0"/>
                         <a:t>16.5</a:t>
                       </a:r>
-                      <a:endParaRPr lang="it-IT" dirty="0"/>
                     </a:p>
                   </a:txBody>
                   <a:tcPr/>
                 </a:tc>
+                <a:extLst>
+                  <a:ext uri="{0D108BD9-81ED-4DB2-BD59-A6C34878D82A}">
+                    <a16:rowId xmlns:a16="http://schemas.microsoft.com/office/drawing/2014/main" val="10004"/>
+                  </a:ext>
+                </a:extLst>
               </a:tr>
             </a:tbl>
           </a:graphicData>
@@ -4101,161 +3825,39 @@
           <a:lstStyle/>
           <a:p>
             <a:r>
-              <a:rPr lang="it-IT" dirty="0" err="1" smtClean="0"/>
+              <a:rPr lang="it-IT" dirty="0"/>
               <a:t>Testing</a:t>
             </a:r>
+          </a:p>
+        </p:txBody>
+      </p:sp>
+      <p:sp>
+        <p:nvSpPr>
+          <p:cNvPr id="3" name="Segnaposto contenuto 2"/>
+          <p:cNvSpPr>
+            <a:spLocks noGrp="1"/>
+          </p:cNvSpPr>
+          <p:nvPr>
+            <p:ph idx="1"/>
+          </p:nvPr>
+        </p:nvSpPr>
+        <p:spPr/>
+        <p:txBody>
+          <a:bodyPr/>
+          <a:lstStyle/>
+          <a:p>
             <a:endParaRPr lang="it-IT" dirty="0"/>
           </a:p>
-        </p:txBody>
-      </p:sp>
-      <p:sp>
-        <p:nvSpPr>
-          <p:cNvPr id="3" name="Segnaposto contenuto 2"/>
-          <p:cNvSpPr>
-            <a:spLocks noGrp="1"/>
-          </p:cNvSpPr>
-          <p:nvPr>
-            <p:ph idx="1"/>
-          </p:nvPr>
-        </p:nvSpPr>
-        <p:spPr/>
-        <p:txBody>
-          <a:bodyPr/>
-          <a:lstStyle/>
-          <a:p>
-            <a:r>
-              <a:rPr lang="it-IT" dirty="0" err="1" smtClean="0"/>
-              <a:t>We</a:t>
-            </a:r>
-            <a:r>
-              <a:rPr lang="it-IT" dirty="0" smtClean="0"/>
-              <a:t> </a:t>
-            </a:r>
-            <a:r>
-              <a:rPr lang="it-IT" dirty="0" err="1" smtClean="0"/>
-              <a:t>included</a:t>
-            </a:r>
-            <a:r>
-              <a:rPr lang="it-IT" dirty="0" smtClean="0"/>
-              <a:t> </a:t>
-            </a:r>
-            <a:r>
-              <a:rPr lang="it-IT" dirty="0" err="1" smtClean="0"/>
-              <a:t>our</a:t>
-            </a:r>
-            <a:r>
-              <a:rPr lang="it-IT" dirty="0" smtClean="0"/>
-              <a:t> </a:t>
-            </a:r>
-            <a:r>
-              <a:rPr lang="it-IT" dirty="0" err="1" smtClean="0"/>
-              <a:t>estimation</a:t>
-            </a:r>
-            <a:r>
-              <a:rPr lang="it-IT" dirty="0" smtClean="0"/>
-              <a:t> </a:t>
-            </a:r>
-            <a:r>
-              <a:rPr lang="it-IT" dirty="0" err="1" smtClean="0"/>
-              <a:t>of</a:t>
-            </a:r>
-            <a:r>
-              <a:rPr lang="it-IT" dirty="0" smtClean="0"/>
-              <a:t> </a:t>
-            </a:r>
-            <a:r>
-              <a:rPr lang="it-IT" dirty="0" err="1" smtClean="0"/>
-              <a:t>testing</a:t>
-            </a:r>
-            <a:r>
-              <a:rPr lang="it-IT" dirty="0" smtClean="0"/>
-              <a:t> in the task </a:t>
-            </a:r>
-            <a:r>
-              <a:rPr lang="it-IT" dirty="0" err="1" smtClean="0"/>
-              <a:t>estimation</a:t>
-            </a:r>
-            <a:r>
-              <a:rPr lang="it-IT" dirty="0" smtClean="0"/>
-              <a:t>, so </a:t>
-            </a:r>
-            <a:r>
-              <a:rPr lang="it-IT" dirty="0" err="1" smtClean="0"/>
-              <a:t>we</a:t>
-            </a:r>
-            <a:r>
-              <a:rPr lang="it-IT" dirty="0" smtClean="0"/>
-              <a:t> don’t </a:t>
-            </a:r>
-            <a:r>
-              <a:rPr lang="it-IT" dirty="0" err="1" smtClean="0"/>
-              <a:t>have</a:t>
-            </a:r>
-            <a:r>
-              <a:rPr lang="it-IT" dirty="0" smtClean="0"/>
-              <a:t> </a:t>
-            </a:r>
-            <a:r>
-              <a:rPr lang="it-IT" dirty="0" err="1" smtClean="0"/>
-              <a:t>time</a:t>
-            </a:r>
-            <a:r>
-              <a:rPr lang="it-IT" dirty="0" smtClean="0"/>
-              <a:t> </a:t>
-            </a:r>
-            <a:r>
-              <a:rPr lang="it-IT" dirty="0" err="1" smtClean="0"/>
-              <a:t>tracked</a:t>
-            </a:r>
-            <a:r>
-              <a:rPr lang="it-IT" dirty="0" smtClean="0"/>
-              <a:t> </a:t>
-            </a:r>
-            <a:r>
-              <a:rPr lang="it-IT" dirty="0" err="1" smtClean="0"/>
-              <a:t>only</a:t>
-            </a:r>
-            <a:r>
-              <a:rPr lang="it-IT" dirty="0" smtClean="0"/>
-              <a:t> </a:t>
-            </a:r>
-            <a:r>
-              <a:rPr lang="it-IT" dirty="0" err="1" smtClean="0"/>
-              <a:t>for</a:t>
-            </a:r>
-            <a:r>
-              <a:rPr lang="it-IT" dirty="0" smtClean="0"/>
-              <a:t> </a:t>
-            </a:r>
-            <a:r>
-              <a:rPr lang="it-IT" dirty="0" err="1" smtClean="0"/>
-              <a:t>testing</a:t>
-            </a:r>
-            <a:r>
-              <a:rPr lang="it-IT" dirty="0" smtClean="0"/>
-              <a:t>.</a:t>
-            </a:r>
-          </a:p>
-          <a:p>
-            <a:r>
-              <a:rPr lang="it-IT" dirty="0" smtClean="0"/>
-              <a:t>Total </a:t>
-            </a:r>
-            <a:r>
-              <a:rPr lang="it-IT" dirty="0" err="1" smtClean="0"/>
-              <a:t>hours</a:t>
-            </a:r>
-            <a:r>
-              <a:rPr lang="it-IT" dirty="0" smtClean="0"/>
-              <a:t> </a:t>
-            </a:r>
-            <a:r>
-              <a:rPr lang="it-IT" dirty="0" err="1" smtClean="0"/>
-              <a:t>spent</a:t>
-            </a:r>
-            <a:r>
-              <a:rPr lang="it-IT" dirty="0" smtClean="0"/>
-              <a:t>: 1</a:t>
+          <a:p>
+            <a:r>
+              <a:rPr lang="it-IT" dirty="0"/>
+              <a:t>We included our estimation of testing in the task estimation, so we don’t have time tracked only for testing.</a:t>
+            </a:r>
+          </a:p>
+          <a:p>
+            <a:r>
+              <a:rPr lang="it-IT" dirty="0"/>
+              <a:t>Total hours spent: 1hrs</a:t>
             </a:r>
           </a:p>
         </p:txBody>
@@ -4301,10 +3903,9 @@
           <a:lstStyle/>
           <a:p>
             <a:r>
-              <a:rPr lang="it-IT" dirty="0" err="1" smtClean="0"/>
+              <a:rPr lang="it-IT" dirty="0"/>
               <a:t>Assessment</a:t>
             </a:r>
-            <a:endParaRPr lang="it-IT" dirty="0"/>
           </a:p>
         </p:txBody>
       </p:sp>
@@ -4318,407 +3919,134 @@
             <p:ph idx="1"/>
           </p:nvPr>
         </p:nvSpPr>
-        <p:spPr/>
+        <p:spPr>
+          <a:xfrm>
+            <a:off x="457200" y="1417638"/>
+            <a:ext cx="8229600" cy="4929411"/>
+          </a:xfrm>
+        </p:spPr>
         <p:txBody>
           <a:bodyPr>
-            <a:normAutofit fontScale="85000" lnSpcReduction="10000"/>
+            <a:normAutofit lnSpcReduction="10000"/>
           </a:bodyPr>
           <a:lstStyle/>
           <a:p>
             <a:r>
-              <a:rPr lang="it-IT" dirty="0" err="1" smtClean="0"/>
-              <a:t>We</a:t>
-            </a:r>
-            <a:r>
-              <a:rPr lang="it-IT" dirty="0" smtClean="0"/>
-              <a:t> </a:t>
-            </a:r>
-            <a:r>
-              <a:rPr lang="it-IT" dirty="0" err="1" smtClean="0"/>
-              <a:t>did</a:t>
-            </a:r>
-            <a:r>
-              <a:rPr lang="it-IT" dirty="0" smtClean="0"/>
-              <a:t> </a:t>
-            </a:r>
-            <a:r>
-              <a:rPr lang="it-IT" dirty="0" err="1" smtClean="0"/>
-              <a:t>not</a:t>
-            </a:r>
-            <a:r>
-              <a:rPr lang="it-IT" dirty="0" smtClean="0"/>
-              <a:t> complete </a:t>
-            </a:r>
-            <a:r>
-              <a:rPr lang="it-IT" dirty="0" err="1" smtClean="0"/>
-              <a:t>all</a:t>
-            </a:r>
-            <a:r>
-              <a:rPr lang="it-IT" dirty="0" smtClean="0"/>
-              <a:t> </a:t>
-            </a:r>
-            <a:r>
-              <a:rPr lang="it-IT" dirty="0" err="1" smtClean="0"/>
-              <a:t>planned</a:t>
-            </a:r>
-            <a:r>
-              <a:rPr lang="it-IT" dirty="0" smtClean="0"/>
-              <a:t> </a:t>
-            </a:r>
-            <a:r>
-              <a:rPr lang="it-IT" dirty="0" err="1" smtClean="0"/>
-              <a:t>stories</a:t>
-            </a:r>
-            <a:r>
-              <a:rPr lang="it-IT" dirty="0" smtClean="0"/>
-              <a:t>, </a:t>
-            </a:r>
-            <a:r>
-              <a:rPr lang="it-IT" dirty="0" err="1" smtClean="0"/>
-              <a:t>because</a:t>
-            </a:r>
-            <a:r>
-              <a:rPr lang="it-IT" dirty="0" smtClean="0"/>
-              <a:t> </a:t>
-            </a:r>
-            <a:r>
-              <a:rPr lang="it-IT" dirty="0" err="1" smtClean="0"/>
-              <a:t>we</a:t>
-            </a:r>
-            <a:r>
-              <a:rPr lang="it-IT" dirty="0" smtClean="0"/>
-              <a:t> </a:t>
-            </a:r>
-            <a:r>
-              <a:rPr lang="it-IT" dirty="0" err="1" smtClean="0"/>
-              <a:t>under-evaluetad</a:t>
-            </a:r>
-            <a:r>
-              <a:rPr lang="it-IT" dirty="0" smtClean="0"/>
-              <a:t> some </a:t>
-            </a:r>
-            <a:r>
-              <a:rPr lang="it-IT" dirty="0" err="1" smtClean="0"/>
-              <a:t>tasks</a:t>
-            </a:r>
-            <a:r>
-              <a:rPr lang="it-IT" dirty="0" smtClean="0"/>
-              <a:t> </a:t>
-            </a:r>
-            <a:r>
-              <a:rPr lang="it-IT" dirty="0" err="1" smtClean="0"/>
-              <a:t>that</a:t>
-            </a:r>
-            <a:r>
-              <a:rPr lang="it-IT" dirty="0" smtClean="0"/>
-              <a:t> </a:t>
-            </a:r>
-            <a:r>
-              <a:rPr lang="it-IT" dirty="0" err="1" smtClean="0"/>
-              <a:t>required</a:t>
-            </a:r>
-            <a:r>
-              <a:rPr lang="it-IT" dirty="0" smtClean="0"/>
-              <a:t> more </a:t>
-            </a:r>
-            <a:r>
-              <a:rPr lang="it-IT" dirty="0" err="1" smtClean="0"/>
-              <a:t>time</a:t>
-            </a:r>
-            <a:r>
-              <a:rPr lang="it-IT" dirty="0" smtClean="0"/>
-              <a:t>.</a:t>
-            </a:r>
-          </a:p>
-          <a:p>
-            <a:r>
-              <a:rPr lang="it-IT" dirty="0" err="1" smtClean="0"/>
-              <a:t>Our</a:t>
-            </a:r>
-            <a:r>
-              <a:rPr lang="it-IT" dirty="0" smtClean="0"/>
-              <a:t> </a:t>
-            </a:r>
-            <a:r>
-              <a:rPr lang="it-IT" dirty="0" err="1" smtClean="0"/>
-              <a:t>errors</a:t>
-            </a:r>
-            <a:r>
-              <a:rPr lang="it-IT" dirty="0" smtClean="0"/>
-              <a:t> in </a:t>
-            </a:r>
-            <a:r>
-              <a:rPr lang="it-IT" dirty="0" err="1" smtClean="0"/>
-              <a:t>estimation</a:t>
-            </a:r>
-            <a:r>
-              <a:rPr lang="it-IT" dirty="0" smtClean="0"/>
-              <a:t> </a:t>
-            </a:r>
-            <a:r>
-              <a:rPr lang="it-IT" dirty="0" err="1" smtClean="0"/>
-              <a:t>were</a:t>
-            </a:r>
-            <a:r>
-              <a:rPr lang="it-IT" dirty="0" smtClean="0"/>
-              <a:t> </a:t>
-            </a:r>
-            <a:r>
-              <a:rPr lang="it-IT" dirty="0" err="1" smtClean="0"/>
-              <a:t>caused</a:t>
-            </a:r>
-            <a:r>
-              <a:rPr lang="it-IT" dirty="0" smtClean="0"/>
-              <a:t> </a:t>
-            </a:r>
-            <a:r>
-              <a:rPr lang="it-IT" dirty="0" err="1" smtClean="0"/>
-              <a:t>by</a:t>
-            </a:r>
-            <a:r>
-              <a:rPr lang="it-IT" dirty="0" smtClean="0"/>
-              <a:t> </a:t>
-            </a:r>
-            <a:r>
-              <a:rPr lang="it-IT" dirty="0" err="1" smtClean="0"/>
-              <a:t>inexperience</a:t>
-            </a:r>
-            <a:r>
-              <a:rPr lang="it-IT" dirty="0" smtClean="0"/>
-              <a:t> in </a:t>
-            </a:r>
-            <a:r>
-              <a:rPr lang="it-IT" dirty="0" err="1" smtClean="0"/>
-              <a:t>estimating</a:t>
-            </a:r>
+              <a:rPr lang="en-US" dirty="0"/>
+              <a:t>Some planned stories have not been done so far because of the evaluation issue. Some tasks required more time to complete.</a:t>
+            </a:r>
+          </a:p>
+          <a:p>
+            <a:r>
+              <a:rPr lang="en-US" dirty="0"/>
+              <a:t>The estimation errors mostly stemmed from the lack of experience in workload assessment and the adoption of new technologies.</a:t>
+            </a:r>
+          </a:p>
+          <a:p>
+            <a:r>
+              <a:rPr lang="en-US" dirty="0"/>
+              <a:t>The way of communication with each other and the importance of time management is the most critical point assimilating by team members.</a:t>
+            </a:r>
+          </a:p>
+        </p:txBody>
+      </p:sp>
+    </p:spTree>
+  </p:cSld>
+  <p:clrMapOvr>
+    <a:masterClrMapping/>
+  </p:clrMapOvr>
+</p:sld>
+</file>
+
+<file path=ppt/slides/slide6.xml><?xml version="1.0" encoding="utf-8"?>
+<p:sld xmlns:a="http://schemas.openxmlformats.org/drawingml/2006/main" xmlns:r="http://schemas.openxmlformats.org/officeDocument/2006/relationships" xmlns:p="http://schemas.openxmlformats.org/presentationml/2006/main">
+  <p:cSld>
+    <p:spTree>
+      <p:nvGrpSpPr>
+        <p:cNvPr id="1" name=""/>
+        <p:cNvGrpSpPr/>
+        <p:nvPr/>
+      </p:nvGrpSpPr>
+      <p:grpSpPr>
+        <a:xfrm>
+          <a:off x="0" y="0"/>
+          <a:ext cx="0" cy="0"/>
+          <a:chOff x="0" y="0"/>
+          <a:chExt cx="0" cy="0"/>
+        </a:xfrm>
+      </p:grpSpPr>
+      <p:sp>
+        <p:nvSpPr>
+          <p:cNvPr id="2" name="Title 1">
+            <a:extLst>
+              <a:ext uri="{FF2B5EF4-FFF2-40B4-BE49-F238E27FC236}">
+                <a16:creationId xmlns:a16="http://schemas.microsoft.com/office/drawing/2014/main" id="{48191A8C-C8F2-4D64-A2C4-8A2823918824}"/>
+              </a:ext>
+            </a:extLst>
+          </p:cNvPr>
+          <p:cNvSpPr>
+            <a:spLocks noGrp="1"/>
+          </p:cNvSpPr>
+          <p:nvPr>
+            <p:ph type="title"/>
+          </p:nvPr>
+        </p:nvSpPr>
+        <p:spPr/>
+        <p:txBody>
+          <a:bodyPr/>
+          <a:lstStyle/>
+          <a:p>
             <a:r>
               <a:rPr lang="it-IT" dirty="0"/>
-              <a:t> </a:t>
-            </a:r>
-            <a:r>
-              <a:rPr lang="it-IT" dirty="0" smtClean="0"/>
-              <a:t>the </a:t>
-            </a:r>
-            <a:r>
-              <a:rPr lang="it-IT" dirty="0" err="1" smtClean="0"/>
-              <a:t>workload</a:t>
-            </a:r>
-            <a:r>
-              <a:rPr lang="it-IT" dirty="0" smtClean="0"/>
-              <a:t> and the </a:t>
-            </a:r>
-            <a:r>
-              <a:rPr lang="it-IT" dirty="0" err="1" smtClean="0"/>
-              <a:t>use</a:t>
-            </a:r>
-            <a:r>
-              <a:rPr lang="it-IT" dirty="0" smtClean="0"/>
-              <a:t> </a:t>
-            </a:r>
-            <a:r>
-              <a:rPr lang="it-IT" dirty="0" err="1" smtClean="0"/>
-              <a:t>of</a:t>
-            </a:r>
-            <a:r>
-              <a:rPr lang="it-IT" dirty="0" smtClean="0"/>
-              <a:t> </a:t>
-            </a:r>
-            <a:r>
-              <a:rPr lang="it-IT" dirty="0" err="1" smtClean="0"/>
-              <a:t>new</a:t>
-            </a:r>
-            <a:r>
-              <a:rPr lang="it-IT" dirty="0" smtClean="0"/>
-              <a:t> </a:t>
-            </a:r>
-            <a:r>
-              <a:rPr lang="it-IT" dirty="0" err="1" smtClean="0"/>
-              <a:t>technologies</a:t>
-            </a:r>
-            <a:r>
-              <a:rPr lang="it-IT" dirty="0" smtClean="0"/>
-              <a:t>.</a:t>
-            </a:r>
-          </a:p>
-          <a:p>
-            <a:r>
-              <a:rPr lang="it-IT" dirty="0" err="1" smtClean="0"/>
-              <a:t>We</a:t>
-            </a:r>
-            <a:r>
-              <a:rPr lang="it-IT" dirty="0" smtClean="0"/>
-              <a:t> </a:t>
-            </a:r>
-            <a:r>
-              <a:rPr lang="it-IT" dirty="0" err="1" smtClean="0"/>
-              <a:t>learn</a:t>
-            </a:r>
-            <a:r>
-              <a:rPr lang="it-IT" dirty="0" smtClean="0"/>
-              <a:t> the </a:t>
-            </a:r>
-            <a:r>
-              <a:rPr lang="it-IT" dirty="0" err="1" smtClean="0"/>
-              <a:t>importance</a:t>
-            </a:r>
-            <a:r>
-              <a:rPr lang="it-IT" dirty="0" smtClean="0"/>
-              <a:t> </a:t>
-            </a:r>
-            <a:r>
-              <a:rPr lang="it-IT" dirty="0" err="1" smtClean="0"/>
-              <a:t>of</a:t>
-            </a:r>
-            <a:r>
-              <a:rPr lang="it-IT" dirty="0" smtClean="0"/>
-              <a:t> </a:t>
-            </a:r>
-            <a:r>
-              <a:rPr lang="it-IT" dirty="0" err="1" smtClean="0"/>
-              <a:t>communication</a:t>
-            </a:r>
-            <a:r>
-              <a:rPr lang="it-IT" dirty="0" smtClean="0"/>
-              <a:t> and </a:t>
-            </a:r>
-            <a:r>
-              <a:rPr lang="it-IT" dirty="0" err="1" smtClean="0"/>
-              <a:t>time</a:t>
-            </a:r>
-            <a:r>
-              <a:rPr lang="it-IT" dirty="0" smtClean="0"/>
-              <a:t> management.</a:t>
-            </a:r>
-          </a:p>
-          <a:p>
-            <a:r>
-              <a:rPr lang="it-IT" dirty="0" err="1" smtClean="0"/>
-              <a:t>We</a:t>
-            </a:r>
-            <a:r>
-              <a:rPr lang="it-IT" dirty="0" smtClean="0"/>
-              <a:t> </a:t>
-            </a:r>
-            <a:r>
-              <a:rPr lang="it-IT" dirty="0" err="1" smtClean="0"/>
-              <a:t>should</a:t>
-            </a:r>
-            <a:r>
-              <a:rPr lang="it-IT" dirty="0" smtClean="0"/>
-              <a:t> take </a:t>
-            </a:r>
-            <a:r>
-              <a:rPr lang="it-IT" dirty="0" err="1" smtClean="0"/>
-              <a:t>advanteg</a:t>
-            </a:r>
-            <a:r>
-              <a:rPr lang="it-IT" dirty="0" smtClean="0"/>
-              <a:t> </a:t>
-            </a:r>
-            <a:r>
-              <a:rPr lang="it-IT" dirty="0" err="1" smtClean="0"/>
-              <a:t>of</a:t>
-            </a:r>
-            <a:r>
-              <a:rPr lang="it-IT" dirty="0" smtClean="0"/>
-              <a:t> the </a:t>
-            </a:r>
-            <a:r>
-              <a:rPr lang="it-IT" dirty="0" err="1" smtClean="0"/>
-              <a:t>branches</a:t>
-            </a:r>
-            <a:r>
-              <a:rPr lang="it-IT" dirty="0" smtClean="0"/>
-              <a:t> </a:t>
-            </a:r>
-            <a:r>
-              <a:rPr lang="it-IT" dirty="0" err="1" smtClean="0"/>
-              <a:t>provided</a:t>
-            </a:r>
-            <a:r>
-              <a:rPr lang="it-IT" dirty="0" smtClean="0"/>
-              <a:t> </a:t>
-            </a:r>
-            <a:r>
-              <a:rPr lang="it-IT" dirty="0" err="1" smtClean="0"/>
-              <a:t>by</a:t>
-            </a:r>
-            <a:r>
-              <a:rPr lang="it-IT" smtClean="0"/>
-              <a:t> GIT.</a:t>
-            </a:r>
-            <a:endParaRPr lang="it-IT" dirty="0" smtClean="0"/>
-          </a:p>
-          <a:p>
-            <a:r>
-              <a:rPr lang="it-IT" dirty="0" err="1" smtClean="0"/>
-              <a:t>We</a:t>
-            </a:r>
-            <a:r>
-              <a:rPr lang="it-IT" dirty="0" smtClean="0"/>
-              <a:t> are </a:t>
-            </a:r>
-            <a:r>
-              <a:rPr lang="it-IT" dirty="0" err="1" smtClean="0"/>
-              <a:t>proud</a:t>
-            </a:r>
-            <a:r>
-              <a:rPr lang="it-IT" dirty="0" smtClean="0"/>
-              <a:t> </a:t>
-            </a:r>
-            <a:r>
-              <a:rPr lang="it-IT" dirty="0" err="1" smtClean="0"/>
-              <a:t>of</a:t>
-            </a:r>
-            <a:r>
-              <a:rPr lang="it-IT" dirty="0" smtClean="0"/>
-              <a:t> </a:t>
-            </a:r>
-            <a:r>
-              <a:rPr lang="it-IT" dirty="0" err="1" smtClean="0"/>
-              <a:t>finishing</a:t>
-            </a:r>
-            <a:r>
-              <a:rPr lang="it-IT" dirty="0" smtClean="0"/>
-              <a:t> </a:t>
-            </a:r>
-            <a:r>
-              <a:rPr lang="it-IT" dirty="0" err="1" smtClean="0"/>
-              <a:t>our</a:t>
-            </a:r>
-            <a:r>
-              <a:rPr lang="it-IT" dirty="0" smtClean="0"/>
-              <a:t> first sprint </a:t>
-            </a:r>
-            <a:r>
-              <a:rPr lang="it-IT" dirty="0" err="1" smtClean="0"/>
-              <a:t>with</a:t>
-            </a:r>
-            <a:r>
-              <a:rPr lang="it-IT" dirty="0" smtClean="0"/>
-              <a:t> a </a:t>
-            </a:r>
-            <a:r>
-              <a:rPr lang="it-IT" dirty="0" err="1" smtClean="0"/>
-              <a:t>working</a:t>
-            </a:r>
-            <a:r>
-              <a:rPr lang="it-IT" dirty="0" smtClean="0"/>
-              <a:t> </a:t>
-            </a:r>
-            <a:r>
-              <a:rPr lang="it-IT" dirty="0" err="1" smtClean="0"/>
-              <a:t>product</a:t>
-            </a:r>
-            <a:r>
-              <a:rPr lang="it-IT" dirty="0" smtClean="0"/>
-              <a:t>.</a:t>
-            </a:r>
-            <a:endParaRPr lang="it-IT" dirty="0"/>
+              <a:t>Assessment</a:t>
+            </a:r>
+            <a:endParaRPr lang="en-US" dirty="0"/>
+          </a:p>
+        </p:txBody>
+      </p:sp>
+      <p:sp>
+        <p:nvSpPr>
+          <p:cNvPr id="3" name="Content Placeholder 2">
+            <a:extLst>
+              <a:ext uri="{FF2B5EF4-FFF2-40B4-BE49-F238E27FC236}">
+                <a16:creationId xmlns:a16="http://schemas.microsoft.com/office/drawing/2014/main" id="{5BE6C35D-6562-48CD-88BB-A5F673C774B8}"/>
+              </a:ext>
+            </a:extLst>
+          </p:cNvPr>
+          <p:cNvSpPr>
+            <a:spLocks noGrp="1"/>
+          </p:cNvSpPr>
+          <p:nvPr>
+            <p:ph idx="1"/>
+          </p:nvPr>
+        </p:nvSpPr>
+        <p:spPr/>
+        <p:txBody>
+          <a:bodyPr/>
+          <a:lstStyle/>
+          <a:p>
+            <a:r>
+              <a:rPr lang="en-US" dirty="0"/>
+              <a:t>Taking the benefit of operating on different Branches instead of just working on the Master branch to manage the project better is the one that will enhance in the next sprint.</a:t>
+            </a:r>
+          </a:p>
+          <a:p>
+            <a:r>
+              <a:rPr lang="it-IT" dirty="0"/>
+              <a:t>We are proud of finishing our first sprint with a working product.</a:t>
+            </a:r>
+          </a:p>
+          <a:p>
+            <a:endParaRPr lang="en-US" dirty="0"/>
           </a:p>
         </p:txBody>
       </p:sp>
     </p:spTree>
+    <p:extLst>
+      <p:ext uri="{BB962C8B-B14F-4D97-AF65-F5344CB8AC3E}">
+        <p14:creationId xmlns:p14="http://schemas.microsoft.com/office/powerpoint/2010/main" val="2852225777"/>
+      </p:ext>
+    </p:extLst>
   </p:cSld>
   <p:clrMapOvr>
     <a:masterClrMapping/>

--- a/retrospective/retrospective-1.pptx
+++ b/retrospective/retrospective-1.pptx
@@ -1,25 +1,120 @@
 
 <file path=ppt/presentation.xml><?xml version="1.0" encoding="utf-8"?>
-<p:presentation xmlns:a="http://schemas.openxmlformats.org/drawingml/2006/main" xmlns:p="http://schemas.openxmlformats.org/presentationml/2006/main" xmlns:r="http://schemas.openxmlformats.org/officeDocument/2006/relationships" xmlns:p14="http://schemas.microsoft.com/office/powerpoint/2010/main" xmlns:p15="http://schemas.microsoft.com/office/powerpoint/2012/main" xmlns:mc="http://schemas.openxmlformats.org/markup-compatibility/2006">
+<p:presentation xmlns:a="http://schemas.openxmlformats.org/drawingml/2006/main" xmlns:r="http://schemas.openxmlformats.org/officeDocument/2006/relationships" xmlns:p="http://schemas.openxmlformats.org/presentationml/2006/main">
   <p:sldMasterIdLst>
-    <p:sldMasterId id="2147483648" r:id="rId2"/>
-    <p:sldMasterId id="2147483661" r:id="rId3"/>
+    <p:sldMasterId id="2147483648" r:id="rId1"/>
+    <p:sldMasterId id="2147483661" r:id="rId2"/>
   </p:sldMasterIdLst>
   <p:sldIdLst>
-    <p:sldId id="256" r:id="rId4"/>
-    <p:sldId id="257" r:id="rId5"/>
-    <p:sldId id="258" r:id="rId6"/>
-    <p:sldId id="259" r:id="rId7"/>
-    <p:sldId id="260" r:id="rId8"/>
-    <p:sldId id="261" r:id="rId9"/>
+    <p:sldId id="256" r:id="rId3"/>
+    <p:sldId id="257" r:id="rId4"/>
+    <p:sldId id="258" r:id="rId5"/>
+    <p:sldId id="259" r:id="rId6"/>
+    <p:sldId id="260" r:id="rId7"/>
+    <p:sldId id="261" r:id="rId8"/>
   </p:sldIdLst>
-  <p:sldSz cx="9144000" cy="6858000"/>
-  <p:notesSz cx="7559675" cy="10691812"/>
+  <p:sldSz cx="9144000" cy="6858000" type="screen4x3"/>
+  <p:notesSz cx="7559675" cy="10691813"/>
+  <p:defaultTextStyle>
+    <a:defPPr>
+      <a:defRPr lang="en-US"/>
+    </a:defPPr>
+    <a:lvl1pPr marL="0" algn="l" defTabSz="914400" rtl="0" eaLnBrk="1" latinLnBrk="0" hangingPunct="1">
+      <a:defRPr sz="1800" kern="1200">
+        <a:solidFill>
+          <a:schemeClr val="tx1"/>
+        </a:solidFill>
+        <a:latin typeface="+mn-lt"/>
+        <a:ea typeface="+mn-ea"/>
+        <a:cs typeface="+mn-cs"/>
+      </a:defRPr>
+    </a:lvl1pPr>
+    <a:lvl2pPr marL="457200" algn="l" defTabSz="914400" rtl="0" eaLnBrk="1" latinLnBrk="0" hangingPunct="1">
+      <a:defRPr sz="1800" kern="1200">
+        <a:solidFill>
+          <a:schemeClr val="tx1"/>
+        </a:solidFill>
+        <a:latin typeface="+mn-lt"/>
+        <a:ea typeface="+mn-ea"/>
+        <a:cs typeface="+mn-cs"/>
+      </a:defRPr>
+    </a:lvl2pPr>
+    <a:lvl3pPr marL="914400" algn="l" defTabSz="914400" rtl="0" eaLnBrk="1" latinLnBrk="0" hangingPunct="1">
+      <a:defRPr sz="1800" kern="1200">
+        <a:solidFill>
+          <a:schemeClr val="tx1"/>
+        </a:solidFill>
+        <a:latin typeface="+mn-lt"/>
+        <a:ea typeface="+mn-ea"/>
+        <a:cs typeface="+mn-cs"/>
+      </a:defRPr>
+    </a:lvl3pPr>
+    <a:lvl4pPr marL="1371600" algn="l" defTabSz="914400" rtl="0" eaLnBrk="1" latinLnBrk="0" hangingPunct="1">
+      <a:defRPr sz="1800" kern="1200">
+        <a:solidFill>
+          <a:schemeClr val="tx1"/>
+        </a:solidFill>
+        <a:latin typeface="+mn-lt"/>
+        <a:ea typeface="+mn-ea"/>
+        <a:cs typeface="+mn-cs"/>
+      </a:defRPr>
+    </a:lvl4pPr>
+    <a:lvl5pPr marL="1828800" algn="l" defTabSz="914400" rtl="0" eaLnBrk="1" latinLnBrk="0" hangingPunct="1">
+      <a:defRPr sz="1800" kern="1200">
+        <a:solidFill>
+          <a:schemeClr val="tx1"/>
+        </a:solidFill>
+        <a:latin typeface="+mn-lt"/>
+        <a:ea typeface="+mn-ea"/>
+        <a:cs typeface="+mn-cs"/>
+      </a:defRPr>
+    </a:lvl5pPr>
+    <a:lvl6pPr marL="2286000" algn="l" defTabSz="914400" rtl="0" eaLnBrk="1" latinLnBrk="0" hangingPunct="1">
+      <a:defRPr sz="1800" kern="1200">
+        <a:solidFill>
+          <a:schemeClr val="tx1"/>
+        </a:solidFill>
+        <a:latin typeface="+mn-lt"/>
+        <a:ea typeface="+mn-ea"/>
+        <a:cs typeface="+mn-cs"/>
+      </a:defRPr>
+    </a:lvl6pPr>
+    <a:lvl7pPr marL="2743200" algn="l" defTabSz="914400" rtl="0" eaLnBrk="1" latinLnBrk="0" hangingPunct="1">
+      <a:defRPr sz="1800" kern="1200">
+        <a:solidFill>
+          <a:schemeClr val="tx1"/>
+        </a:solidFill>
+        <a:latin typeface="+mn-lt"/>
+        <a:ea typeface="+mn-ea"/>
+        <a:cs typeface="+mn-cs"/>
+      </a:defRPr>
+    </a:lvl7pPr>
+    <a:lvl8pPr marL="3200400" algn="l" defTabSz="914400" rtl="0" eaLnBrk="1" latinLnBrk="0" hangingPunct="1">
+      <a:defRPr sz="1800" kern="1200">
+        <a:solidFill>
+          <a:schemeClr val="tx1"/>
+        </a:solidFill>
+        <a:latin typeface="+mn-lt"/>
+        <a:ea typeface="+mn-ea"/>
+        <a:cs typeface="+mn-cs"/>
+      </a:defRPr>
+    </a:lvl8pPr>
+    <a:lvl9pPr marL="3657600" algn="l" defTabSz="914400" rtl="0" eaLnBrk="1" latinLnBrk="0" hangingPunct="1">
+      <a:defRPr sz="1800" kern="1200">
+        <a:solidFill>
+          <a:schemeClr val="tx1"/>
+        </a:solidFill>
+        <a:latin typeface="+mn-lt"/>
+        <a:ea typeface="+mn-ea"/>
+        <a:cs typeface="+mn-cs"/>
+      </a:defRPr>
+    </a:lvl9pPr>
+  </p:defaultTextStyle>
 </p:presentation>
 </file>
 
 <file path=ppt/slideLayouts/slideLayout1.xml><?xml version="1.0" encoding="utf-8"?>
-<p:sldLayout xmlns:a="http://schemas.openxmlformats.org/drawingml/2006/main" xmlns:p="http://schemas.openxmlformats.org/presentationml/2006/main" xmlns:r="http://schemas.openxmlformats.org/officeDocument/2006/relationships" xmlns:p14="http://schemas.microsoft.com/office/powerpoint/2010/main" xmlns:p15="http://schemas.microsoft.com/office/powerpoint/2012/main" xmlns:mc="http://schemas.openxmlformats.org/markup-compatibility/2006" type="blank" preserve="1">
+<p:sldLayout xmlns:a="http://schemas.openxmlformats.org/drawingml/2006/main" xmlns:r="http://schemas.openxmlformats.org/officeDocument/2006/relationships" xmlns:p="http://schemas.openxmlformats.org/presentationml/2006/main" type="blank" preserve="1">
   <p:cSld name="Blank Slide">
     <p:spTree>
       <p:nvGrpSpPr>
@@ -37,11 +132,14 @@
       </p:grpSpPr>
     </p:spTree>
   </p:cSld>
+  <p:clrMapOvr>
+    <a:masterClrMapping/>
+  </p:clrMapOvr>
 </p:sldLayout>
 </file>
 
 <file path=ppt/slideLayouts/slideLayout10.xml><?xml version="1.0" encoding="utf-8"?>
-<p:sldLayout xmlns:a="http://schemas.openxmlformats.org/drawingml/2006/main" xmlns:p="http://schemas.openxmlformats.org/presentationml/2006/main" xmlns:r="http://schemas.openxmlformats.org/officeDocument/2006/relationships" xmlns:p14="http://schemas.microsoft.com/office/powerpoint/2010/main" xmlns:p15="http://schemas.microsoft.com/office/powerpoint/2012/main" xmlns:mc="http://schemas.openxmlformats.org/markup-compatibility/2006" type="objOverTx" preserve="1">
+<p:sldLayout xmlns:a="http://schemas.openxmlformats.org/drawingml/2006/main" xmlns:r="http://schemas.openxmlformats.org/officeDocument/2006/relationships" xmlns:p="http://schemas.openxmlformats.org/presentationml/2006/main" type="objOverTx" preserve="1">
   <p:cSld name="Title, Content over Content">
     <p:spTree>
       <p:nvGrpSpPr>
@@ -77,11 +175,12 @@
           </a:prstGeom>
         </p:spPr>
         <p:txBody>
-          <a:bodyPr lIns="0" rIns="0" tIns="0" bIns="0" anchor="ctr">
+          <a:bodyPr lIns="0" tIns="0" rIns="0" bIns="0" anchor="ctr">
             <a:spAutoFit/>
           </a:bodyPr>
-          <a:p>
-            <a:endParaRPr b="0" lang="it-IT" sz="1800" spc="-1" strike="noStrike">
+          <a:lstStyle/>
+          <a:p>
+            <a:endParaRPr lang="it-IT" sz="1800" b="0" strike="noStrike" spc="-1">
               <a:solidFill>
                 <a:srgbClr val="000000"/>
               </a:solidFill>
@@ -110,11 +209,12 @@
           </a:prstGeom>
         </p:spPr>
         <p:txBody>
-          <a:bodyPr lIns="0" rIns="0" tIns="0" bIns="0">
+          <a:bodyPr lIns="0" tIns="0" rIns="0" bIns="0">
             <a:normAutofit/>
           </a:bodyPr>
-          <a:p>
-            <a:endParaRPr b="0" lang="it-IT" sz="3200" spc="-1" strike="noStrike">
+          <a:lstStyle/>
+          <a:p>
+            <a:endParaRPr lang="it-IT" sz="3200" b="0" strike="noStrike" spc="-1">
               <a:solidFill>
                 <a:srgbClr val="000000"/>
               </a:solidFill>
@@ -143,11 +243,12 @@
           </a:prstGeom>
         </p:spPr>
         <p:txBody>
-          <a:bodyPr lIns="0" rIns="0" tIns="0" bIns="0">
+          <a:bodyPr lIns="0" tIns="0" rIns="0" bIns="0">
             <a:normAutofit/>
           </a:bodyPr>
-          <a:p>
-            <a:endParaRPr b="0" lang="it-IT" sz="3200" spc="-1" strike="noStrike">
+          <a:lstStyle/>
+          <a:p>
+            <a:endParaRPr lang="it-IT" sz="3200" b="0" strike="noStrike" spc="-1">
               <a:solidFill>
                 <a:srgbClr val="000000"/>
               </a:solidFill>
@@ -158,11 +259,14 @@
       </p:sp>
     </p:spTree>
   </p:cSld>
+  <p:clrMapOvr>
+    <a:masterClrMapping/>
+  </p:clrMapOvr>
 </p:sldLayout>
 </file>
 
 <file path=ppt/slideLayouts/slideLayout11.xml><?xml version="1.0" encoding="utf-8"?>
-<p:sldLayout xmlns:a="http://schemas.openxmlformats.org/drawingml/2006/main" xmlns:p="http://schemas.openxmlformats.org/presentationml/2006/main" xmlns:r="http://schemas.openxmlformats.org/officeDocument/2006/relationships" xmlns:p14="http://schemas.microsoft.com/office/powerpoint/2010/main" xmlns:p15="http://schemas.microsoft.com/office/powerpoint/2012/main" xmlns:mc="http://schemas.openxmlformats.org/markup-compatibility/2006" type="fourObj" preserve="1">
+<p:sldLayout xmlns:a="http://schemas.openxmlformats.org/drawingml/2006/main" xmlns:r="http://schemas.openxmlformats.org/officeDocument/2006/relationships" xmlns:p="http://schemas.openxmlformats.org/presentationml/2006/main" type="fourObj" preserve="1">
   <p:cSld name="Title, 4 Content">
     <p:spTree>
       <p:nvGrpSpPr>
@@ -198,11 +302,12 @@
           </a:prstGeom>
         </p:spPr>
         <p:txBody>
-          <a:bodyPr lIns="0" rIns="0" tIns="0" bIns="0" anchor="ctr">
+          <a:bodyPr lIns="0" tIns="0" rIns="0" bIns="0" anchor="ctr">
             <a:spAutoFit/>
           </a:bodyPr>
-          <a:p>
-            <a:endParaRPr b="0" lang="it-IT" sz="1800" spc="-1" strike="noStrike">
+          <a:lstStyle/>
+          <a:p>
+            <a:endParaRPr lang="it-IT" sz="1800" b="0" strike="noStrike" spc="-1">
               <a:solidFill>
                 <a:srgbClr val="000000"/>
               </a:solidFill>
@@ -231,11 +336,12 @@
           </a:prstGeom>
         </p:spPr>
         <p:txBody>
-          <a:bodyPr lIns="0" rIns="0" tIns="0" bIns="0">
+          <a:bodyPr lIns="0" tIns="0" rIns="0" bIns="0">
             <a:normAutofit/>
           </a:bodyPr>
-          <a:p>
-            <a:endParaRPr b="0" lang="it-IT" sz="3200" spc="-1" strike="noStrike">
+          <a:lstStyle/>
+          <a:p>
+            <a:endParaRPr lang="it-IT" sz="3200" b="0" strike="noStrike" spc="-1">
               <a:solidFill>
                 <a:srgbClr val="000000"/>
               </a:solidFill>
@@ -264,11 +370,12 @@
           </a:prstGeom>
         </p:spPr>
         <p:txBody>
-          <a:bodyPr lIns="0" rIns="0" tIns="0" bIns="0">
+          <a:bodyPr lIns="0" tIns="0" rIns="0" bIns="0">
             <a:normAutofit/>
           </a:bodyPr>
-          <a:p>
-            <a:endParaRPr b="0" lang="it-IT" sz="3200" spc="-1" strike="noStrike">
+          <a:lstStyle/>
+          <a:p>
+            <a:endParaRPr lang="it-IT" sz="3200" b="0" strike="noStrike" spc="-1">
               <a:solidFill>
                 <a:srgbClr val="000000"/>
               </a:solidFill>
@@ -297,11 +404,12 @@
           </a:prstGeom>
         </p:spPr>
         <p:txBody>
-          <a:bodyPr lIns="0" rIns="0" tIns="0" bIns="0">
+          <a:bodyPr lIns="0" tIns="0" rIns="0" bIns="0">
             <a:normAutofit/>
           </a:bodyPr>
-          <a:p>
-            <a:endParaRPr b="0" lang="it-IT" sz="3200" spc="-1" strike="noStrike">
+          <a:lstStyle/>
+          <a:p>
+            <a:endParaRPr lang="it-IT" sz="3200" b="0" strike="noStrike" spc="-1">
               <a:solidFill>
                 <a:srgbClr val="000000"/>
               </a:solidFill>
@@ -330,11 +438,12 @@
           </a:prstGeom>
         </p:spPr>
         <p:txBody>
-          <a:bodyPr lIns="0" rIns="0" tIns="0" bIns="0">
+          <a:bodyPr lIns="0" tIns="0" rIns="0" bIns="0">
             <a:normAutofit/>
           </a:bodyPr>
-          <a:p>
-            <a:endParaRPr b="0" lang="it-IT" sz="3200" spc="-1" strike="noStrike">
+          <a:lstStyle/>
+          <a:p>
+            <a:endParaRPr lang="it-IT" sz="3200" b="0" strike="noStrike" spc="-1">
               <a:solidFill>
                 <a:srgbClr val="000000"/>
               </a:solidFill>
@@ -345,11 +454,14 @@
       </p:sp>
     </p:spTree>
   </p:cSld>
+  <p:clrMapOvr>
+    <a:masterClrMapping/>
+  </p:clrMapOvr>
 </p:sldLayout>
 </file>
 
 <file path=ppt/slideLayouts/slideLayout12.xml><?xml version="1.0" encoding="utf-8"?>
-<p:sldLayout xmlns:a="http://schemas.openxmlformats.org/drawingml/2006/main" xmlns:p="http://schemas.openxmlformats.org/presentationml/2006/main" xmlns:r="http://schemas.openxmlformats.org/officeDocument/2006/relationships" xmlns:p14="http://schemas.microsoft.com/office/powerpoint/2010/main" xmlns:p15="http://schemas.microsoft.com/office/powerpoint/2012/main" xmlns:mc="http://schemas.openxmlformats.org/markup-compatibility/2006" type="blank" preserve="1">
+<p:sldLayout xmlns:a="http://schemas.openxmlformats.org/drawingml/2006/main" xmlns:r="http://schemas.openxmlformats.org/officeDocument/2006/relationships" xmlns:p="http://schemas.openxmlformats.org/presentationml/2006/main" type="blank" preserve="1">
   <p:cSld name="Title, 6 Content">
     <p:spTree>
       <p:nvGrpSpPr>
@@ -385,11 +497,12 @@
           </a:prstGeom>
         </p:spPr>
         <p:txBody>
-          <a:bodyPr lIns="0" rIns="0" tIns="0" bIns="0" anchor="ctr">
+          <a:bodyPr lIns="0" tIns="0" rIns="0" bIns="0" anchor="ctr">
             <a:spAutoFit/>
           </a:bodyPr>
-          <a:p>
-            <a:endParaRPr b="0" lang="it-IT" sz="1800" spc="-1" strike="noStrike">
+          <a:lstStyle/>
+          <a:p>
+            <a:endParaRPr lang="it-IT" sz="1800" b="0" strike="noStrike" spc="-1">
               <a:solidFill>
                 <a:srgbClr val="000000"/>
               </a:solidFill>
@@ -418,11 +531,12 @@
           </a:prstGeom>
         </p:spPr>
         <p:txBody>
-          <a:bodyPr lIns="0" rIns="0" tIns="0" bIns="0">
+          <a:bodyPr lIns="0" tIns="0" rIns="0" bIns="0">
             <a:normAutofit/>
           </a:bodyPr>
-          <a:p>
-            <a:endParaRPr b="0" lang="it-IT" sz="3200" spc="-1" strike="noStrike">
+          <a:lstStyle/>
+          <a:p>
+            <a:endParaRPr lang="it-IT" sz="3200" b="0" strike="noStrike" spc="-1">
               <a:solidFill>
                 <a:srgbClr val="000000"/>
               </a:solidFill>
@@ -451,11 +565,12 @@
           </a:prstGeom>
         </p:spPr>
         <p:txBody>
-          <a:bodyPr lIns="0" rIns="0" tIns="0" bIns="0">
+          <a:bodyPr lIns="0" tIns="0" rIns="0" bIns="0">
             <a:normAutofit/>
           </a:bodyPr>
-          <a:p>
-            <a:endParaRPr b="0" lang="it-IT" sz="3200" spc="-1" strike="noStrike">
+          <a:lstStyle/>
+          <a:p>
+            <a:endParaRPr lang="it-IT" sz="3200" b="0" strike="noStrike" spc="-1">
               <a:solidFill>
                 <a:srgbClr val="000000"/>
               </a:solidFill>
@@ -484,11 +599,12 @@
           </a:prstGeom>
         </p:spPr>
         <p:txBody>
-          <a:bodyPr lIns="0" rIns="0" tIns="0" bIns="0">
+          <a:bodyPr lIns="0" tIns="0" rIns="0" bIns="0">
             <a:normAutofit/>
           </a:bodyPr>
-          <a:p>
-            <a:endParaRPr b="0" lang="it-IT" sz="3200" spc="-1" strike="noStrike">
+          <a:lstStyle/>
+          <a:p>
+            <a:endParaRPr lang="it-IT" sz="3200" b="0" strike="noStrike" spc="-1">
               <a:solidFill>
                 <a:srgbClr val="000000"/>
               </a:solidFill>
@@ -517,11 +633,12 @@
           </a:prstGeom>
         </p:spPr>
         <p:txBody>
-          <a:bodyPr lIns="0" rIns="0" tIns="0" bIns="0">
+          <a:bodyPr lIns="0" tIns="0" rIns="0" bIns="0">
             <a:normAutofit/>
           </a:bodyPr>
-          <a:p>
-            <a:endParaRPr b="0" lang="it-IT" sz="3200" spc="-1" strike="noStrike">
+          <a:lstStyle/>
+          <a:p>
+            <a:endParaRPr lang="it-IT" sz="3200" b="0" strike="noStrike" spc="-1">
               <a:solidFill>
                 <a:srgbClr val="000000"/>
               </a:solidFill>
@@ -550,11 +667,12 @@
           </a:prstGeom>
         </p:spPr>
         <p:txBody>
-          <a:bodyPr lIns="0" rIns="0" tIns="0" bIns="0">
+          <a:bodyPr lIns="0" tIns="0" rIns="0" bIns="0">
             <a:normAutofit/>
           </a:bodyPr>
-          <a:p>
-            <a:endParaRPr b="0" lang="it-IT" sz="3200" spc="-1" strike="noStrike">
+          <a:lstStyle/>
+          <a:p>
+            <a:endParaRPr lang="it-IT" sz="3200" b="0" strike="noStrike" spc="-1">
               <a:solidFill>
                 <a:srgbClr val="000000"/>
               </a:solidFill>
@@ -583,11 +701,12 @@
           </a:prstGeom>
         </p:spPr>
         <p:txBody>
-          <a:bodyPr lIns="0" rIns="0" tIns="0" bIns="0">
+          <a:bodyPr lIns="0" tIns="0" rIns="0" bIns="0">
             <a:normAutofit/>
           </a:bodyPr>
-          <a:p>
-            <a:endParaRPr b="0" lang="it-IT" sz="3200" spc="-1" strike="noStrike">
+          <a:lstStyle/>
+          <a:p>
+            <a:endParaRPr lang="it-IT" sz="3200" b="0" strike="noStrike" spc="-1">
               <a:solidFill>
                 <a:srgbClr val="000000"/>
               </a:solidFill>
@@ -598,11 +717,14 @@
       </p:sp>
     </p:spTree>
   </p:cSld>
+  <p:clrMapOvr>
+    <a:masterClrMapping/>
+  </p:clrMapOvr>
 </p:sldLayout>
 </file>
 
 <file path=ppt/slideLayouts/slideLayout13.xml><?xml version="1.0" encoding="utf-8"?>
-<p:sldLayout xmlns:a="http://schemas.openxmlformats.org/drawingml/2006/main" xmlns:p="http://schemas.openxmlformats.org/presentationml/2006/main" xmlns:r="http://schemas.openxmlformats.org/officeDocument/2006/relationships" xmlns:p14="http://schemas.microsoft.com/office/powerpoint/2010/main" xmlns:p15="http://schemas.microsoft.com/office/powerpoint/2012/main" xmlns:mc="http://schemas.openxmlformats.org/markup-compatibility/2006" type="blank" preserve="1">
+<p:sldLayout xmlns:a="http://schemas.openxmlformats.org/drawingml/2006/main" xmlns:r="http://schemas.openxmlformats.org/officeDocument/2006/relationships" xmlns:p="http://schemas.openxmlformats.org/presentationml/2006/main" type="blank" preserve="1">
   <p:cSld name="Blank Slide">
     <p:spTree>
       <p:nvGrpSpPr>
@@ -620,11 +742,14 @@
       </p:grpSpPr>
     </p:spTree>
   </p:cSld>
+  <p:clrMapOvr>
+    <a:masterClrMapping/>
+  </p:clrMapOvr>
 </p:sldLayout>
 </file>
 
 <file path=ppt/slideLayouts/slideLayout14.xml><?xml version="1.0" encoding="utf-8"?>
-<p:sldLayout xmlns:a="http://schemas.openxmlformats.org/drawingml/2006/main" xmlns:p="http://schemas.openxmlformats.org/presentationml/2006/main" xmlns:r="http://schemas.openxmlformats.org/officeDocument/2006/relationships" xmlns:p14="http://schemas.microsoft.com/office/powerpoint/2010/main" xmlns:p15="http://schemas.microsoft.com/office/powerpoint/2012/main" xmlns:mc="http://schemas.openxmlformats.org/markup-compatibility/2006" type="tx" preserve="1">
+<p:sldLayout xmlns:a="http://schemas.openxmlformats.org/drawingml/2006/main" xmlns:r="http://schemas.openxmlformats.org/officeDocument/2006/relationships" xmlns:p="http://schemas.openxmlformats.org/presentationml/2006/main" type="tx" preserve="1">
   <p:cSld name="Title Slide">
     <p:spTree>
       <p:nvGrpSpPr>
@@ -660,11 +785,12 @@
           </a:prstGeom>
         </p:spPr>
         <p:txBody>
-          <a:bodyPr lIns="0" rIns="0" tIns="0" bIns="0" anchor="ctr">
+          <a:bodyPr lIns="0" tIns="0" rIns="0" bIns="0" anchor="ctr">
             <a:spAutoFit/>
           </a:bodyPr>
-          <a:p>
-            <a:endParaRPr b="0" lang="it-IT" sz="1800" spc="-1" strike="noStrike">
+          <a:lstStyle/>
+          <a:p>
+            <a:endParaRPr lang="it-IT" sz="1800" b="0" strike="noStrike" spc="-1">
               <a:solidFill>
                 <a:srgbClr val="000000"/>
               </a:solidFill>
@@ -693,12 +819,13 @@
           </a:prstGeom>
         </p:spPr>
         <p:txBody>
-          <a:bodyPr lIns="0" rIns="0" tIns="0" bIns="0" anchor="ctr">
+          <a:bodyPr lIns="0" tIns="0" rIns="0" bIns="0" anchor="ctr">
             <a:spAutoFit/>
           </a:bodyPr>
+          <a:lstStyle/>
           <a:p>
             <a:pPr algn="ctr"/>
-            <a:endParaRPr b="0" lang="it-IT" sz="3200" spc="-1" strike="noStrike">
+            <a:endParaRPr lang="it-IT" sz="3200" b="0" strike="noStrike" spc="-1">
               <a:latin typeface="Arial"/>
             </a:endParaRPr>
           </a:p>
@@ -706,11 +833,14 @@
       </p:sp>
     </p:spTree>
   </p:cSld>
+  <p:clrMapOvr>
+    <a:masterClrMapping/>
+  </p:clrMapOvr>
 </p:sldLayout>
 </file>
 
 <file path=ppt/slideLayouts/slideLayout15.xml><?xml version="1.0" encoding="utf-8"?>
-<p:sldLayout xmlns:a="http://schemas.openxmlformats.org/drawingml/2006/main" xmlns:p="http://schemas.openxmlformats.org/presentationml/2006/main" xmlns:r="http://schemas.openxmlformats.org/officeDocument/2006/relationships" xmlns:p14="http://schemas.microsoft.com/office/powerpoint/2010/main" xmlns:p15="http://schemas.microsoft.com/office/powerpoint/2012/main" xmlns:mc="http://schemas.openxmlformats.org/markup-compatibility/2006" type="obj" preserve="1">
+<p:sldLayout xmlns:a="http://schemas.openxmlformats.org/drawingml/2006/main" xmlns:r="http://schemas.openxmlformats.org/officeDocument/2006/relationships" xmlns:p="http://schemas.openxmlformats.org/presentationml/2006/main" type="obj" preserve="1">
   <p:cSld name="Title, Content">
     <p:spTree>
       <p:nvGrpSpPr>
@@ -746,11 +876,12 @@
           </a:prstGeom>
         </p:spPr>
         <p:txBody>
-          <a:bodyPr lIns="0" rIns="0" tIns="0" bIns="0" anchor="ctr">
+          <a:bodyPr lIns="0" tIns="0" rIns="0" bIns="0" anchor="ctr">
             <a:spAutoFit/>
           </a:bodyPr>
-          <a:p>
-            <a:endParaRPr b="0" lang="it-IT" sz="1800" spc="-1" strike="noStrike">
+          <a:lstStyle/>
+          <a:p>
+            <a:endParaRPr lang="it-IT" sz="1800" b="0" strike="noStrike" spc="-1">
               <a:solidFill>
                 <a:srgbClr val="000000"/>
               </a:solidFill>
@@ -779,11 +910,12 @@
           </a:prstGeom>
         </p:spPr>
         <p:txBody>
-          <a:bodyPr lIns="0" rIns="0" tIns="0" bIns="0">
+          <a:bodyPr lIns="0" tIns="0" rIns="0" bIns="0">
             <a:normAutofit/>
           </a:bodyPr>
-          <a:p>
-            <a:endParaRPr b="0" lang="it-IT" sz="3200" spc="-1" strike="noStrike">
+          <a:lstStyle/>
+          <a:p>
+            <a:endParaRPr lang="it-IT" sz="3200" b="0" strike="noStrike" spc="-1">
               <a:solidFill>
                 <a:srgbClr val="000000"/>
               </a:solidFill>
@@ -794,11 +926,14 @@
       </p:sp>
     </p:spTree>
   </p:cSld>
+  <p:clrMapOvr>
+    <a:masterClrMapping/>
+  </p:clrMapOvr>
 </p:sldLayout>
 </file>
 
 <file path=ppt/slideLayouts/slideLayout16.xml><?xml version="1.0" encoding="utf-8"?>
-<p:sldLayout xmlns:a="http://schemas.openxmlformats.org/drawingml/2006/main" xmlns:p="http://schemas.openxmlformats.org/presentationml/2006/main" xmlns:r="http://schemas.openxmlformats.org/officeDocument/2006/relationships" xmlns:p14="http://schemas.microsoft.com/office/powerpoint/2010/main" xmlns:p15="http://schemas.microsoft.com/office/powerpoint/2012/main" xmlns:mc="http://schemas.openxmlformats.org/markup-compatibility/2006" type="twoObj" preserve="1">
+<p:sldLayout xmlns:a="http://schemas.openxmlformats.org/drawingml/2006/main" xmlns:r="http://schemas.openxmlformats.org/officeDocument/2006/relationships" xmlns:p="http://schemas.openxmlformats.org/presentationml/2006/main" type="twoObj" preserve="1">
   <p:cSld name="Title, 2 Content">
     <p:spTree>
       <p:nvGrpSpPr>
@@ -834,11 +969,12 @@
           </a:prstGeom>
         </p:spPr>
         <p:txBody>
-          <a:bodyPr lIns="0" rIns="0" tIns="0" bIns="0" anchor="ctr">
+          <a:bodyPr lIns="0" tIns="0" rIns="0" bIns="0" anchor="ctr">
             <a:spAutoFit/>
           </a:bodyPr>
-          <a:p>
-            <a:endParaRPr b="0" lang="it-IT" sz="1800" spc="-1" strike="noStrike">
+          <a:lstStyle/>
+          <a:p>
+            <a:endParaRPr lang="it-IT" sz="1800" b="0" strike="noStrike" spc="-1">
               <a:solidFill>
                 <a:srgbClr val="000000"/>
               </a:solidFill>
@@ -867,11 +1003,12 @@
           </a:prstGeom>
         </p:spPr>
         <p:txBody>
-          <a:bodyPr lIns="0" rIns="0" tIns="0" bIns="0">
+          <a:bodyPr lIns="0" tIns="0" rIns="0" bIns="0">
             <a:normAutofit/>
           </a:bodyPr>
-          <a:p>
-            <a:endParaRPr b="0" lang="it-IT" sz="3200" spc="-1" strike="noStrike">
+          <a:lstStyle/>
+          <a:p>
+            <a:endParaRPr lang="it-IT" sz="3200" b="0" strike="noStrike" spc="-1">
               <a:solidFill>
                 <a:srgbClr val="000000"/>
               </a:solidFill>
@@ -900,11 +1037,12 @@
           </a:prstGeom>
         </p:spPr>
         <p:txBody>
-          <a:bodyPr lIns="0" rIns="0" tIns="0" bIns="0">
+          <a:bodyPr lIns="0" tIns="0" rIns="0" bIns="0">
             <a:normAutofit/>
           </a:bodyPr>
-          <a:p>
-            <a:endParaRPr b="0" lang="it-IT" sz="3200" spc="-1" strike="noStrike">
+          <a:lstStyle/>
+          <a:p>
+            <a:endParaRPr lang="it-IT" sz="3200" b="0" strike="noStrike" spc="-1">
               <a:solidFill>
                 <a:srgbClr val="000000"/>
               </a:solidFill>
@@ -915,11 +1053,14 @@
       </p:sp>
     </p:spTree>
   </p:cSld>
+  <p:clrMapOvr>
+    <a:masterClrMapping/>
+  </p:clrMapOvr>
 </p:sldLayout>
 </file>
 
 <file path=ppt/slideLayouts/slideLayout17.xml><?xml version="1.0" encoding="utf-8"?>
-<p:sldLayout xmlns:a="http://schemas.openxmlformats.org/drawingml/2006/main" xmlns:p="http://schemas.openxmlformats.org/presentationml/2006/main" xmlns:r="http://schemas.openxmlformats.org/officeDocument/2006/relationships" xmlns:p14="http://schemas.microsoft.com/office/powerpoint/2010/main" xmlns:p15="http://schemas.microsoft.com/office/powerpoint/2012/main" xmlns:mc="http://schemas.openxmlformats.org/markup-compatibility/2006" type="titleOnly" preserve="1">
+<p:sldLayout xmlns:a="http://schemas.openxmlformats.org/drawingml/2006/main" xmlns:r="http://schemas.openxmlformats.org/officeDocument/2006/relationships" xmlns:p="http://schemas.openxmlformats.org/presentationml/2006/main" type="titleOnly" preserve="1">
   <p:cSld name="Title Only">
     <p:spTree>
       <p:nvGrpSpPr>
@@ -955,11 +1096,12 @@
           </a:prstGeom>
         </p:spPr>
         <p:txBody>
-          <a:bodyPr lIns="0" rIns="0" tIns="0" bIns="0" anchor="ctr">
+          <a:bodyPr lIns="0" tIns="0" rIns="0" bIns="0" anchor="ctr">
             <a:spAutoFit/>
           </a:bodyPr>
-          <a:p>
-            <a:endParaRPr b="0" lang="it-IT" sz="1800" spc="-1" strike="noStrike">
+          <a:lstStyle/>
+          <a:p>
+            <a:endParaRPr lang="it-IT" sz="1800" b="0" strike="noStrike" spc="-1">
               <a:solidFill>
                 <a:srgbClr val="000000"/>
               </a:solidFill>
@@ -970,11 +1112,14 @@
       </p:sp>
     </p:spTree>
   </p:cSld>
+  <p:clrMapOvr>
+    <a:masterClrMapping/>
+  </p:clrMapOvr>
 </p:sldLayout>
 </file>
 
 <file path=ppt/slideLayouts/slideLayout18.xml><?xml version="1.0" encoding="utf-8"?>
-<p:sldLayout xmlns:a="http://schemas.openxmlformats.org/drawingml/2006/main" xmlns:p="http://schemas.openxmlformats.org/presentationml/2006/main" xmlns:r="http://schemas.openxmlformats.org/officeDocument/2006/relationships" xmlns:p14="http://schemas.microsoft.com/office/powerpoint/2010/main" xmlns:p15="http://schemas.microsoft.com/office/powerpoint/2012/main" xmlns:mc="http://schemas.openxmlformats.org/markup-compatibility/2006" type="objOnly" preserve="1">
+<p:sldLayout xmlns:a="http://schemas.openxmlformats.org/drawingml/2006/main" xmlns:r="http://schemas.openxmlformats.org/officeDocument/2006/relationships" xmlns:p="http://schemas.openxmlformats.org/presentationml/2006/main" type="objOnly" preserve="1">
   <p:cSld name="Centered Text">
     <p:spTree>
       <p:nvGrpSpPr>
@@ -1010,12 +1155,13 @@
           </a:prstGeom>
         </p:spPr>
         <p:txBody>
-          <a:bodyPr lIns="0" rIns="0" tIns="0" bIns="0" anchor="ctr">
+          <a:bodyPr lIns="0" tIns="0" rIns="0" bIns="0" anchor="ctr">
             <a:spAutoFit/>
           </a:bodyPr>
+          <a:lstStyle/>
           <a:p>
             <a:pPr algn="ctr"/>
-            <a:endParaRPr b="0" lang="it-IT" sz="3200" spc="-1" strike="noStrike">
+            <a:endParaRPr lang="it-IT" sz="3200" b="0" strike="noStrike" spc="-1">
               <a:latin typeface="Arial"/>
             </a:endParaRPr>
           </a:p>
@@ -1023,11 +1169,14 @@
       </p:sp>
     </p:spTree>
   </p:cSld>
+  <p:clrMapOvr>
+    <a:masterClrMapping/>
+  </p:clrMapOvr>
 </p:sldLayout>
 </file>
 
 <file path=ppt/slideLayouts/slideLayout19.xml><?xml version="1.0" encoding="utf-8"?>
-<p:sldLayout xmlns:a="http://schemas.openxmlformats.org/drawingml/2006/main" xmlns:p="http://schemas.openxmlformats.org/presentationml/2006/main" xmlns:r="http://schemas.openxmlformats.org/officeDocument/2006/relationships" xmlns:p14="http://schemas.microsoft.com/office/powerpoint/2010/main" xmlns:p15="http://schemas.microsoft.com/office/powerpoint/2012/main" xmlns:mc="http://schemas.openxmlformats.org/markup-compatibility/2006" type="twoObjAndObj" preserve="1">
+<p:sldLayout xmlns:a="http://schemas.openxmlformats.org/drawingml/2006/main" xmlns:r="http://schemas.openxmlformats.org/officeDocument/2006/relationships" xmlns:p="http://schemas.openxmlformats.org/presentationml/2006/main" type="twoObjAndObj" preserve="1">
   <p:cSld name="Title, 2 Content and Content">
     <p:spTree>
       <p:nvGrpSpPr>
@@ -1063,11 +1212,12 @@
           </a:prstGeom>
         </p:spPr>
         <p:txBody>
-          <a:bodyPr lIns="0" rIns="0" tIns="0" bIns="0" anchor="ctr">
+          <a:bodyPr lIns="0" tIns="0" rIns="0" bIns="0" anchor="ctr">
             <a:spAutoFit/>
           </a:bodyPr>
-          <a:p>
-            <a:endParaRPr b="0" lang="it-IT" sz="1800" spc="-1" strike="noStrike">
+          <a:lstStyle/>
+          <a:p>
+            <a:endParaRPr lang="it-IT" sz="1800" b="0" strike="noStrike" spc="-1">
               <a:solidFill>
                 <a:srgbClr val="000000"/>
               </a:solidFill>
@@ -1096,11 +1246,12 @@
           </a:prstGeom>
         </p:spPr>
         <p:txBody>
-          <a:bodyPr lIns="0" rIns="0" tIns="0" bIns="0">
+          <a:bodyPr lIns="0" tIns="0" rIns="0" bIns="0">
             <a:normAutofit/>
           </a:bodyPr>
-          <a:p>
-            <a:endParaRPr b="0" lang="it-IT" sz="3200" spc="-1" strike="noStrike">
+          <a:lstStyle/>
+          <a:p>
+            <a:endParaRPr lang="it-IT" sz="3200" b="0" strike="noStrike" spc="-1">
               <a:solidFill>
                 <a:srgbClr val="000000"/>
               </a:solidFill>
@@ -1129,11 +1280,12 @@
           </a:prstGeom>
         </p:spPr>
         <p:txBody>
-          <a:bodyPr lIns="0" rIns="0" tIns="0" bIns="0">
+          <a:bodyPr lIns="0" tIns="0" rIns="0" bIns="0">
             <a:normAutofit/>
           </a:bodyPr>
-          <a:p>
-            <a:endParaRPr b="0" lang="it-IT" sz="3200" spc="-1" strike="noStrike">
+          <a:lstStyle/>
+          <a:p>
+            <a:endParaRPr lang="it-IT" sz="3200" b="0" strike="noStrike" spc="-1">
               <a:solidFill>
                 <a:srgbClr val="000000"/>
               </a:solidFill>
@@ -1162,11 +1314,12 @@
           </a:prstGeom>
         </p:spPr>
         <p:txBody>
-          <a:bodyPr lIns="0" rIns="0" tIns="0" bIns="0">
+          <a:bodyPr lIns="0" tIns="0" rIns="0" bIns="0">
             <a:normAutofit/>
           </a:bodyPr>
-          <a:p>
-            <a:endParaRPr b="0" lang="it-IT" sz="3200" spc="-1" strike="noStrike">
+          <a:lstStyle/>
+          <a:p>
+            <a:endParaRPr lang="it-IT" sz="3200" b="0" strike="noStrike" spc="-1">
               <a:solidFill>
                 <a:srgbClr val="000000"/>
               </a:solidFill>
@@ -1177,11 +1330,14 @@
       </p:sp>
     </p:spTree>
   </p:cSld>
+  <p:clrMapOvr>
+    <a:masterClrMapping/>
+  </p:clrMapOvr>
 </p:sldLayout>
 </file>
 
 <file path=ppt/slideLayouts/slideLayout2.xml><?xml version="1.0" encoding="utf-8"?>
-<p:sldLayout xmlns:a="http://schemas.openxmlformats.org/drawingml/2006/main" xmlns:p="http://schemas.openxmlformats.org/presentationml/2006/main" xmlns:r="http://schemas.openxmlformats.org/officeDocument/2006/relationships" xmlns:p14="http://schemas.microsoft.com/office/powerpoint/2010/main" xmlns:p15="http://schemas.microsoft.com/office/powerpoint/2012/main" xmlns:mc="http://schemas.openxmlformats.org/markup-compatibility/2006" type="tx" preserve="1">
+<p:sldLayout xmlns:a="http://schemas.openxmlformats.org/drawingml/2006/main" xmlns:r="http://schemas.openxmlformats.org/officeDocument/2006/relationships" xmlns:p="http://schemas.openxmlformats.org/presentationml/2006/main" type="tx" preserve="1">
   <p:cSld name="Title Slide">
     <p:spTree>
       <p:nvGrpSpPr>
@@ -1217,11 +1373,12 @@
           </a:prstGeom>
         </p:spPr>
         <p:txBody>
-          <a:bodyPr lIns="0" rIns="0" tIns="0" bIns="0" anchor="ctr">
+          <a:bodyPr lIns="0" tIns="0" rIns="0" bIns="0" anchor="ctr">
             <a:spAutoFit/>
           </a:bodyPr>
-          <a:p>
-            <a:endParaRPr b="0" lang="it-IT" sz="1800" spc="-1" strike="noStrike">
+          <a:lstStyle/>
+          <a:p>
+            <a:endParaRPr lang="it-IT" sz="1800" b="0" strike="noStrike" spc="-1">
               <a:solidFill>
                 <a:srgbClr val="000000"/>
               </a:solidFill>
@@ -1250,12 +1407,13 @@
           </a:prstGeom>
         </p:spPr>
         <p:txBody>
-          <a:bodyPr lIns="0" rIns="0" tIns="0" bIns="0" anchor="ctr">
+          <a:bodyPr lIns="0" tIns="0" rIns="0" bIns="0" anchor="ctr">
             <a:spAutoFit/>
           </a:bodyPr>
+          <a:lstStyle/>
           <a:p>
             <a:pPr algn="ctr"/>
-            <a:endParaRPr b="0" lang="it-IT" sz="3200" spc="-1" strike="noStrike">
+            <a:endParaRPr lang="it-IT" sz="3200" b="0" strike="noStrike" spc="-1">
               <a:latin typeface="Arial"/>
             </a:endParaRPr>
           </a:p>
@@ -1263,11 +1421,14 @@
       </p:sp>
     </p:spTree>
   </p:cSld>
+  <p:clrMapOvr>
+    <a:masterClrMapping/>
+  </p:clrMapOvr>
 </p:sldLayout>
 </file>
 
 <file path=ppt/slideLayouts/slideLayout20.xml><?xml version="1.0" encoding="utf-8"?>
-<p:sldLayout xmlns:a="http://schemas.openxmlformats.org/drawingml/2006/main" xmlns:p="http://schemas.openxmlformats.org/presentationml/2006/main" xmlns:r="http://schemas.openxmlformats.org/officeDocument/2006/relationships" xmlns:p14="http://schemas.microsoft.com/office/powerpoint/2010/main" xmlns:p15="http://schemas.microsoft.com/office/powerpoint/2012/main" xmlns:mc="http://schemas.openxmlformats.org/markup-compatibility/2006" type="objAndTwoObj" preserve="1">
+<p:sldLayout xmlns:a="http://schemas.openxmlformats.org/drawingml/2006/main" xmlns:r="http://schemas.openxmlformats.org/officeDocument/2006/relationships" xmlns:p="http://schemas.openxmlformats.org/presentationml/2006/main" type="objAndTwoObj" preserve="1">
   <p:cSld name="Title Content and 2 Content">
     <p:spTree>
       <p:nvGrpSpPr>
@@ -1303,11 +1464,12 @@
           </a:prstGeom>
         </p:spPr>
         <p:txBody>
-          <a:bodyPr lIns="0" rIns="0" tIns="0" bIns="0" anchor="ctr">
+          <a:bodyPr lIns="0" tIns="0" rIns="0" bIns="0" anchor="ctr">
             <a:spAutoFit/>
           </a:bodyPr>
-          <a:p>
-            <a:endParaRPr b="0" lang="it-IT" sz="1800" spc="-1" strike="noStrike">
+          <a:lstStyle/>
+          <a:p>
+            <a:endParaRPr lang="it-IT" sz="1800" b="0" strike="noStrike" spc="-1">
               <a:solidFill>
                 <a:srgbClr val="000000"/>
               </a:solidFill>
@@ -1336,11 +1498,12 @@
           </a:prstGeom>
         </p:spPr>
         <p:txBody>
-          <a:bodyPr lIns="0" rIns="0" tIns="0" bIns="0">
+          <a:bodyPr lIns="0" tIns="0" rIns="0" bIns="0">
             <a:normAutofit/>
           </a:bodyPr>
-          <a:p>
-            <a:endParaRPr b="0" lang="it-IT" sz="3200" spc="-1" strike="noStrike">
+          <a:lstStyle/>
+          <a:p>
+            <a:endParaRPr lang="it-IT" sz="3200" b="0" strike="noStrike" spc="-1">
               <a:solidFill>
                 <a:srgbClr val="000000"/>
               </a:solidFill>
@@ -1369,11 +1532,12 @@
           </a:prstGeom>
         </p:spPr>
         <p:txBody>
-          <a:bodyPr lIns="0" rIns="0" tIns="0" bIns="0">
+          <a:bodyPr lIns="0" tIns="0" rIns="0" bIns="0">
             <a:normAutofit/>
           </a:bodyPr>
-          <a:p>
-            <a:endParaRPr b="0" lang="it-IT" sz="3200" spc="-1" strike="noStrike">
+          <a:lstStyle/>
+          <a:p>
+            <a:endParaRPr lang="it-IT" sz="3200" b="0" strike="noStrike" spc="-1">
               <a:solidFill>
                 <a:srgbClr val="000000"/>
               </a:solidFill>
@@ -1402,11 +1566,12 @@
           </a:prstGeom>
         </p:spPr>
         <p:txBody>
-          <a:bodyPr lIns="0" rIns="0" tIns="0" bIns="0">
+          <a:bodyPr lIns="0" tIns="0" rIns="0" bIns="0">
             <a:normAutofit/>
           </a:bodyPr>
-          <a:p>
-            <a:endParaRPr b="0" lang="it-IT" sz="3200" spc="-1" strike="noStrike">
+          <a:lstStyle/>
+          <a:p>
+            <a:endParaRPr lang="it-IT" sz="3200" b="0" strike="noStrike" spc="-1">
               <a:solidFill>
                 <a:srgbClr val="000000"/>
               </a:solidFill>
@@ -1417,11 +1582,14 @@
       </p:sp>
     </p:spTree>
   </p:cSld>
+  <p:clrMapOvr>
+    <a:masterClrMapping/>
+  </p:clrMapOvr>
 </p:sldLayout>
 </file>
 
 <file path=ppt/slideLayouts/slideLayout21.xml><?xml version="1.0" encoding="utf-8"?>
-<p:sldLayout xmlns:a="http://schemas.openxmlformats.org/drawingml/2006/main" xmlns:p="http://schemas.openxmlformats.org/presentationml/2006/main" xmlns:r="http://schemas.openxmlformats.org/officeDocument/2006/relationships" xmlns:p14="http://schemas.microsoft.com/office/powerpoint/2010/main" xmlns:p15="http://schemas.microsoft.com/office/powerpoint/2012/main" xmlns:mc="http://schemas.openxmlformats.org/markup-compatibility/2006" type="twoObjOverTx" preserve="1">
+<p:sldLayout xmlns:a="http://schemas.openxmlformats.org/drawingml/2006/main" xmlns:r="http://schemas.openxmlformats.org/officeDocument/2006/relationships" xmlns:p="http://schemas.openxmlformats.org/presentationml/2006/main" type="twoObjOverTx" preserve="1">
   <p:cSld name="Title, 2 Content over Content">
     <p:spTree>
       <p:nvGrpSpPr>
@@ -1457,11 +1625,12 @@
           </a:prstGeom>
         </p:spPr>
         <p:txBody>
-          <a:bodyPr lIns="0" rIns="0" tIns="0" bIns="0" anchor="ctr">
+          <a:bodyPr lIns="0" tIns="0" rIns="0" bIns="0" anchor="ctr">
             <a:spAutoFit/>
           </a:bodyPr>
-          <a:p>
-            <a:endParaRPr b="0" lang="it-IT" sz="1800" spc="-1" strike="noStrike">
+          <a:lstStyle/>
+          <a:p>
+            <a:endParaRPr lang="it-IT" sz="1800" b="0" strike="noStrike" spc="-1">
               <a:solidFill>
                 <a:srgbClr val="000000"/>
               </a:solidFill>
@@ -1490,11 +1659,12 @@
           </a:prstGeom>
         </p:spPr>
         <p:txBody>
-          <a:bodyPr lIns="0" rIns="0" tIns="0" bIns="0">
+          <a:bodyPr lIns="0" tIns="0" rIns="0" bIns="0">
             <a:normAutofit/>
           </a:bodyPr>
-          <a:p>
-            <a:endParaRPr b="0" lang="it-IT" sz="3200" spc="-1" strike="noStrike">
+          <a:lstStyle/>
+          <a:p>
+            <a:endParaRPr lang="it-IT" sz="3200" b="0" strike="noStrike" spc="-1">
               <a:solidFill>
                 <a:srgbClr val="000000"/>
               </a:solidFill>
@@ -1523,11 +1693,12 @@
           </a:prstGeom>
         </p:spPr>
         <p:txBody>
-          <a:bodyPr lIns="0" rIns="0" tIns="0" bIns="0">
+          <a:bodyPr lIns="0" tIns="0" rIns="0" bIns="0">
             <a:normAutofit/>
           </a:bodyPr>
-          <a:p>
-            <a:endParaRPr b="0" lang="it-IT" sz="3200" spc="-1" strike="noStrike">
+          <a:lstStyle/>
+          <a:p>
+            <a:endParaRPr lang="it-IT" sz="3200" b="0" strike="noStrike" spc="-1">
               <a:solidFill>
                 <a:srgbClr val="000000"/>
               </a:solidFill>
@@ -1556,11 +1727,12 @@
           </a:prstGeom>
         </p:spPr>
         <p:txBody>
-          <a:bodyPr lIns="0" rIns="0" tIns="0" bIns="0">
+          <a:bodyPr lIns="0" tIns="0" rIns="0" bIns="0">
             <a:normAutofit/>
           </a:bodyPr>
-          <a:p>
-            <a:endParaRPr b="0" lang="it-IT" sz="3200" spc="-1" strike="noStrike">
+          <a:lstStyle/>
+          <a:p>
+            <a:endParaRPr lang="it-IT" sz="3200" b="0" strike="noStrike" spc="-1">
               <a:solidFill>
                 <a:srgbClr val="000000"/>
               </a:solidFill>
@@ -1571,11 +1743,14 @@
       </p:sp>
     </p:spTree>
   </p:cSld>
+  <p:clrMapOvr>
+    <a:masterClrMapping/>
+  </p:clrMapOvr>
 </p:sldLayout>
 </file>
 
 <file path=ppt/slideLayouts/slideLayout22.xml><?xml version="1.0" encoding="utf-8"?>
-<p:sldLayout xmlns:a="http://schemas.openxmlformats.org/drawingml/2006/main" xmlns:p="http://schemas.openxmlformats.org/presentationml/2006/main" xmlns:r="http://schemas.openxmlformats.org/officeDocument/2006/relationships" xmlns:p14="http://schemas.microsoft.com/office/powerpoint/2010/main" xmlns:p15="http://schemas.microsoft.com/office/powerpoint/2012/main" xmlns:mc="http://schemas.openxmlformats.org/markup-compatibility/2006" type="objOverTx" preserve="1">
+<p:sldLayout xmlns:a="http://schemas.openxmlformats.org/drawingml/2006/main" xmlns:r="http://schemas.openxmlformats.org/officeDocument/2006/relationships" xmlns:p="http://schemas.openxmlformats.org/presentationml/2006/main" type="objOverTx" preserve="1">
   <p:cSld name="Title, Content over Content">
     <p:spTree>
       <p:nvGrpSpPr>
@@ -1611,11 +1786,12 @@
           </a:prstGeom>
         </p:spPr>
         <p:txBody>
-          <a:bodyPr lIns="0" rIns="0" tIns="0" bIns="0" anchor="ctr">
+          <a:bodyPr lIns="0" tIns="0" rIns="0" bIns="0" anchor="ctr">
             <a:spAutoFit/>
           </a:bodyPr>
-          <a:p>
-            <a:endParaRPr b="0" lang="it-IT" sz="1800" spc="-1" strike="noStrike">
+          <a:lstStyle/>
+          <a:p>
+            <a:endParaRPr lang="it-IT" sz="1800" b="0" strike="noStrike" spc="-1">
               <a:solidFill>
                 <a:srgbClr val="000000"/>
               </a:solidFill>
@@ -1644,11 +1820,12 @@
           </a:prstGeom>
         </p:spPr>
         <p:txBody>
-          <a:bodyPr lIns="0" rIns="0" tIns="0" bIns="0">
+          <a:bodyPr lIns="0" tIns="0" rIns="0" bIns="0">
             <a:normAutofit/>
           </a:bodyPr>
-          <a:p>
-            <a:endParaRPr b="0" lang="it-IT" sz="3200" spc="-1" strike="noStrike">
+          <a:lstStyle/>
+          <a:p>
+            <a:endParaRPr lang="it-IT" sz="3200" b="0" strike="noStrike" spc="-1">
               <a:solidFill>
                 <a:srgbClr val="000000"/>
               </a:solidFill>
@@ -1677,11 +1854,12 @@
           </a:prstGeom>
         </p:spPr>
         <p:txBody>
-          <a:bodyPr lIns="0" rIns="0" tIns="0" bIns="0">
+          <a:bodyPr lIns="0" tIns="0" rIns="0" bIns="0">
             <a:normAutofit/>
           </a:bodyPr>
-          <a:p>
-            <a:endParaRPr b="0" lang="it-IT" sz="3200" spc="-1" strike="noStrike">
+          <a:lstStyle/>
+          <a:p>
+            <a:endParaRPr lang="it-IT" sz="3200" b="0" strike="noStrike" spc="-1">
               <a:solidFill>
                 <a:srgbClr val="000000"/>
               </a:solidFill>
@@ -1692,11 +1870,14 @@
       </p:sp>
     </p:spTree>
   </p:cSld>
+  <p:clrMapOvr>
+    <a:masterClrMapping/>
+  </p:clrMapOvr>
 </p:sldLayout>
 </file>
 
 <file path=ppt/slideLayouts/slideLayout23.xml><?xml version="1.0" encoding="utf-8"?>
-<p:sldLayout xmlns:a="http://schemas.openxmlformats.org/drawingml/2006/main" xmlns:p="http://schemas.openxmlformats.org/presentationml/2006/main" xmlns:r="http://schemas.openxmlformats.org/officeDocument/2006/relationships" xmlns:p14="http://schemas.microsoft.com/office/powerpoint/2010/main" xmlns:p15="http://schemas.microsoft.com/office/powerpoint/2012/main" xmlns:mc="http://schemas.openxmlformats.org/markup-compatibility/2006" type="fourObj" preserve="1">
+<p:sldLayout xmlns:a="http://schemas.openxmlformats.org/drawingml/2006/main" xmlns:r="http://schemas.openxmlformats.org/officeDocument/2006/relationships" xmlns:p="http://schemas.openxmlformats.org/presentationml/2006/main" type="fourObj" preserve="1">
   <p:cSld name="Title, 4 Content">
     <p:spTree>
       <p:nvGrpSpPr>
@@ -1732,11 +1913,12 @@
           </a:prstGeom>
         </p:spPr>
         <p:txBody>
-          <a:bodyPr lIns="0" rIns="0" tIns="0" bIns="0" anchor="ctr">
+          <a:bodyPr lIns="0" tIns="0" rIns="0" bIns="0" anchor="ctr">
             <a:spAutoFit/>
           </a:bodyPr>
-          <a:p>
-            <a:endParaRPr b="0" lang="it-IT" sz="1800" spc="-1" strike="noStrike">
+          <a:lstStyle/>
+          <a:p>
+            <a:endParaRPr lang="it-IT" sz="1800" b="0" strike="noStrike" spc="-1">
               <a:solidFill>
                 <a:srgbClr val="000000"/>
               </a:solidFill>
@@ -1765,11 +1947,12 @@
           </a:prstGeom>
         </p:spPr>
         <p:txBody>
-          <a:bodyPr lIns="0" rIns="0" tIns="0" bIns="0">
+          <a:bodyPr lIns="0" tIns="0" rIns="0" bIns="0">
             <a:normAutofit/>
           </a:bodyPr>
-          <a:p>
-            <a:endParaRPr b="0" lang="it-IT" sz="3200" spc="-1" strike="noStrike">
+          <a:lstStyle/>
+          <a:p>
+            <a:endParaRPr lang="it-IT" sz="3200" b="0" strike="noStrike" spc="-1">
               <a:solidFill>
                 <a:srgbClr val="000000"/>
               </a:solidFill>
@@ -1798,11 +1981,12 @@
           </a:prstGeom>
         </p:spPr>
         <p:txBody>
-          <a:bodyPr lIns="0" rIns="0" tIns="0" bIns="0">
+          <a:bodyPr lIns="0" tIns="0" rIns="0" bIns="0">
             <a:normAutofit/>
           </a:bodyPr>
-          <a:p>
-            <a:endParaRPr b="0" lang="it-IT" sz="3200" spc="-1" strike="noStrike">
+          <a:lstStyle/>
+          <a:p>
+            <a:endParaRPr lang="it-IT" sz="3200" b="0" strike="noStrike" spc="-1">
               <a:solidFill>
                 <a:srgbClr val="000000"/>
               </a:solidFill>
@@ -1831,11 +2015,12 @@
           </a:prstGeom>
         </p:spPr>
         <p:txBody>
-          <a:bodyPr lIns="0" rIns="0" tIns="0" bIns="0">
+          <a:bodyPr lIns="0" tIns="0" rIns="0" bIns="0">
             <a:normAutofit/>
           </a:bodyPr>
-          <a:p>
-            <a:endParaRPr b="0" lang="it-IT" sz="3200" spc="-1" strike="noStrike">
+          <a:lstStyle/>
+          <a:p>
+            <a:endParaRPr lang="it-IT" sz="3200" b="0" strike="noStrike" spc="-1">
               <a:solidFill>
                 <a:srgbClr val="000000"/>
               </a:solidFill>
@@ -1864,11 +2049,12 @@
           </a:prstGeom>
         </p:spPr>
         <p:txBody>
-          <a:bodyPr lIns="0" rIns="0" tIns="0" bIns="0">
+          <a:bodyPr lIns="0" tIns="0" rIns="0" bIns="0">
             <a:normAutofit/>
           </a:bodyPr>
-          <a:p>
-            <a:endParaRPr b="0" lang="it-IT" sz="3200" spc="-1" strike="noStrike">
+          <a:lstStyle/>
+          <a:p>
+            <a:endParaRPr lang="it-IT" sz="3200" b="0" strike="noStrike" spc="-1">
               <a:solidFill>
                 <a:srgbClr val="000000"/>
               </a:solidFill>
@@ -1879,11 +2065,14 @@
       </p:sp>
     </p:spTree>
   </p:cSld>
+  <p:clrMapOvr>
+    <a:masterClrMapping/>
+  </p:clrMapOvr>
 </p:sldLayout>
 </file>
 
 <file path=ppt/slideLayouts/slideLayout24.xml><?xml version="1.0" encoding="utf-8"?>
-<p:sldLayout xmlns:a="http://schemas.openxmlformats.org/drawingml/2006/main" xmlns:p="http://schemas.openxmlformats.org/presentationml/2006/main" xmlns:r="http://schemas.openxmlformats.org/officeDocument/2006/relationships" xmlns:p14="http://schemas.microsoft.com/office/powerpoint/2010/main" xmlns:p15="http://schemas.microsoft.com/office/powerpoint/2012/main" xmlns:mc="http://schemas.openxmlformats.org/markup-compatibility/2006" type="blank" preserve="1">
+<p:sldLayout xmlns:a="http://schemas.openxmlformats.org/drawingml/2006/main" xmlns:r="http://schemas.openxmlformats.org/officeDocument/2006/relationships" xmlns:p="http://schemas.openxmlformats.org/presentationml/2006/main" type="blank" preserve="1">
   <p:cSld name="Title, 6 Content">
     <p:spTree>
       <p:nvGrpSpPr>
@@ -1919,11 +2108,12 @@
           </a:prstGeom>
         </p:spPr>
         <p:txBody>
-          <a:bodyPr lIns="0" rIns="0" tIns="0" bIns="0" anchor="ctr">
+          <a:bodyPr lIns="0" tIns="0" rIns="0" bIns="0" anchor="ctr">
             <a:spAutoFit/>
           </a:bodyPr>
-          <a:p>
-            <a:endParaRPr b="0" lang="it-IT" sz="1800" spc="-1" strike="noStrike">
+          <a:lstStyle/>
+          <a:p>
+            <a:endParaRPr lang="it-IT" sz="1800" b="0" strike="noStrike" spc="-1">
               <a:solidFill>
                 <a:srgbClr val="000000"/>
               </a:solidFill>
@@ -1952,11 +2142,12 @@
           </a:prstGeom>
         </p:spPr>
         <p:txBody>
-          <a:bodyPr lIns="0" rIns="0" tIns="0" bIns="0">
+          <a:bodyPr lIns="0" tIns="0" rIns="0" bIns="0">
             <a:normAutofit/>
           </a:bodyPr>
-          <a:p>
-            <a:endParaRPr b="0" lang="it-IT" sz="3200" spc="-1" strike="noStrike">
+          <a:lstStyle/>
+          <a:p>
+            <a:endParaRPr lang="it-IT" sz="3200" b="0" strike="noStrike" spc="-1">
               <a:solidFill>
                 <a:srgbClr val="000000"/>
               </a:solidFill>
@@ -1985,11 +2176,12 @@
           </a:prstGeom>
         </p:spPr>
         <p:txBody>
-          <a:bodyPr lIns="0" rIns="0" tIns="0" bIns="0">
+          <a:bodyPr lIns="0" tIns="0" rIns="0" bIns="0">
             <a:normAutofit/>
           </a:bodyPr>
-          <a:p>
-            <a:endParaRPr b="0" lang="it-IT" sz="3200" spc="-1" strike="noStrike">
+          <a:lstStyle/>
+          <a:p>
+            <a:endParaRPr lang="it-IT" sz="3200" b="0" strike="noStrike" spc="-1">
               <a:solidFill>
                 <a:srgbClr val="000000"/>
               </a:solidFill>
@@ -2018,11 +2210,12 @@
           </a:prstGeom>
         </p:spPr>
         <p:txBody>
-          <a:bodyPr lIns="0" rIns="0" tIns="0" bIns="0">
+          <a:bodyPr lIns="0" tIns="0" rIns="0" bIns="0">
             <a:normAutofit/>
           </a:bodyPr>
-          <a:p>
-            <a:endParaRPr b="0" lang="it-IT" sz="3200" spc="-1" strike="noStrike">
+          <a:lstStyle/>
+          <a:p>
+            <a:endParaRPr lang="it-IT" sz="3200" b="0" strike="noStrike" spc="-1">
               <a:solidFill>
                 <a:srgbClr val="000000"/>
               </a:solidFill>
@@ -2051,11 +2244,12 @@
           </a:prstGeom>
         </p:spPr>
         <p:txBody>
-          <a:bodyPr lIns="0" rIns="0" tIns="0" bIns="0">
+          <a:bodyPr lIns="0" tIns="0" rIns="0" bIns="0">
             <a:normAutofit/>
           </a:bodyPr>
-          <a:p>
-            <a:endParaRPr b="0" lang="it-IT" sz="3200" spc="-1" strike="noStrike">
+          <a:lstStyle/>
+          <a:p>
+            <a:endParaRPr lang="it-IT" sz="3200" b="0" strike="noStrike" spc="-1">
               <a:solidFill>
                 <a:srgbClr val="000000"/>
               </a:solidFill>
@@ -2084,11 +2278,12 @@
           </a:prstGeom>
         </p:spPr>
         <p:txBody>
-          <a:bodyPr lIns="0" rIns="0" tIns="0" bIns="0">
+          <a:bodyPr lIns="0" tIns="0" rIns="0" bIns="0">
             <a:normAutofit/>
           </a:bodyPr>
-          <a:p>
-            <a:endParaRPr b="0" lang="it-IT" sz="3200" spc="-1" strike="noStrike">
+          <a:lstStyle/>
+          <a:p>
+            <a:endParaRPr lang="it-IT" sz="3200" b="0" strike="noStrike" spc="-1">
               <a:solidFill>
                 <a:srgbClr val="000000"/>
               </a:solidFill>
@@ -2117,11 +2312,12 @@
           </a:prstGeom>
         </p:spPr>
         <p:txBody>
-          <a:bodyPr lIns="0" rIns="0" tIns="0" bIns="0">
+          <a:bodyPr lIns="0" tIns="0" rIns="0" bIns="0">
             <a:normAutofit/>
           </a:bodyPr>
-          <a:p>
-            <a:endParaRPr b="0" lang="it-IT" sz="3200" spc="-1" strike="noStrike">
+          <a:lstStyle/>
+          <a:p>
+            <a:endParaRPr lang="it-IT" sz="3200" b="0" strike="noStrike" spc="-1">
               <a:solidFill>
                 <a:srgbClr val="000000"/>
               </a:solidFill>
@@ -2132,11 +2328,14 @@
       </p:sp>
     </p:spTree>
   </p:cSld>
+  <p:clrMapOvr>
+    <a:masterClrMapping/>
+  </p:clrMapOvr>
 </p:sldLayout>
 </file>
 
 <file path=ppt/slideLayouts/slideLayout3.xml><?xml version="1.0" encoding="utf-8"?>
-<p:sldLayout xmlns:a="http://schemas.openxmlformats.org/drawingml/2006/main" xmlns:p="http://schemas.openxmlformats.org/presentationml/2006/main" xmlns:r="http://schemas.openxmlformats.org/officeDocument/2006/relationships" xmlns:p14="http://schemas.microsoft.com/office/powerpoint/2010/main" xmlns:p15="http://schemas.microsoft.com/office/powerpoint/2012/main" xmlns:mc="http://schemas.openxmlformats.org/markup-compatibility/2006" type="obj" preserve="1">
+<p:sldLayout xmlns:a="http://schemas.openxmlformats.org/drawingml/2006/main" xmlns:r="http://schemas.openxmlformats.org/officeDocument/2006/relationships" xmlns:p="http://schemas.openxmlformats.org/presentationml/2006/main" type="obj" preserve="1">
   <p:cSld name="Title, Content">
     <p:spTree>
       <p:nvGrpSpPr>
@@ -2172,11 +2371,12 @@
           </a:prstGeom>
         </p:spPr>
         <p:txBody>
-          <a:bodyPr lIns="0" rIns="0" tIns="0" bIns="0" anchor="ctr">
+          <a:bodyPr lIns="0" tIns="0" rIns="0" bIns="0" anchor="ctr">
             <a:spAutoFit/>
           </a:bodyPr>
-          <a:p>
-            <a:endParaRPr b="0" lang="it-IT" sz="1800" spc="-1" strike="noStrike">
+          <a:lstStyle/>
+          <a:p>
+            <a:endParaRPr lang="it-IT" sz="1800" b="0" strike="noStrike" spc="-1">
               <a:solidFill>
                 <a:srgbClr val="000000"/>
               </a:solidFill>
@@ -2205,11 +2405,12 @@
           </a:prstGeom>
         </p:spPr>
         <p:txBody>
-          <a:bodyPr lIns="0" rIns="0" tIns="0" bIns="0">
+          <a:bodyPr lIns="0" tIns="0" rIns="0" bIns="0">
             <a:normAutofit/>
           </a:bodyPr>
-          <a:p>
-            <a:endParaRPr b="0" lang="it-IT" sz="3200" spc="-1" strike="noStrike">
+          <a:lstStyle/>
+          <a:p>
+            <a:endParaRPr lang="it-IT" sz="3200" b="0" strike="noStrike" spc="-1">
               <a:solidFill>
                 <a:srgbClr val="000000"/>
               </a:solidFill>
@@ -2220,11 +2421,14 @@
       </p:sp>
     </p:spTree>
   </p:cSld>
+  <p:clrMapOvr>
+    <a:masterClrMapping/>
+  </p:clrMapOvr>
 </p:sldLayout>
 </file>
 
 <file path=ppt/slideLayouts/slideLayout4.xml><?xml version="1.0" encoding="utf-8"?>
-<p:sldLayout xmlns:a="http://schemas.openxmlformats.org/drawingml/2006/main" xmlns:p="http://schemas.openxmlformats.org/presentationml/2006/main" xmlns:r="http://schemas.openxmlformats.org/officeDocument/2006/relationships" xmlns:p14="http://schemas.microsoft.com/office/powerpoint/2010/main" xmlns:p15="http://schemas.microsoft.com/office/powerpoint/2012/main" xmlns:mc="http://schemas.openxmlformats.org/markup-compatibility/2006" type="twoObj" preserve="1">
+<p:sldLayout xmlns:a="http://schemas.openxmlformats.org/drawingml/2006/main" xmlns:r="http://schemas.openxmlformats.org/officeDocument/2006/relationships" xmlns:p="http://schemas.openxmlformats.org/presentationml/2006/main" type="twoObj" preserve="1">
   <p:cSld name="Title, 2 Content">
     <p:spTree>
       <p:nvGrpSpPr>
@@ -2260,11 +2464,12 @@
           </a:prstGeom>
         </p:spPr>
         <p:txBody>
-          <a:bodyPr lIns="0" rIns="0" tIns="0" bIns="0" anchor="ctr">
+          <a:bodyPr lIns="0" tIns="0" rIns="0" bIns="0" anchor="ctr">
             <a:spAutoFit/>
           </a:bodyPr>
-          <a:p>
-            <a:endParaRPr b="0" lang="it-IT" sz="1800" spc="-1" strike="noStrike">
+          <a:lstStyle/>
+          <a:p>
+            <a:endParaRPr lang="it-IT" sz="1800" b="0" strike="noStrike" spc="-1">
               <a:solidFill>
                 <a:srgbClr val="000000"/>
               </a:solidFill>
@@ -2293,11 +2498,12 @@
           </a:prstGeom>
         </p:spPr>
         <p:txBody>
-          <a:bodyPr lIns="0" rIns="0" tIns="0" bIns="0">
+          <a:bodyPr lIns="0" tIns="0" rIns="0" bIns="0">
             <a:normAutofit/>
           </a:bodyPr>
-          <a:p>
-            <a:endParaRPr b="0" lang="it-IT" sz="3200" spc="-1" strike="noStrike">
+          <a:lstStyle/>
+          <a:p>
+            <a:endParaRPr lang="it-IT" sz="3200" b="0" strike="noStrike" spc="-1">
               <a:solidFill>
                 <a:srgbClr val="000000"/>
               </a:solidFill>
@@ -2326,11 +2532,12 @@
           </a:prstGeom>
         </p:spPr>
         <p:txBody>
-          <a:bodyPr lIns="0" rIns="0" tIns="0" bIns="0">
+          <a:bodyPr lIns="0" tIns="0" rIns="0" bIns="0">
             <a:normAutofit/>
           </a:bodyPr>
-          <a:p>
-            <a:endParaRPr b="0" lang="it-IT" sz="3200" spc="-1" strike="noStrike">
+          <a:lstStyle/>
+          <a:p>
+            <a:endParaRPr lang="it-IT" sz="3200" b="0" strike="noStrike" spc="-1">
               <a:solidFill>
                 <a:srgbClr val="000000"/>
               </a:solidFill>
@@ -2341,11 +2548,14 @@
       </p:sp>
     </p:spTree>
   </p:cSld>
+  <p:clrMapOvr>
+    <a:masterClrMapping/>
+  </p:clrMapOvr>
 </p:sldLayout>
 </file>
 
 <file path=ppt/slideLayouts/slideLayout5.xml><?xml version="1.0" encoding="utf-8"?>
-<p:sldLayout xmlns:a="http://schemas.openxmlformats.org/drawingml/2006/main" xmlns:p="http://schemas.openxmlformats.org/presentationml/2006/main" xmlns:r="http://schemas.openxmlformats.org/officeDocument/2006/relationships" xmlns:p14="http://schemas.microsoft.com/office/powerpoint/2010/main" xmlns:p15="http://schemas.microsoft.com/office/powerpoint/2012/main" xmlns:mc="http://schemas.openxmlformats.org/markup-compatibility/2006" type="titleOnly" preserve="1">
+<p:sldLayout xmlns:a="http://schemas.openxmlformats.org/drawingml/2006/main" xmlns:r="http://schemas.openxmlformats.org/officeDocument/2006/relationships" xmlns:p="http://schemas.openxmlformats.org/presentationml/2006/main" type="titleOnly" preserve="1">
   <p:cSld name="Title Only">
     <p:spTree>
       <p:nvGrpSpPr>
@@ -2381,11 +2591,12 @@
           </a:prstGeom>
         </p:spPr>
         <p:txBody>
-          <a:bodyPr lIns="0" rIns="0" tIns="0" bIns="0" anchor="ctr">
+          <a:bodyPr lIns="0" tIns="0" rIns="0" bIns="0" anchor="ctr">
             <a:spAutoFit/>
           </a:bodyPr>
-          <a:p>
-            <a:endParaRPr b="0" lang="it-IT" sz="1800" spc="-1" strike="noStrike">
+          <a:lstStyle/>
+          <a:p>
+            <a:endParaRPr lang="it-IT" sz="1800" b="0" strike="noStrike" spc="-1">
               <a:solidFill>
                 <a:srgbClr val="000000"/>
               </a:solidFill>
@@ -2396,11 +2607,14 @@
       </p:sp>
     </p:spTree>
   </p:cSld>
+  <p:clrMapOvr>
+    <a:masterClrMapping/>
+  </p:clrMapOvr>
 </p:sldLayout>
 </file>
 
 <file path=ppt/slideLayouts/slideLayout6.xml><?xml version="1.0" encoding="utf-8"?>
-<p:sldLayout xmlns:a="http://schemas.openxmlformats.org/drawingml/2006/main" xmlns:p="http://schemas.openxmlformats.org/presentationml/2006/main" xmlns:r="http://schemas.openxmlformats.org/officeDocument/2006/relationships" xmlns:p14="http://schemas.microsoft.com/office/powerpoint/2010/main" xmlns:p15="http://schemas.microsoft.com/office/powerpoint/2012/main" xmlns:mc="http://schemas.openxmlformats.org/markup-compatibility/2006" type="objOnly" preserve="1">
+<p:sldLayout xmlns:a="http://schemas.openxmlformats.org/drawingml/2006/main" xmlns:r="http://schemas.openxmlformats.org/officeDocument/2006/relationships" xmlns:p="http://schemas.openxmlformats.org/presentationml/2006/main" type="objOnly" preserve="1">
   <p:cSld name="Centered Text">
     <p:spTree>
       <p:nvGrpSpPr>
@@ -2436,12 +2650,13 @@
           </a:prstGeom>
         </p:spPr>
         <p:txBody>
-          <a:bodyPr lIns="0" rIns="0" tIns="0" bIns="0" anchor="ctr">
+          <a:bodyPr lIns="0" tIns="0" rIns="0" bIns="0" anchor="ctr">
             <a:spAutoFit/>
           </a:bodyPr>
+          <a:lstStyle/>
           <a:p>
             <a:pPr algn="ctr"/>
-            <a:endParaRPr b="0" lang="it-IT" sz="3200" spc="-1" strike="noStrike">
+            <a:endParaRPr lang="it-IT" sz="3200" b="0" strike="noStrike" spc="-1">
               <a:latin typeface="Arial"/>
             </a:endParaRPr>
           </a:p>
@@ -2449,11 +2664,14 @@
       </p:sp>
     </p:spTree>
   </p:cSld>
+  <p:clrMapOvr>
+    <a:masterClrMapping/>
+  </p:clrMapOvr>
 </p:sldLayout>
 </file>
 
 <file path=ppt/slideLayouts/slideLayout7.xml><?xml version="1.0" encoding="utf-8"?>
-<p:sldLayout xmlns:a="http://schemas.openxmlformats.org/drawingml/2006/main" xmlns:p="http://schemas.openxmlformats.org/presentationml/2006/main" xmlns:r="http://schemas.openxmlformats.org/officeDocument/2006/relationships" xmlns:p14="http://schemas.microsoft.com/office/powerpoint/2010/main" xmlns:p15="http://schemas.microsoft.com/office/powerpoint/2012/main" xmlns:mc="http://schemas.openxmlformats.org/markup-compatibility/2006" type="twoObjAndObj" preserve="1">
+<p:sldLayout xmlns:a="http://schemas.openxmlformats.org/drawingml/2006/main" xmlns:r="http://schemas.openxmlformats.org/officeDocument/2006/relationships" xmlns:p="http://schemas.openxmlformats.org/presentationml/2006/main" type="twoObjAndObj" preserve="1">
   <p:cSld name="Title, 2 Content and Content">
     <p:spTree>
       <p:nvGrpSpPr>
@@ -2489,11 +2707,12 @@
           </a:prstGeom>
         </p:spPr>
         <p:txBody>
-          <a:bodyPr lIns="0" rIns="0" tIns="0" bIns="0" anchor="ctr">
+          <a:bodyPr lIns="0" tIns="0" rIns="0" bIns="0" anchor="ctr">
             <a:spAutoFit/>
           </a:bodyPr>
-          <a:p>
-            <a:endParaRPr b="0" lang="it-IT" sz="1800" spc="-1" strike="noStrike">
+          <a:lstStyle/>
+          <a:p>
+            <a:endParaRPr lang="it-IT" sz="1800" b="0" strike="noStrike" spc="-1">
               <a:solidFill>
                 <a:srgbClr val="000000"/>
               </a:solidFill>
@@ -2522,11 +2741,12 @@
           </a:prstGeom>
         </p:spPr>
         <p:txBody>
-          <a:bodyPr lIns="0" rIns="0" tIns="0" bIns="0">
+          <a:bodyPr lIns="0" tIns="0" rIns="0" bIns="0">
             <a:normAutofit/>
           </a:bodyPr>
-          <a:p>
-            <a:endParaRPr b="0" lang="it-IT" sz="3200" spc="-1" strike="noStrike">
+          <a:lstStyle/>
+          <a:p>
+            <a:endParaRPr lang="it-IT" sz="3200" b="0" strike="noStrike" spc="-1">
               <a:solidFill>
                 <a:srgbClr val="000000"/>
               </a:solidFill>
@@ -2555,11 +2775,12 @@
           </a:prstGeom>
         </p:spPr>
         <p:txBody>
-          <a:bodyPr lIns="0" rIns="0" tIns="0" bIns="0">
+          <a:bodyPr lIns="0" tIns="0" rIns="0" bIns="0">
             <a:normAutofit/>
           </a:bodyPr>
-          <a:p>
-            <a:endParaRPr b="0" lang="it-IT" sz="3200" spc="-1" strike="noStrike">
+          <a:lstStyle/>
+          <a:p>
+            <a:endParaRPr lang="it-IT" sz="3200" b="0" strike="noStrike" spc="-1">
               <a:solidFill>
                 <a:srgbClr val="000000"/>
               </a:solidFill>
@@ -2588,11 +2809,12 @@
           </a:prstGeom>
         </p:spPr>
         <p:txBody>
-          <a:bodyPr lIns="0" rIns="0" tIns="0" bIns="0">
+          <a:bodyPr lIns="0" tIns="0" rIns="0" bIns="0">
             <a:normAutofit/>
           </a:bodyPr>
-          <a:p>
-            <a:endParaRPr b="0" lang="it-IT" sz="3200" spc="-1" strike="noStrike">
+          <a:lstStyle/>
+          <a:p>
+            <a:endParaRPr lang="it-IT" sz="3200" b="0" strike="noStrike" spc="-1">
               <a:solidFill>
                 <a:srgbClr val="000000"/>
               </a:solidFill>
@@ -2603,11 +2825,14 @@
       </p:sp>
     </p:spTree>
   </p:cSld>
+  <p:clrMapOvr>
+    <a:masterClrMapping/>
+  </p:clrMapOvr>
 </p:sldLayout>
 </file>
 
 <file path=ppt/slideLayouts/slideLayout8.xml><?xml version="1.0" encoding="utf-8"?>
-<p:sldLayout xmlns:a="http://schemas.openxmlformats.org/drawingml/2006/main" xmlns:p="http://schemas.openxmlformats.org/presentationml/2006/main" xmlns:r="http://schemas.openxmlformats.org/officeDocument/2006/relationships" xmlns:p14="http://schemas.microsoft.com/office/powerpoint/2010/main" xmlns:p15="http://schemas.microsoft.com/office/powerpoint/2012/main" xmlns:mc="http://schemas.openxmlformats.org/markup-compatibility/2006" type="objAndTwoObj" preserve="1">
+<p:sldLayout xmlns:a="http://schemas.openxmlformats.org/drawingml/2006/main" xmlns:r="http://schemas.openxmlformats.org/officeDocument/2006/relationships" xmlns:p="http://schemas.openxmlformats.org/presentationml/2006/main" type="objAndTwoObj" preserve="1">
   <p:cSld name="Title Content and 2 Content">
     <p:spTree>
       <p:nvGrpSpPr>
@@ -2643,11 +2868,12 @@
           </a:prstGeom>
         </p:spPr>
         <p:txBody>
-          <a:bodyPr lIns="0" rIns="0" tIns="0" bIns="0" anchor="ctr">
+          <a:bodyPr lIns="0" tIns="0" rIns="0" bIns="0" anchor="ctr">
             <a:spAutoFit/>
           </a:bodyPr>
-          <a:p>
-            <a:endParaRPr b="0" lang="it-IT" sz="1800" spc="-1" strike="noStrike">
+          <a:lstStyle/>
+          <a:p>
+            <a:endParaRPr lang="it-IT" sz="1800" b="0" strike="noStrike" spc="-1">
               <a:solidFill>
                 <a:srgbClr val="000000"/>
               </a:solidFill>
@@ -2676,11 +2902,12 @@
           </a:prstGeom>
         </p:spPr>
         <p:txBody>
-          <a:bodyPr lIns="0" rIns="0" tIns="0" bIns="0">
+          <a:bodyPr lIns="0" tIns="0" rIns="0" bIns="0">
             <a:normAutofit/>
           </a:bodyPr>
-          <a:p>
-            <a:endParaRPr b="0" lang="it-IT" sz="3200" spc="-1" strike="noStrike">
+          <a:lstStyle/>
+          <a:p>
+            <a:endParaRPr lang="it-IT" sz="3200" b="0" strike="noStrike" spc="-1">
               <a:solidFill>
                 <a:srgbClr val="000000"/>
               </a:solidFill>
@@ -2709,11 +2936,12 @@
           </a:prstGeom>
         </p:spPr>
         <p:txBody>
-          <a:bodyPr lIns="0" rIns="0" tIns="0" bIns="0">
+          <a:bodyPr lIns="0" tIns="0" rIns="0" bIns="0">
             <a:normAutofit/>
           </a:bodyPr>
-          <a:p>
-            <a:endParaRPr b="0" lang="it-IT" sz="3200" spc="-1" strike="noStrike">
+          <a:lstStyle/>
+          <a:p>
+            <a:endParaRPr lang="it-IT" sz="3200" b="0" strike="noStrike" spc="-1">
               <a:solidFill>
                 <a:srgbClr val="000000"/>
               </a:solidFill>
@@ -2742,11 +2970,12 @@
           </a:prstGeom>
         </p:spPr>
         <p:txBody>
-          <a:bodyPr lIns="0" rIns="0" tIns="0" bIns="0">
+          <a:bodyPr lIns="0" tIns="0" rIns="0" bIns="0">
             <a:normAutofit/>
           </a:bodyPr>
-          <a:p>
-            <a:endParaRPr b="0" lang="it-IT" sz="3200" spc="-1" strike="noStrike">
+          <a:lstStyle/>
+          <a:p>
+            <a:endParaRPr lang="it-IT" sz="3200" b="0" strike="noStrike" spc="-1">
               <a:solidFill>
                 <a:srgbClr val="000000"/>
               </a:solidFill>
@@ -2757,11 +2986,14 @@
       </p:sp>
     </p:spTree>
   </p:cSld>
+  <p:clrMapOvr>
+    <a:masterClrMapping/>
+  </p:clrMapOvr>
 </p:sldLayout>
 </file>
 
 <file path=ppt/slideLayouts/slideLayout9.xml><?xml version="1.0" encoding="utf-8"?>
-<p:sldLayout xmlns:a="http://schemas.openxmlformats.org/drawingml/2006/main" xmlns:p="http://schemas.openxmlformats.org/presentationml/2006/main" xmlns:r="http://schemas.openxmlformats.org/officeDocument/2006/relationships" xmlns:p14="http://schemas.microsoft.com/office/powerpoint/2010/main" xmlns:p15="http://schemas.microsoft.com/office/powerpoint/2012/main" xmlns:mc="http://schemas.openxmlformats.org/markup-compatibility/2006" type="twoObjOverTx" preserve="1">
+<p:sldLayout xmlns:a="http://schemas.openxmlformats.org/drawingml/2006/main" xmlns:r="http://schemas.openxmlformats.org/officeDocument/2006/relationships" xmlns:p="http://schemas.openxmlformats.org/presentationml/2006/main" type="twoObjOverTx" preserve="1">
   <p:cSld name="Title, 2 Content over Content">
     <p:spTree>
       <p:nvGrpSpPr>
@@ -2797,11 +3029,12 @@
           </a:prstGeom>
         </p:spPr>
         <p:txBody>
-          <a:bodyPr lIns="0" rIns="0" tIns="0" bIns="0" anchor="ctr">
+          <a:bodyPr lIns="0" tIns="0" rIns="0" bIns="0" anchor="ctr">
             <a:spAutoFit/>
           </a:bodyPr>
-          <a:p>
-            <a:endParaRPr b="0" lang="it-IT" sz="1800" spc="-1" strike="noStrike">
+          <a:lstStyle/>
+          <a:p>
+            <a:endParaRPr lang="it-IT" sz="1800" b="0" strike="noStrike" spc="-1">
               <a:solidFill>
                 <a:srgbClr val="000000"/>
               </a:solidFill>
@@ -2830,11 +3063,12 @@
           </a:prstGeom>
         </p:spPr>
         <p:txBody>
-          <a:bodyPr lIns="0" rIns="0" tIns="0" bIns="0">
+          <a:bodyPr lIns="0" tIns="0" rIns="0" bIns="0">
             <a:normAutofit/>
           </a:bodyPr>
-          <a:p>
-            <a:endParaRPr b="0" lang="it-IT" sz="3200" spc="-1" strike="noStrike">
+          <a:lstStyle/>
+          <a:p>
+            <a:endParaRPr lang="it-IT" sz="3200" b="0" strike="noStrike" spc="-1">
               <a:solidFill>
                 <a:srgbClr val="000000"/>
               </a:solidFill>
@@ -2863,11 +3097,12 @@
           </a:prstGeom>
         </p:spPr>
         <p:txBody>
-          <a:bodyPr lIns="0" rIns="0" tIns="0" bIns="0">
+          <a:bodyPr lIns="0" tIns="0" rIns="0" bIns="0">
             <a:normAutofit/>
           </a:bodyPr>
-          <a:p>
-            <a:endParaRPr b="0" lang="it-IT" sz="3200" spc="-1" strike="noStrike">
+          <a:lstStyle/>
+          <a:p>
+            <a:endParaRPr lang="it-IT" sz="3200" b="0" strike="noStrike" spc="-1">
               <a:solidFill>
                 <a:srgbClr val="000000"/>
               </a:solidFill>
@@ -2896,11 +3131,12 @@
           </a:prstGeom>
         </p:spPr>
         <p:txBody>
-          <a:bodyPr lIns="0" rIns="0" tIns="0" bIns="0">
+          <a:bodyPr lIns="0" tIns="0" rIns="0" bIns="0">
             <a:normAutofit/>
           </a:bodyPr>
-          <a:p>
-            <a:endParaRPr b="0" lang="it-IT" sz="3200" spc="-1" strike="noStrike">
+          <a:lstStyle/>
+          <a:p>
+            <a:endParaRPr lang="it-IT" sz="3200" b="0" strike="noStrike" spc="-1">
               <a:solidFill>
                 <a:srgbClr val="000000"/>
               </a:solidFill>
@@ -2911,17 +3147,21 @@
       </p:sp>
     </p:spTree>
   </p:cSld>
+  <p:clrMapOvr>
+    <a:masterClrMapping/>
+  </p:clrMapOvr>
 </p:sldLayout>
 </file>
 
 <file path=ppt/slideMasters/slideMaster1.xml><?xml version="1.0" encoding="utf-8"?>
-<p:sldMaster xmlns:a="http://schemas.openxmlformats.org/drawingml/2006/main" xmlns:p="http://schemas.openxmlformats.org/presentationml/2006/main" xmlns:r="http://schemas.openxmlformats.org/officeDocument/2006/relationships" xmlns:p14="http://schemas.microsoft.com/office/powerpoint/2010/main" xmlns:p15="http://schemas.microsoft.com/office/powerpoint/2012/main" xmlns:mc="http://schemas.openxmlformats.org/markup-compatibility/2006">
+<p:sldMaster xmlns:a="http://schemas.openxmlformats.org/drawingml/2006/main" xmlns:r="http://schemas.openxmlformats.org/officeDocument/2006/relationships" xmlns:p="http://schemas.openxmlformats.org/presentationml/2006/main">
   <p:cSld>
     <p:bg>
       <p:bgPr>
         <a:solidFill>
-          <a:srgbClr val="ffffff"/>
+          <a:srgbClr val="FFFFFF"/>
         </a:solidFill>
+        <a:effectLst/>
       </p:bgPr>
     </p:bg>
     <p:spTree>
@@ -2940,7 +3180,7 @@
       </p:grpSpPr>
       <p:sp>
         <p:nvSpPr>
-          <p:cNvPr id="0" name="PlaceHolder 1"/>
+          <p:cNvPr id="5" name="PlaceHolder 1"/>
           <p:cNvSpPr>
             <a:spLocks noGrp="1"/>
           </p:cNvSpPr>
@@ -2961,6 +3201,7 @@
           <a:bodyPr anchor="ctr">
             <a:noAutofit/>
           </a:bodyPr>
+          <a:lstStyle/>
           <a:p>
             <a:pPr algn="ctr">
               <a:lnSpc>
@@ -2968,7 +3209,7 @@
               </a:lnSpc>
             </a:pPr>
             <a:r>
-              <a:rPr b="0" lang="it-IT" sz="4400" spc="-1" strike="noStrike">
+              <a:rPr lang="it-IT" sz="4400" b="0" strike="noStrike" spc="-1">
                 <a:solidFill>
                   <a:srgbClr val="000000"/>
                 </a:solidFill>
@@ -2976,18 +3217,12 @@
               </a:rPr>
               <a:t>Fare clic per modificare lo stile del titolo</a:t>
             </a:r>
-            <a:endParaRPr b="0" lang="it-IT" sz="4400" spc="-1" strike="noStrike">
-              <a:solidFill>
-                <a:srgbClr val="000000"/>
-              </a:solidFill>
-              <a:latin typeface="Calibri"/>
-            </a:endParaRPr>
-          </a:p>
-        </p:txBody>
-      </p:sp>
-      <p:sp>
-        <p:nvSpPr>
-          <p:cNvPr id="1" name="PlaceHolder 2"/>
+          </a:p>
+        </p:txBody>
+      </p:sp>
+      <p:sp>
+        <p:nvSpPr>
+          <p:cNvPr id="6" name="PlaceHolder 2"/>
           <p:cNvSpPr>
             <a:spLocks noGrp="1"/>
           </p:cNvSpPr>
@@ -3008,6 +3243,7 @@
           <a:bodyPr anchor="ctr">
             <a:noAutofit/>
           </a:bodyPr>
+          <a:lstStyle/>
           <a:p>
             <a:pPr>
               <a:lnSpc>
@@ -3015,15 +3251,15 @@
               </a:lnSpc>
             </a:pPr>
             <a:fld id="{6FEFD45B-432C-44BA-89E3-7A3B738B1853}" type="datetime">
-              <a:rPr b="0" lang="it-IT" sz="1200" spc="-1" strike="noStrike">
+              <a:rPr lang="it-IT" sz="1200" b="0" strike="noStrike" spc="-1">
                 <a:solidFill>
-                  <a:srgbClr val="8b8b8b"/>
+                  <a:srgbClr val="8B8B8B"/>
                 </a:solidFill>
                 <a:latin typeface="Calibri"/>
               </a:rPr>
-              <a:t>28/10/20</a:t>
+              <a:t>29/10/2020</a:t>
             </a:fld>
-            <a:endParaRPr b="0" lang="it-IT" sz="1200" spc="-1" strike="noStrike">
+            <a:endParaRPr lang="it-IT" sz="1200" b="0" strike="noStrike" spc="-1">
               <a:latin typeface="Times New Roman"/>
             </a:endParaRPr>
           </a:p>
@@ -3052,8 +3288,9 @@
           <a:bodyPr anchor="ctr">
             <a:noAutofit/>
           </a:bodyPr>
-          <a:p>
-            <a:endParaRPr b="0" lang="it-IT" sz="2400" spc="-1" strike="noStrike">
+          <a:lstStyle/>
+          <a:p>
+            <a:endParaRPr lang="it-IT" sz="2400" b="0" strike="noStrike" spc="-1">
               <a:latin typeface="Times New Roman"/>
             </a:endParaRPr>
           </a:p>
@@ -3082,6 +3319,7 @@
           <a:bodyPr anchor="ctr">
             <a:noAutofit/>
           </a:bodyPr>
+          <a:lstStyle/>
           <a:p>
             <a:pPr algn="r">
               <a:lnSpc>
@@ -3089,15 +3327,15 @@
               </a:lnSpc>
             </a:pPr>
             <a:fld id="{894ECC7C-3E59-4AB2-BCE3-A8FA291227E0}" type="slidenum">
-              <a:rPr b="0" lang="it-IT" sz="1200" spc="-1" strike="noStrike">
+              <a:rPr lang="it-IT" sz="1200" b="0" strike="noStrike" spc="-1">
                 <a:solidFill>
-                  <a:srgbClr val="8b8b8b"/>
+                  <a:srgbClr val="8B8B8B"/>
                 </a:solidFill>
                 <a:latin typeface="Calibri"/>
               </a:rPr>
-              <a:t>&lt;number&gt;</a:t>
+              <a:t>‹#›</a:t>
             </a:fld>
-            <a:endParaRPr b="0" lang="it-IT" sz="1200" spc="-1" strike="noStrike">
+            <a:endParaRPr lang="it-IT" sz="1200" b="0" strike="noStrike" spc="-1">
               <a:latin typeface="Times New Roman"/>
             </a:endParaRPr>
           </a:p>
@@ -3123,9 +3361,10 @@
           </a:prstGeom>
         </p:spPr>
         <p:txBody>
-          <a:bodyPr lIns="0" rIns="0" tIns="0" bIns="0">
+          <a:bodyPr lIns="0" tIns="0" rIns="0" bIns="0">
             <a:normAutofit/>
           </a:bodyPr>
+          <a:lstStyle/>
           <a:p>
             <a:pPr marL="432000" indent="-324000">
               <a:spcBef>
@@ -3139,7 +3378,7 @@
               <a:buChar char=""/>
             </a:pPr>
             <a:r>
-              <a:rPr b="0" lang="it-IT" sz="3200" spc="-1" strike="noStrike">
+              <a:rPr lang="it-IT" sz="3200" b="0" strike="noStrike" spc="-1">
                 <a:solidFill>
                   <a:srgbClr val="000000"/>
                 </a:solidFill>
@@ -3147,15 +3386,9 @@
               </a:rPr>
               <a:t>Click to edit the outline text format</a:t>
             </a:r>
-            <a:endParaRPr b="0" lang="it-IT" sz="3200" spc="-1" strike="noStrike">
-              <a:solidFill>
-                <a:srgbClr val="000000"/>
-              </a:solidFill>
-              <a:latin typeface="Calibri"/>
-            </a:endParaRPr>
-          </a:p>
-          <a:p>
-            <a:pPr lvl="1" marL="864000" indent="-324000">
+          </a:p>
+          <a:p>
+            <a:pPr marL="864000" lvl="1" indent="-324000">
               <a:spcBef>
                 <a:spcPts val="1134"/>
               </a:spcBef>
@@ -3167,7 +3400,7 @@
               <a:buChar char=""/>
             </a:pPr>
             <a:r>
-              <a:rPr b="0" lang="it-IT" sz="2400" spc="-1" strike="noStrike">
+              <a:rPr lang="it-IT" sz="2400" b="0" strike="noStrike" spc="-1">
                 <a:solidFill>
                   <a:srgbClr val="000000"/>
                 </a:solidFill>
@@ -3175,15 +3408,9 @@
               </a:rPr>
               <a:t>Second Outline Level</a:t>
             </a:r>
-            <a:endParaRPr b="0" lang="it-IT" sz="2400" spc="-1" strike="noStrike">
-              <a:solidFill>
-                <a:srgbClr val="000000"/>
-              </a:solidFill>
-              <a:latin typeface="Calibri"/>
-            </a:endParaRPr>
-          </a:p>
-          <a:p>
-            <a:pPr lvl="2" marL="1296000" indent="-288000">
+          </a:p>
+          <a:p>
+            <a:pPr marL="1296000" lvl="2" indent="-288000">
               <a:spcBef>
                 <a:spcPts val="850"/>
               </a:spcBef>
@@ -3195,7 +3422,7 @@
               <a:buChar char=""/>
             </a:pPr>
             <a:r>
-              <a:rPr b="0" lang="it-IT" sz="2000" spc="-1" strike="noStrike">
+              <a:rPr lang="it-IT" sz="2000" b="0" strike="noStrike" spc="-1">
                 <a:solidFill>
                   <a:srgbClr val="000000"/>
                 </a:solidFill>
@@ -3203,15 +3430,9 @@
               </a:rPr>
               <a:t>Third Outline Level</a:t>
             </a:r>
-            <a:endParaRPr b="0" lang="it-IT" sz="2000" spc="-1" strike="noStrike">
-              <a:solidFill>
-                <a:srgbClr val="000000"/>
-              </a:solidFill>
-              <a:latin typeface="Calibri"/>
-            </a:endParaRPr>
-          </a:p>
-          <a:p>
-            <a:pPr lvl="3" marL="1728000" indent="-216000">
+          </a:p>
+          <a:p>
+            <a:pPr marL="1728000" lvl="3" indent="-216000">
               <a:spcBef>
                 <a:spcPts val="567"/>
               </a:spcBef>
@@ -3223,7 +3444,7 @@
               <a:buChar char=""/>
             </a:pPr>
             <a:r>
-              <a:rPr b="0" lang="it-IT" sz="2000" spc="-1" strike="noStrike">
+              <a:rPr lang="it-IT" sz="2000" b="0" strike="noStrike" spc="-1">
                 <a:solidFill>
                   <a:srgbClr val="000000"/>
                 </a:solidFill>
@@ -3231,15 +3452,9 @@
               </a:rPr>
               <a:t>Fourth Outline Level</a:t>
             </a:r>
-            <a:endParaRPr b="0" lang="it-IT" sz="2000" spc="-1" strike="noStrike">
-              <a:solidFill>
-                <a:srgbClr val="000000"/>
-              </a:solidFill>
-              <a:latin typeface="Calibri"/>
-            </a:endParaRPr>
-          </a:p>
-          <a:p>
-            <a:pPr lvl="4" marL="2160000" indent="-216000">
+          </a:p>
+          <a:p>
+            <a:pPr marL="2160000" lvl="4" indent="-216000">
               <a:spcBef>
                 <a:spcPts val="283"/>
               </a:spcBef>
@@ -3251,7 +3466,7 @@
               <a:buChar char=""/>
             </a:pPr>
             <a:r>
-              <a:rPr b="0" lang="it-IT" sz="2000" spc="-1" strike="noStrike">
+              <a:rPr lang="it-IT" sz="2000" b="0" strike="noStrike" spc="-1">
                 <a:solidFill>
                   <a:srgbClr val="000000"/>
                 </a:solidFill>
@@ -3259,15 +3474,9 @@
               </a:rPr>
               <a:t>Fifth Outline Level</a:t>
             </a:r>
-            <a:endParaRPr b="0" lang="it-IT" sz="2000" spc="-1" strike="noStrike">
-              <a:solidFill>
-                <a:srgbClr val="000000"/>
-              </a:solidFill>
-              <a:latin typeface="Calibri"/>
-            </a:endParaRPr>
-          </a:p>
-          <a:p>
-            <a:pPr lvl="5" marL="2592000" indent="-216000">
+          </a:p>
+          <a:p>
+            <a:pPr marL="2592000" lvl="5" indent="-216000">
               <a:spcBef>
                 <a:spcPts val="283"/>
               </a:spcBef>
@@ -3279,7 +3488,7 @@
               <a:buChar char=""/>
             </a:pPr>
             <a:r>
-              <a:rPr b="0" lang="it-IT" sz="2000" spc="-1" strike="noStrike">
+              <a:rPr lang="it-IT" sz="2000" b="0" strike="noStrike" spc="-1">
                 <a:solidFill>
                   <a:srgbClr val="000000"/>
                 </a:solidFill>
@@ -3287,15 +3496,9 @@
               </a:rPr>
               <a:t>Sixth Outline Level</a:t>
             </a:r>
-            <a:endParaRPr b="0" lang="it-IT" sz="2000" spc="-1" strike="noStrike">
-              <a:solidFill>
-                <a:srgbClr val="000000"/>
-              </a:solidFill>
-              <a:latin typeface="Calibri"/>
-            </a:endParaRPr>
-          </a:p>
-          <a:p>
-            <a:pPr lvl="6" marL="3024000" indent="-216000">
+          </a:p>
+          <a:p>
+            <a:pPr marL="3024000" lvl="6" indent="-216000">
               <a:spcBef>
                 <a:spcPts val="283"/>
               </a:spcBef>
@@ -3307,7 +3510,7 @@
               <a:buChar char=""/>
             </a:pPr>
             <a:r>
-              <a:rPr b="0" lang="it-IT" sz="2000" spc="-1" strike="noStrike">
+              <a:rPr lang="it-IT" sz="2000" b="0" strike="noStrike" spc="-1">
                 <a:solidFill>
                   <a:srgbClr val="000000"/>
                 </a:solidFill>
@@ -3315,43 +3518,318 @@
               </a:rPr>
               <a:t>Seventh Outline Level</a:t>
             </a:r>
-            <a:endParaRPr b="0" lang="it-IT" sz="2000" spc="-1" strike="noStrike">
-              <a:solidFill>
-                <a:srgbClr val="000000"/>
-              </a:solidFill>
-              <a:latin typeface="Calibri"/>
-            </a:endParaRPr>
           </a:p>
         </p:txBody>
       </p:sp>
     </p:spTree>
   </p:cSld>
-  <p:clrMap bg1="lt1" bg2="lt2" tx1="dk1" tx2="dk2" accent1="accent1" accent2="accent2" accent3="accent3" accent4="accent4" accent5="accent5" accent6="accent6" hlink="hlink" folHlink="folHlink"/>
+  <p:clrMap bg1="lt1" tx1="dk1" bg2="lt2" tx2="dk2" accent1="accent1" accent2="accent2" accent3="accent3" accent4="accent4" accent5="accent5" accent6="accent6" hlink="hlink" folHlink="folHlink"/>
   <p:sldLayoutIdLst>
-    <p:sldLayoutId id="2147483649" r:id="rId2"/>
-    <p:sldLayoutId id="2147483650" r:id="rId3"/>
-    <p:sldLayoutId id="2147483651" r:id="rId4"/>
-    <p:sldLayoutId id="2147483652" r:id="rId5"/>
-    <p:sldLayoutId id="2147483653" r:id="rId6"/>
-    <p:sldLayoutId id="2147483654" r:id="rId7"/>
-    <p:sldLayoutId id="2147483655" r:id="rId8"/>
-    <p:sldLayoutId id="2147483656" r:id="rId9"/>
-    <p:sldLayoutId id="2147483657" r:id="rId10"/>
-    <p:sldLayoutId id="2147483658" r:id="rId11"/>
-    <p:sldLayoutId id="2147483659" r:id="rId12"/>
-    <p:sldLayoutId id="2147483660" r:id="rId13"/>
+    <p:sldLayoutId id="2147483649" r:id="rId1"/>
+    <p:sldLayoutId id="2147483650" r:id="rId2"/>
+    <p:sldLayoutId id="2147483651" r:id="rId3"/>
+    <p:sldLayoutId id="2147483652" r:id="rId4"/>
+    <p:sldLayoutId id="2147483653" r:id="rId5"/>
+    <p:sldLayoutId id="2147483654" r:id="rId6"/>
+    <p:sldLayoutId id="2147483655" r:id="rId7"/>
+    <p:sldLayoutId id="2147483656" r:id="rId8"/>
+    <p:sldLayoutId id="2147483657" r:id="rId9"/>
+    <p:sldLayoutId id="2147483658" r:id="rId10"/>
+    <p:sldLayoutId id="2147483659" r:id="rId11"/>
+    <p:sldLayoutId id="2147483660" r:id="rId12"/>
   </p:sldLayoutIdLst>
+  <p:txStyles>
+    <p:titleStyle>
+      <a:lvl1pPr algn="l" defTabSz="914400" rtl="0" eaLnBrk="1" latinLnBrk="0" hangingPunct="1">
+        <a:lnSpc>
+          <a:spcPct val="90000"/>
+        </a:lnSpc>
+        <a:spcBef>
+          <a:spcPct val="0"/>
+        </a:spcBef>
+        <a:buNone/>
+        <a:defRPr sz="4400" kern="1200">
+          <a:solidFill>
+            <a:schemeClr val="tx1"/>
+          </a:solidFill>
+          <a:latin typeface="+mj-lt"/>
+          <a:ea typeface="+mj-ea"/>
+          <a:cs typeface="+mj-cs"/>
+        </a:defRPr>
+      </a:lvl1pPr>
+    </p:titleStyle>
+    <p:bodyStyle>
+      <a:lvl1pPr marL="228600" indent="-228600" algn="l" defTabSz="914400" rtl="0" eaLnBrk="1" latinLnBrk="0" hangingPunct="1">
+        <a:lnSpc>
+          <a:spcPct val="90000"/>
+        </a:lnSpc>
+        <a:spcBef>
+          <a:spcPts val="1000"/>
+        </a:spcBef>
+        <a:buFont typeface="Arial" panose="020B0604020202020204" pitchFamily="34" charset="0"/>
+        <a:buChar char="•"/>
+        <a:defRPr sz="2800" kern="1200">
+          <a:solidFill>
+            <a:schemeClr val="tx1"/>
+          </a:solidFill>
+          <a:latin typeface="+mn-lt"/>
+          <a:ea typeface="+mn-ea"/>
+          <a:cs typeface="+mn-cs"/>
+        </a:defRPr>
+      </a:lvl1pPr>
+      <a:lvl2pPr marL="685800" indent="-228600" algn="l" defTabSz="914400" rtl="0" eaLnBrk="1" latinLnBrk="0" hangingPunct="1">
+        <a:lnSpc>
+          <a:spcPct val="90000"/>
+        </a:lnSpc>
+        <a:spcBef>
+          <a:spcPts val="500"/>
+        </a:spcBef>
+        <a:buFont typeface="Arial" panose="020B0604020202020204" pitchFamily="34" charset="0"/>
+        <a:buChar char="•"/>
+        <a:defRPr sz="2400" kern="1200">
+          <a:solidFill>
+            <a:schemeClr val="tx1"/>
+          </a:solidFill>
+          <a:latin typeface="+mn-lt"/>
+          <a:ea typeface="+mn-ea"/>
+          <a:cs typeface="+mn-cs"/>
+        </a:defRPr>
+      </a:lvl2pPr>
+      <a:lvl3pPr marL="1143000" indent="-228600" algn="l" defTabSz="914400" rtl="0" eaLnBrk="1" latinLnBrk="0" hangingPunct="1">
+        <a:lnSpc>
+          <a:spcPct val="90000"/>
+        </a:lnSpc>
+        <a:spcBef>
+          <a:spcPts val="500"/>
+        </a:spcBef>
+        <a:buFont typeface="Arial" panose="020B0604020202020204" pitchFamily="34" charset="0"/>
+        <a:buChar char="•"/>
+        <a:defRPr sz="2000" kern="1200">
+          <a:solidFill>
+            <a:schemeClr val="tx1"/>
+          </a:solidFill>
+          <a:latin typeface="+mn-lt"/>
+          <a:ea typeface="+mn-ea"/>
+          <a:cs typeface="+mn-cs"/>
+        </a:defRPr>
+      </a:lvl3pPr>
+      <a:lvl4pPr marL="1600200" indent="-228600" algn="l" defTabSz="914400" rtl="0" eaLnBrk="1" latinLnBrk="0" hangingPunct="1">
+        <a:lnSpc>
+          <a:spcPct val="90000"/>
+        </a:lnSpc>
+        <a:spcBef>
+          <a:spcPts val="500"/>
+        </a:spcBef>
+        <a:buFont typeface="Arial" panose="020B0604020202020204" pitchFamily="34" charset="0"/>
+        <a:buChar char="•"/>
+        <a:defRPr sz="1800" kern="1200">
+          <a:solidFill>
+            <a:schemeClr val="tx1"/>
+          </a:solidFill>
+          <a:latin typeface="+mn-lt"/>
+          <a:ea typeface="+mn-ea"/>
+          <a:cs typeface="+mn-cs"/>
+        </a:defRPr>
+      </a:lvl4pPr>
+      <a:lvl5pPr marL="2057400" indent="-228600" algn="l" defTabSz="914400" rtl="0" eaLnBrk="1" latinLnBrk="0" hangingPunct="1">
+        <a:lnSpc>
+          <a:spcPct val="90000"/>
+        </a:lnSpc>
+        <a:spcBef>
+          <a:spcPts val="500"/>
+        </a:spcBef>
+        <a:buFont typeface="Arial" panose="020B0604020202020204" pitchFamily="34" charset="0"/>
+        <a:buChar char="•"/>
+        <a:defRPr sz="1800" kern="1200">
+          <a:solidFill>
+            <a:schemeClr val="tx1"/>
+          </a:solidFill>
+          <a:latin typeface="+mn-lt"/>
+          <a:ea typeface="+mn-ea"/>
+          <a:cs typeface="+mn-cs"/>
+        </a:defRPr>
+      </a:lvl5pPr>
+      <a:lvl6pPr marL="2514600" indent="-228600" algn="l" defTabSz="914400" rtl="0" eaLnBrk="1" latinLnBrk="0" hangingPunct="1">
+        <a:lnSpc>
+          <a:spcPct val="90000"/>
+        </a:lnSpc>
+        <a:spcBef>
+          <a:spcPts val="500"/>
+        </a:spcBef>
+        <a:buFont typeface="Arial" panose="020B0604020202020204" pitchFamily="34" charset="0"/>
+        <a:buChar char="•"/>
+        <a:defRPr sz="1800" kern="1200">
+          <a:solidFill>
+            <a:schemeClr val="tx1"/>
+          </a:solidFill>
+          <a:latin typeface="+mn-lt"/>
+          <a:ea typeface="+mn-ea"/>
+          <a:cs typeface="+mn-cs"/>
+        </a:defRPr>
+      </a:lvl6pPr>
+      <a:lvl7pPr marL="2971800" indent="-228600" algn="l" defTabSz="914400" rtl="0" eaLnBrk="1" latinLnBrk="0" hangingPunct="1">
+        <a:lnSpc>
+          <a:spcPct val="90000"/>
+        </a:lnSpc>
+        <a:spcBef>
+          <a:spcPts val="500"/>
+        </a:spcBef>
+        <a:buFont typeface="Arial" panose="020B0604020202020204" pitchFamily="34" charset="0"/>
+        <a:buChar char="•"/>
+        <a:defRPr sz="1800" kern="1200">
+          <a:solidFill>
+            <a:schemeClr val="tx1"/>
+          </a:solidFill>
+          <a:latin typeface="+mn-lt"/>
+          <a:ea typeface="+mn-ea"/>
+          <a:cs typeface="+mn-cs"/>
+        </a:defRPr>
+      </a:lvl7pPr>
+      <a:lvl8pPr marL="3429000" indent="-228600" algn="l" defTabSz="914400" rtl="0" eaLnBrk="1" latinLnBrk="0" hangingPunct="1">
+        <a:lnSpc>
+          <a:spcPct val="90000"/>
+        </a:lnSpc>
+        <a:spcBef>
+          <a:spcPts val="500"/>
+        </a:spcBef>
+        <a:buFont typeface="Arial" panose="020B0604020202020204" pitchFamily="34" charset="0"/>
+        <a:buChar char="•"/>
+        <a:defRPr sz="1800" kern="1200">
+          <a:solidFill>
+            <a:schemeClr val="tx1"/>
+          </a:solidFill>
+          <a:latin typeface="+mn-lt"/>
+          <a:ea typeface="+mn-ea"/>
+          <a:cs typeface="+mn-cs"/>
+        </a:defRPr>
+      </a:lvl8pPr>
+      <a:lvl9pPr marL="3886200" indent="-228600" algn="l" defTabSz="914400" rtl="0" eaLnBrk="1" latinLnBrk="0" hangingPunct="1">
+        <a:lnSpc>
+          <a:spcPct val="90000"/>
+        </a:lnSpc>
+        <a:spcBef>
+          <a:spcPts val="500"/>
+        </a:spcBef>
+        <a:buFont typeface="Arial" panose="020B0604020202020204" pitchFamily="34" charset="0"/>
+        <a:buChar char="•"/>
+        <a:defRPr sz="1800" kern="1200">
+          <a:solidFill>
+            <a:schemeClr val="tx1"/>
+          </a:solidFill>
+          <a:latin typeface="+mn-lt"/>
+          <a:ea typeface="+mn-ea"/>
+          <a:cs typeface="+mn-cs"/>
+        </a:defRPr>
+      </a:lvl9pPr>
+    </p:bodyStyle>
+    <p:otherStyle>
+      <a:defPPr>
+        <a:defRPr lang="en-US"/>
+      </a:defPPr>
+      <a:lvl1pPr marL="0" algn="l" defTabSz="914400" rtl="0" eaLnBrk="1" latinLnBrk="0" hangingPunct="1">
+        <a:defRPr sz="1800" kern="1200">
+          <a:solidFill>
+            <a:schemeClr val="tx1"/>
+          </a:solidFill>
+          <a:latin typeface="+mn-lt"/>
+          <a:ea typeface="+mn-ea"/>
+          <a:cs typeface="+mn-cs"/>
+        </a:defRPr>
+      </a:lvl1pPr>
+      <a:lvl2pPr marL="457200" algn="l" defTabSz="914400" rtl="0" eaLnBrk="1" latinLnBrk="0" hangingPunct="1">
+        <a:defRPr sz="1800" kern="1200">
+          <a:solidFill>
+            <a:schemeClr val="tx1"/>
+          </a:solidFill>
+          <a:latin typeface="+mn-lt"/>
+          <a:ea typeface="+mn-ea"/>
+          <a:cs typeface="+mn-cs"/>
+        </a:defRPr>
+      </a:lvl2pPr>
+      <a:lvl3pPr marL="914400" algn="l" defTabSz="914400" rtl="0" eaLnBrk="1" latinLnBrk="0" hangingPunct="1">
+        <a:defRPr sz="1800" kern="1200">
+          <a:solidFill>
+            <a:schemeClr val="tx1"/>
+          </a:solidFill>
+          <a:latin typeface="+mn-lt"/>
+          <a:ea typeface="+mn-ea"/>
+          <a:cs typeface="+mn-cs"/>
+        </a:defRPr>
+      </a:lvl3pPr>
+      <a:lvl4pPr marL="1371600" algn="l" defTabSz="914400" rtl="0" eaLnBrk="1" latinLnBrk="0" hangingPunct="1">
+        <a:defRPr sz="1800" kern="1200">
+          <a:solidFill>
+            <a:schemeClr val="tx1"/>
+          </a:solidFill>
+          <a:latin typeface="+mn-lt"/>
+          <a:ea typeface="+mn-ea"/>
+          <a:cs typeface="+mn-cs"/>
+        </a:defRPr>
+      </a:lvl4pPr>
+      <a:lvl5pPr marL="1828800" algn="l" defTabSz="914400" rtl="0" eaLnBrk="1" latinLnBrk="0" hangingPunct="1">
+        <a:defRPr sz="1800" kern="1200">
+          <a:solidFill>
+            <a:schemeClr val="tx1"/>
+          </a:solidFill>
+          <a:latin typeface="+mn-lt"/>
+          <a:ea typeface="+mn-ea"/>
+          <a:cs typeface="+mn-cs"/>
+        </a:defRPr>
+      </a:lvl5pPr>
+      <a:lvl6pPr marL="2286000" algn="l" defTabSz="914400" rtl="0" eaLnBrk="1" latinLnBrk="0" hangingPunct="1">
+        <a:defRPr sz="1800" kern="1200">
+          <a:solidFill>
+            <a:schemeClr val="tx1"/>
+          </a:solidFill>
+          <a:latin typeface="+mn-lt"/>
+          <a:ea typeface="+mn-ea"/>
+          <a:cs typeface="+mn-cs"/>
+        </a:defRPr>
+      </a:lvl6pPr>
+      <a:lvl7pPr marL="2743200" algn="l" defTabSz="914400" rtl="0" eaLnBrk="1" latinLnBrk="0" hangingPunct="1">
+        <a:defRPr sz="1800" kern="1200">
+          <a:solidFill>
+            <a:schemeClr val="tx1"/>
+          </a:solidFill>
+          <a:latin typeface="+mn-lt"/>
+          <a:ea typeface="+mn-ea"/>
+          <a:cs typeface="+mn-cs"/>
+        </a:defRPr>
+      </a:lvl7pPr>
+      <a:lvl8pPr marL="3200400" algn="l" defTabSz="914400" rtl="0" eaLnBrk="1" latinLnBrk="0" hangingPunct="1">
+        <a:defRPr sz="1800" kern="1200">
+          <a:solidFill>
+            <a:schemeClr val="tx1"/>
+          </a:solidFill>
+          <a:latin typeface="+mn-lt"/>
+          <a:ea typeface="+mn-ea"/>
+          <a:cs typeface="+mn-cs"/>
+        </a:defRPr>
+      </a:lvl8pPr>
+      <a:lvl9pPr marL="3657600" algn="l" defTabSz="914400" rtl="0" eaLnBrk="1" latinLnBrk="0" hangingPunct="1">
+        <a:defRPr sz="1800" kern="1200">
+          <a:solidFill>
+            <a:schemeClr val="tx1"/>
+          </a:solidFill>
+          <a:latin typeface="+mn-lt"/>
+          <a:ea typeface="+mn-ea"/>
+          <a:cs typeface="+mn-cs"/>
+        </a:defRPr>
+      </a:lvl9pPr>
+    </p:otherStyle>
+  </p:txStyles>
 </p:sldMaster>
 </file>
 
 <file path=ppt/slideMasters/slideMaster2.xml><?xml version="1.0" encoding="utf-8"?>
-<p:sldMaster xmlns:a="http://schemas.openxmlformats.org/drawingml/2006/main" xmlns:p="http://schemas.openxmlformats.org/presentationml/2006/main" xmlns:r="http://schemas.openxmlformats.org/officeDocument/2006/relationships" xmlns:p14="http://schemas.microsoft.com/office/powerpoint/2010/main" xmlns:p15="http://schemas.microsoft.com/office/powerpoint/2012/main" xmlns:mc="http://schemas.openxmlformats.org/markup-compatibility/2006">
+<p:sldMaster xmlns:a="http://schemas.openxmlformats.org/drawingml/2006/main" xmlns:r="http://schemas.openxmlformats.org/officeDocument/2006/relationships" xmlns:p="http://schemas.openxmlformats.org/presentationml/2006/main">
   <p:cSld>
     <p:bg>
       <p:bgPr>
         <a:solidFill>
-          <a:srgbClr val="ffffff"/>
+          <a:srgbClr val="FFFFFF"/>
         </a:solidFill>
+        <a:effectLst/>
       </p:bgPr>
     </p:bg>
     <p:spTree>
@@ -3391,6 +3869,7 @@
           <a:bodyPr anchor="ctr">
             <a:noAutofit/>
           </a:bodyPr>
+          <a:lstStyle/>
           <a:p>
             <a:pPr algn="ctr">
               <a:lnSpc>
@@ -3398,7 +3877,7 @@
               </a:lnSpc>
             </a:pPr>
             <a:r>
-              <a:rPr b="0" lang="it-IT" sz="4400" spc="-1" strike="noStrike">
+              <a:rPr lang="it-IT" sz="4400" b="0" strike="noStrike" spc="-1">
                 <a:solidFill>
                   <a:srgbClr val="000000"/>
                 </a:solidFill>
@@ -3406,12 +3885,6 @@
               </a:rPr>
               <a:t>Fare clic per modificare lo stile del titolo</a:t>
             </a:r>
-            <a:endParaRPr b="0" lang="it-IT" sz="4400" spc="-1" strike="noStrike">
-              <a:solidFill>
-                <a:srgbClr val="000000"/>
-              </a:solidFill>
-              <a:latin typeface="Calibri"/>
-            </a:endParaRPr>
           </a:p>
         </p:txBody>
       </p:sp>
@@ -3438,6 +3911,7 @@
           <a:bodyPr>
             <a:noAutofit/>
           </a:bodyPr>
+          <a:lstStyle/>
           <a:p>
             <a:pPr marL="343080" indent="-342720">
               <a:lnSpc>
@@ -3453,7 +3927,7 @@
               <a:buChar char="•"/>
             </a:pPr>
             <a:r>
-              <a:rPr b="0" lang="it-IT" sz="3200" spc="-1" strike="noStrike">
+              <a:rPr lang="it-IT" sz="3200" b="0" strike="noStrike" spc="-1">
                 <a:solidFill>
                   <a:srgbClr val="000000"/>
                 </a:solidFill>
@@ -3461,15 +3935,9 @@
               </a:rPr>
               <a:t>Fare clic per modificare stili del testo dello schema</a:t>
             </a:r>
-            <a:endParaRPr b="0" lang="it-IT" sz="3200" spc="-1" strike="noStrike">
-              <a:solidFill>
-                <a:srgbClr val="000000"/>
-              </a:solidFill>
-              <a:latin typeface="Calibri"/>
-            </a:endParaRPr>
-          </a:p>
-          <a:p>
-            <a:pPr lvl="1" marL="743040" indent="-285480">
+          </a:p>
+          <a:p>
+            <a:pPr marL="743040" lvl="1" indent="-285480">
               <a:lnSpc>
                 <a:spcPct val="100000"/>
               </a:lnSpc>
@@ -3483,7 +3951,7 @@
               <a:buChar char="–"/>
             </a:pPr>
             <a:r>
-              <a:rPr b="0" lang="it-IT" sz="2800" spc="-1" strike="noStrike">
+              <a:rPr lang="it-IT" sz="2800" b="0" strike="noStrike" spc="-1">
                 <a:solidFill>
                   <a:srgbClr val="000000"/>
                 </a:solidFill>
@@ -3491,15 +3959,9 @@
               </a:rPr>
               <a:t>Secondo livello</a:t>
             </a:r>
-            <a:endParaRPr b="0" lang="it-IT" sz="2800" spc="-1" strike="noStrike">
-              <a:solidFill>
-                <a:srgbClr val="000000"/>
-              </a:solidFill>
-              <a:latin typeface="Calibri"/>
-            </a:endParaRPr>
-          </a:p>
-          <a:p>
-            <a:pPr lvl="2" marL="1143000" indent="-228240">
+          </a:p>
+          <a:p>
+            <a:pPr marL="1143000" lvl="2" indent="-228240">
               <a:lnSpc>
                 <a:spcPct val="100000"/>
               </a:lnSpc>
@@ -3513,7 +3975,7 @@
               <a:buChar char="•"/>
             </a:pPr>
             <a:r>
-              <a:rPr b="0" lang="it-IT" sz="2400" spc="-1" strike="noStrike">
+              <a:rPr lang="it-IT" sz="2400" b="0" strike="noStrike" spc="-1">
                 <a:solidFill>
                   <a:srgbClr val="000000"/>
                 </a:solidFill>
@@ -3521,15 +3983,9 @@
               </a:rPr>
               <a:t>Terzo livello</a:t>
             </a:r>
-            <a:endParaRPr b="0" lang="it-IT" sz="2400" spc="-1" strike="noStrike">
-              <a:solidFill>
-                <a:srgbClr val="000000"/>
-              </a:solidFill>
-              <a:latin typeface="Calibri"/>
-            </a:endParaRPr>
-          </a:p>
-          <a:p>
-            <a:pPr lvl="3" marL="1600200" indent="-228240">
+          </a:p>
+          <a:p>
+            <a:pPr marL="1600200" lvl="3" indent="-228240">
               <a:lnSpc>
                 <a:spcPct val="100000"/>
               </a:lnSpc>
@@ -3543,7 +3999,7 @@
               <a:buChar char="–"/>
             </a:pPr>
             <a:r>
-              <a:rPr b="0" lang="it-IT" sz="2000" spc="-1" strike="noStrike">
+              <a:rPr lang="it-IT" sz="2000" b="0" strike="noStrike" spc="-1">
                 <a:solidFill>
                   <a:srgbClr val="000000"/>
                 </a:solidFill>
@@ -3551,15 +4007,9 @@
               </a:rPr>
               <a:t>Quarto livello</a:t>
             </a:r>
-            <a:endParaRPr b="0" lang="it-IT" sz="2000" spc="-1" strike="noStrike">
-              <a:solidFill>
-                <a:srgbClr val="000000"/>
-              </a:solidFill>
-              <a:latin typeface="Calibri"/>
-            </a:endParaRPr>
-          </a:p>
-          <a:p>
-            <a:pPr lvl="4" marL="2057400" indent="-228240">
+          </a:p>
+          <a:p>
+            <a:pPr marL="2057400" lvl="4" indent="-228240">
               <a:lnSpc>
                 <a:spcPct val="100000"/>
               </a:lnSpc>
@@ -3573,7 +4023,7 @@
               <a:buChar char="»"/>
             </a:pPr>
             <a:r>
-              <a:rPr b="0" lang="it-IT" sz="2000" spc="-1" strike="noStrike">
+              <a:rPr lang="it-IT" sz="2000" b="0" strike="noStrike" spc="-1">
                 <a:solidFill>
                   <a:srgbClr val="000000"/>
                 </a:solidFill>
@@ -3581,12 +4031,6 @@
               </a:rPr>
               <a:t>Quinto livello</a:t>
             </a:r>
-            <a:endParaRPr b="0" lang="it-IT" sz="2000" spc="-1" strike="noStrike">
-              <a:solidFill>
-                <a:srgbClr val="000000"/>
-              </a:solidFill>
-              <a:latin typeface="Calibri"/>
-            </a:endParaRPr>
           </a:p>
         </p:txBody>
       </p:sp>
@@ -3613,6 +4057,7 @@
           <a:bodyPr anchor="ctr">
             <a:noAutofit/>
           </a:bodyPr>
+          <a:lstStyle/>
           <a:p>
             <a:pPr>
               <a:lnSpc>
@@ -3620,15 +4065,15 @@
               </a:lnSpc>
             </a:pPr>
             <a:fld id="{0D0DFC19-7EDF-4427-ABB2-8C0A2A55433A}" type="datetime">
-              <a:rPr b="0" lang="it-IT" sz="1200" spc="-1" strike="noStrike">
+              <a:rPr lang="it-IT" sz="1200" b="0" strike="noStrike" spc="-1">
                 <a:solidFill>
-                  <a:srgbClr val="8b8b8b"/>
+                  <a:srgbClr val="8B8B8B"/>
                 </a:solidFill>
                 <a:latin typeface="Calibri"/>
               </a:rPr>
-              <a:t>28/10/20</a:t>
+              <a:t>29/10/2020</a:t>
             </a:fld>
-            <a:endParaRPr b="0" lang="it-IT" sz="1200" spc="-1" strike="noStrike">
+            <a:endParaRPr lang="it-IT" sz="1200" b="0" strike="noStrike" spc="-1">
               <a:latin typeface="Times New Roman"/>
             </a:endParaRPr>
           </a:p>
@@ -3657,8 +4102,9 @@
           <a:bodyPr anchor="ctr">
             <a:noAutofit/>
           </a:bodyPr>
-          <a:p>
-            <a:endParaRPr b="0" lang="it-IT" sz="2400" spc="-1" strike="noStrike">
+          <a:lstStyle/>
+          <a:p>
+            <a:endParaRPr lang="it-IT" sz="2400" b="0" strike="noStrike" spc="-1">
               <a:latin typeface="Times New Roman"/>
             </a:endParaRPr>
           </a:p>
@@ -3687,6 +4133,7 @@
           <a:bodyPr anchor="ctr">
             <a:noAutofit/>
           </a:bodyPr>
+          <a:lstStyle/>
           <a:p>
             <a:pPr algn="r">
               <a:lnSpc>
@@ -3694,15 +4141,15 @@
               </a:lnSpc>
             </a:pPr>
             <a:fld id="{066C17C7-6BA7-480F-BB6A-A82EDE12684E}" type="slidenum">
-              <a:rPr b="0" lang="it-IT" sz="1200" spc="-1" strike="noStrike">
+              <a:rPr lang="it-IT" sz="1200" b="0" strike="noStrike" spc="-1">
                 <a:solidFill>
-                  <a:srgbClr val="8b8b8b"/>
+                  <a:srgbClr val="8B8B8B"/>
                 </a:solidFill>
                 <a:latin typeface="Calibri"/>
               </a:rPr>
-              <a:t>1</a:t>
+              <a:t>‹#›</a:t>
             </a:fld>
-            <a:endParaRPr b="0" lang="it-IT" sz="1200" spc="-1" strike="noStrike">
+            <a:endParaRPr lang="it-IT" sz="1200" b="0" strike="noStrike" spc="-1">
               <a:latin typeface="Times New Roman"/>
             </a:endParaRPr>
           </a:p>
@@ -3710,26 +4157,306 @@
       </p:sp>
     </p:spTree>
   </p:cSld>
-  <p:clrMap bg1="lt1" bg2="lt2" tx1="dk1" tx2="dk2" accent1="accent1" accent2="accent2" accent3="accent3" accent4="accent4" accent5="accent5" accent6="accent6" hlink="hlink" folHlink="folHlink"/>
+  <p:clrMap bg1="lt1" tx1="dk1" bg2="lt2" tx2="dk2" accent1="accent1" accent2="accent2" accent3="accent3" accent4="accent4" accent5="accent5" accent6="accent6" hlink="hlink" folHlink="folHlink"/>
   <p:sldLayoutIdLst>
-    <p:sldLayoutId id="2147483662" r:id="rId2"/>
-    <p:sldLayoutId id="2147483663" r:id="rId3"/>
-    <p:sldLayoutId id="2147483664" r:id="rId4"/>
-    <p:sldLayoutId id="2147483665" r:id="rId5"/>
-    <p:sldLayoutId id="2147483666" r:id="rId6"/>
-    <p:sldLayoutId id="2147483667" r:id="rId7"/>
-    <p:sldLayoutId id="2147483668" r:id="rId8"/>
-    <p:sldLayoutId id="2147483669" r:id="rId9"/>
-    <p:sldLayoutId id="2147483670" r:id="rId10"/>
-    <p:sldLayoutId id="2147483671" r:id="rId11"/>
-    <p:sldLayoutId id="2147483672" r:id="rId12"/>
-    <p:sldLayoutId id="2147483673" r:id="rId13"/>
+    <p:sldLayoutId id="2147483662" r:id="rId1"/>
+    <p:sldLayoutId id="2147483663" r:id="rId2"/>
+    <p:sldLayoutId id="2147483664" r:id="rId3"/>
+    <p:sldLayoutId id="2147483665" r:id="rId4"/>
+    <p:sldLayoutId id="2147483666" r:id="rId5"/>
+    <p:sldLayoutId id="2147483667" r:id="rId6"/>
+    <p:sldLayoutId id="2147483668" r:id="rId7"/>
+    <p:sldLayoutId id="2147483669" r:id="rId8"/>
+    <p:sldLayoutId id="2147483670" r:id="rId9"/>
+    <p:sldLayoutId id="2147483671" r:id="rId10"/>
+    <p:sldLayoutId id="2147483672" r:id="rId11"/>
+    <p:sldLayoutId id="2147483673" r:id="rId12"/>
   </p:sldLayoutIdLst>
+  <p:txStyles>
+    <p:titleStyle>
+      <a:lvl1pPr algn="l" defTabSz="914400" rtl="0" eaLnBrk="1" latinLnBrk="0" hangingPunct="1">
+        <a:lnSpc>
+          <a:spcPct val="90000"/>
+        </a:lnSpc>
+        <a:spcBef>
+          <a:spcPct val="0"/>
+        </a:spcBef>
+        <a:buNone/>
+        <a:defRPr sz="4400" kern="1200">
+          <a:solidFill>
+            <a:schemeClr val="tx1"/>
+          </a:solidFill>
+          <a:latin typeface="+mj-lt"/>
+          <a:ea typeface="+mj-ea"/>
+          <a:cs typeface="+mj-cs"/>
+        </a:defRPr>
+      </a:lvl1pPr>
+    </p:titleStyle>
+    <p:bodyStyle>
+      <a:lvl1pPr marL="228600" indent="-228600" algn="l" defTabSz="914400" rtl="0" eaLnBrk="1" latinLnBrk="0" hangingPunct="1">
+        <a:lnSpc>
+          <a:spcPct val="90000"/>
+        </a:lnSpc>
+        <a:spcBef>
+          <a:spcPts val="1000"/>
+        </a:spcBef>
+        <a:buFont typeface="Arial" panose="020B0604020202020204" pitchFamily="34" charset="0"/>
+        <a:buChar char="•"/>
+        <a:defRPr sz="2800" kern="1200">
+          <a:solidFill>
+            <a:schemeClr val="tx1"/>
+          </a:solidFill>
+          <a:latin typeface="+mn-lt"/>
+          <a:ea typeface="+mn-ea"/>
+          <a:cs typeface="+mn-cs"/>
+        </a:defRPr>
+      </a:lvl1pPr>
+      <a:lvl2pPr marL="685800" indent="-228600" algn="l" defTabSz="914400" rtl="0" eaLnBrk="1" latinLnBrk="0" hangingPunct="1">
+        <a:lnSpc>
+          <a:spcPct val="90000"/>
+        </a:lnSpc>
+        <a:spcBef>
+          <a:spcPts val="500"/>
+        </a:spcBef>
+        <a:buFont typeface="Arial" panose="020B0604020202020204" pitchFamily="34" charset="0"/>
+        <a:buChar char="•"/>
+        <a:defRPr sz="2400" kern="1200">
+          <a:solidFill>
+            <a:schemeClr val="tx1"/>
+          </a:solidFill>
+          <a:latin typeface="+mn-lt"/>
+          <a:ea typeface="+mn-ea"/>
+          <a:cs typeface="+mn-cs"/>
+        </a:defRPr>
+      </a:lvl2pPr>
+      <a:lvl3pPr marL="1143000" indent="-228600" algn="l" defTabSz="914400" rtl="0" eaLnBrk="1" latinLnBrk="0" hangingPunct="1">
+        <a:lnSpc>
+          <a:spcPct val="90000"/>
+        </a:lnSpc>
+        <a:spcBef>
+          <a:spcPts val="500"/>
+        </a:spcBef>
+        <a:buFont typeface="Arial" panose="020B0604020202020204" pitchFamily="34" charset="0"/>
+        <a:buChar char="•"/>
+        <a:defRPr sz="2000" kern="1200">
+          <a:solidFill>
+            <a:schemeClr val="tx1"/>
+          </a:solidFill>
+          <a:latin typeface="+mn-lt"/>
+          <a:ea typeface="+mn-ea"/>
+          <a:cs typeface="+mn-cs"/>
+        </a:defRPr>
+      </a:lvl3pPr>
+      <a:lvl4pPr marL="1600200" indent="-228600" algn="l" defTabSz="914400" rtl="0" eaLnBrk="1" latinLnBrk="0" hangingPunct="1">
+        <a:lnSpc>
+          <a:spcPct val="90000"/>
+        </a:lnSpc>
+        <a:spcBef>
+          <a:spcPts val="500"/>
+        </a:spcBef>
+        <a:buFont typeface="Arial" panose="020B0604020202020204" pitchFamily="34" charset="0"/>
+        <a:buChar char="•"/>
+        <a:defRPr sz="1800" kern="1200">
+          <a:solidFill>
+            <a:schemeClr val="tx1"/>
+          </a:solidFill>
+          <a:latin typeface="+mn-lt"/>
+          <a:ea typeface="+mn-ea"/>
+          <a:cs typeface="+mn-cs"/>
+        </a:defRPr>
+      </a:lvl4pPr>
+      <a:lvl5pPr marL="2057400" indent="-228600" algn="l" defTabSz="914400" rtl="0" eaLnBrk="1" latinLnBrk="0" hangingPunct="1">
+        <a:lnSpc>
+          <a:spcPct val="90000"/>
+        </a:lnSpc>
+        <a:spcBef>
+          <a:spcPts val="500"/>
+        </a:spcBef>
+        <a:buFont typeface="Arial" panose="020B0604020202020204" pitchFamily="34" charset="0"/>
+        <a:buChar char="•"/>
+        <a:defRPr sz="1800" kern="1200">
+          <a:solidFill>
+            <a:schemeClr val="tx1"/>
+          </a:solidFill>
+          <a:latin typeface="+mn-lt"/>
+          <a:ea typeface="+mn-ea"/>
+          <a:cs typeface="+mn-cs"/>
+        </a:defRPr>
+      </a:lvl5pPr>
+      <a:lvl6pPr marL="2514600" indent="-228600" algn="l" defTabSz="914400" rtl="0" eaLnBrk="1" latinLnBrk="0" hangingPunct="1">
+        <a:lnSpc>
+          <a:spcPct val="90000"/>
+        </a:lnSpc>
+        <a:spcBef>
+          <a:spcPts val="500"/>
+        </a:spcBef>
+        <a:buFont typeface="Arial" panose="020B0604020202020204" pitchFamily="34" charset="0"/>
+        <a:buChar char="•"/>
+        <a:defRPr sz="1800" kern="1200">
+          <a:solidFill>
+            <a:schemeClr val="tx1"/>
+          </a:solidFill>
+          <a:latin typeface="+mn-lt"/>
+          <a:ea typeface="+mn-ea"/>
+          <a:cs typeface="+mn-cs"/>
+        </a:defRPr>
+      </a:lvl6pPr>
+      <a:lvl7pPr marL="2971800" indent="-228600" algn="l" defTabSz="914400" rtl="0" eaLnBrk="1" latinLnBrk="0" hangingPunct="1">
+        <a:lnSpc>
+          <a:spcPct val="90000"/>
+        </a:lnSpc>
+        <a:spcBef>
+          <a:spcPts val="500"/>
+        </a:spcBef>
+        <a:buFont typeface="Arial" panose="020B0604020202020204" pitchFamily="34" charset="0"/>
+        <a:buChar char="•"/>
+        <a:defRPr sz="1800" kern="1200">
+          <a:solidFill>
+            <a:schemeClr val="tx1"/>
+          </a:solidFill>
+          <a:latin typeface="+mn-lt"/>
+          <a:ea typeface="+mn-ea"/>
+          <a:cs typeface="+mn-cs"/>
+        </a:defRPr>
+      </a:lvl7pPr>
+      <a:lvl8pPr marL="3429000" indent="-228600" algn="l" defTabSz="914400" rtl="0" eaLnBrk="1" latinLnBrk="0" hangingPunct="1">
+        <a:lnSpc>
+          <a:spcPct val="90000"/>
+        </a:lnSpc>
+        <a:spcBef>
+          <a:spcPts val="500"/>
+        </a:spcBef>
+        <a:buFont typeface="Arial" panose="020B0604020202020204" pitchFamily="34" charset="0"/>
+        <a:buChar char="•"/>
+        <a:defRPr sz="1800" kern="1200">
+          <a:solidFill>
+            <a:schemeClr val="tx1"/>
+          </a:solidFill>
+          <a:latin typeface="+mn-lt"/>
+          <a:ea typeface="+mn-ea"/>
+          <a:cs typeface="+mn-cs"/>
+        </a:defRPr>
+      </a:lvl8pPr>
+      <a:lvl9pPr marL="3886200" indent="-228600" algn="l" defTabSz="914400" rtl="0" eaLnBrk="1" latinLnBrk="0" hangingPunct="1">
+        <a:lnSpc>
+          <a:spcPct val="90000"/>
+        </a:lnSpc>
+        <a:spcBef>
+          <a:spcPts val="500"/>
+        </a:spcBef>
+        <a:buFont typeface="Arial" panose="020B0604020202020204" pitchFamily="34" charset="0"/>
+        <a:buChar char="•"/>
+        <a:defRPr sz="1800" kern="1200">
+          <a:solidFill>
+            <a:schemeClr val="tx1"/>
+          </a:solidFill>
+          <a:latin typeface="+mn-lt"/>
+          <a:ea typeface="+mn-ea"/>
+          <a:cs typeface="+mn-cs"/>
+        </a:defRPr>
+      </a:lvl9pPr>
+    </p:bodyStyle>
+    <p:otherStyle>
+      <a:defPPr>
+        <a:defRPr lang="en-US"/>
+      </a:defPPr>
+      <a:lvl1pPr marL="0" algn="l" defTabSz="914400" rtl="0" eaLnBrk="1" latinLnBrk="0" hangingPunct="1">
+        <a:defRPr sz="1800" kern="1200">
+          <a:solidFill>
+            <a:schemeClr val="tx1"/>
+          </a:solidFill>
+          <a:latin typeface="+mn-lt"/>
+          <a:ea typeface="+mn-ea"/>
+          <a:cs typeface="+mn-cs"/>
+        </a:defRPr>
+      </a:lvl1pPr>
+      <a:lvl2pPr marL="457200" algn="l" defTabSz="914400" rtl="0" eaLnBrk="1" latinLnBrk="0" hangingPunct="1">
+        <a:defRPr sz="1800" kern="1200">
+          <a:solidFill>
+            <a:schemeClr val="tx1"/>
+          </a:solidFill>
+          <a:latin typeface="+mn-lt"/>
+          <a:ea typeface="+mn-ea"/>
+          <a:cs typeface="+mn-cs"/>
+        </a:defRPr>
+      </a:lvl2pPr>
+      <a:lvl3pPr marL="914400" algn="l" defTabSz="914400" rtl="0" eaLnBrk="1" latinLnBrk="0" hangingPunct="1">
+        <a:defRPr sz="1800" kern="1200">
+          <a:solidFill>
+            <a:schemeClr val="tx1"/>
+          </a:solidFill>
+          <a:latin typeface="+mn-lt"/>
+          <a:ea typeface="+mn-ea"/>
+          <a:cs typeface="+mn-cs"/>
+        </a:defRPr>
+      </a:lvl3pPr>
+      <a:lvl4pPr marL="1371600" algn="l" defTabSz="914400" rtl="0" eaLnBrk="1" latinLnBrk="0" hangingPunct="1">
+        <a:defRPr sz="1800" kern="1200">
+          <a:solidFill>
+            <a:schemeClr val="tx1"/>
+          </a:solidFill>
+          <a:latin typeface="+mn-lt"/>
+          <a:ea typeface="+mn-ea"/>
+          <a:cs typeface="+mn-cs"/>
+        </a:defRPr>
+      </a:lvl4pPr>
+      <a:lvl5pPr marL="1828800" algn="l" defTabSz="914400" rtl="0" eaLnBrk="1" latinLnBrk="0" hangingPunct="1">
+        <a:defRPr sz="1800" kern="1200">
+          <a:solidFill>
+            <a:schemeClr val="tx1"/>
+          </a:solidFill>
+          <a:latin typeface="+mn-lt"/>
+          <a:ea typeface="+mn-ea"/>
+          <a:cs typeface="+mn-cs"/>
+        </a:defRPr>
+      </a:lvl5pPr>
+      <a:lvl6pPr marL="2286000" algn="l" defTabSz="914400" rtl="0" eaLnBrk="1" latinLnBrk="0" hangingPunct="1">
+        <a:defRPr sz="1800" kern="1200">
+          <a:solidFill>
+            <a:schemeClr val="tx1"/>
+          </a:solidFill>
+          <a:latin typeface="+mn-lt"/>
+          <a:ea typeface="+mn-ea"/>
+          <a:cs typeface="+mn-cs"/>
+        </a:defRPr>
+      </a:lvl6pPr>
+      <a:lvl7pPr marL="2743200" algn="l" defTabSz="914400" rtl="0" eaLnBrk="1" latinLnBrk="0" hangingPunct="1">
+        <a:defRPr sz="1800" kern="1200">
+          <a:solidFill>
+            <a:schemeClr val="tx1"/>
+          </a:solidFill>
+          <a:latin typeface="+mn-lt"/>
+          <a:ea typeface="+mn-ea"/>
+          <a:cs typeface="+mn-cs"/>
+        </a:defRPr>
+      </a:lvl7pPr>
+      <a:lvl8pPr marL="3200400" algn="l" defTabSz="914400" rtl="0" eaLnBrk="1" latinLnBrk="0" hangingPunct="1">
+        <a:defRPr sz="1800" kern="1200">
+          <a:solidFill>
+            <a:schemeClr val="tx1"/>
+          </a:solidFill>
+          <a:latin typeface="+mn-lt"/>
+          <a:ea typeface="+mn-ea"/>
+          <a:cs typeface="+mn-cs"/>
+        </a:defRPr>
+      </a:lvl8pPr>
+      <a:lvl9pPr marL="3657600" algn="l" defTabSz="914400" rtl="0" eaLnBrk="1" latinLnBrk="0" hangingPunct="1">
+        <a:defRPr sz="1800" kern="1200">
+          <a:solidFill>
+            <a:schemeClr val="tx1"/>
+          </a:solidFill>
+          <a:latin typeface="+mn-lt"/>
+          <a:ea typeface="+mn-ea"/>
+          <a:cs typeface="+mn-cs"/>
+        </a:defRPr>
+      </a:lvl9pPr>
+    </p:otherStyle>
+  </p:txStyles>
 </p:sldMaster>
 </file>
 
 <file path=ppt/slides/slide1.xml><?xml version="1.0" encoding="utf-8"?>
-<p:sld xmlns:a="http://schemas.openxmlformats.org/drawingml/2006/main" xmlns:p="http://schemas.openxmlformats.org/presentationml/2006/main" xmlns:r="http://schemas.openxmlformats.org/officeDocument/2006/relationships" xmlns:p14="http://schemas.microsoft.com/office/powerpoint/2010/main" xmlns:p15="http://schemas.microsoft.com/office/powerpoint/2012/main" xmlns:mc="http://schemas.openxmlformats.org/markup-compatibility/2006">
+<p:sld xmlns:a="http://schemas.openxmlformats.org/drawingml/2006/main" xmlns:r="http://schemas.openxmlformats.org/officeDocument/2006/relationships" xmlns:p="http://schemas.openxmlformats.org/presentationml/2006/main">
   <p:cSld>
     <p:spTree>
       <p:nvGrpSpPr>
@@ -3768,6 +4495,7 @@
           <a:bodyPr anchor="ctr">
             <a:noAutofit/>
           </a:bodyPr>
+          <a:lstStyle/>
           <a:p>
             <a:pPr algn="ctr">
               <a:lnSpc>
@@ -3775,7 +4503,7 @@
               </a:lnSpc>
             </a:pPr>
             <a:r>
-              <a:rPr b="0" lang="it-IT" sz="4400" spc="-1" strike="noStrike">
+              <a:rPr lang="it-IT" sz="4400" b="0" strike="noStrike" spc="-1">
                 <a:solidFill>
                   <a:srgbClr val="000000"/>
                 </a:solidFill>
@@ -3783,12 +4511,6 @@
               </a:rPr>
               <a:t>Office Queue Management</a:t>
             </a:r>
-            <a:endParaRPr b="0" lang="it-IT" sz="4400" spc="-1" strike="noStrike">
-              <a:solidFill>
-                <a:srgbClr val="000000"/>
-              </a:solidFill>
-              <a:latin typeface="Calibri"/>
-            </a:endParaRPr>
           </a:p>
         </p:txBody>
       </p:sp>
@@ -3815,6 +4537,7 @@
           <a:bodyPr>
             <a:noAutofit/>
           </a:bodyPr>
+          <a:lstStyle/>
           <a:p>
             <a:pPr algn="ctr">
               <a:lnSpc>
@@ -3825,15 +4548,15 @@
               </a:spcBef>
             </a:pPr>
             <a:r>
-              <a:rPr b="0" lang="it-IT" sz="3200" spc="-1" strike="noStrike">
+              <a:rPr lang="it-IT" sz="3200" b="0" strike="noStrike" spc="-1">
                 <a:solidFill>
-                  <a:srgbClr val="8b8b8b"/>
+                  <a:srgbClr val="8B8B8B"/>
                 </a:solidFill>
                 <a:latin typeface="Calibri"/>
               </a:rPr>
               <a:t>Team 6 </a:t>
             </a:r>
-            <a:endParaRPr b="0" lang="it-IT" sz="3200" spc="-1" strike="noStrike">
+            <a:endParaRPr lang="it-IT" sz="3200" b="0" strike="noStrike" spc="-1">
               <a:latin typeface="Arial"/>
             </a:endParaRPr>
           </a:p>
@@ -3847,15 +4570,15 @@
               </a:spcBef>
             </a:pPr>
             <a:r>
-              <a:rPr b="0" lang="it-IT" sz="3200" spc="-1" strike="noStrike">
+              <a:rPr lang="it-IT" sz="3200" b="0" strike="noStrike" spc="-1">
                 <a:solidFill>
-                  <a:srgbClr val="8b8b8b"/>
+                  <a:srgbClr val="8B8B8B"/>
                 </a:solidFill>
                 <a:latin typeface="Calibri"/>
               </a:rPr>
               <a:t>Sprint Retrospective</a:t>
             </a:r>
-            <a:endParaRPr b="0" lang="it-IT" sz="3200" spc="-1" strike="noStrike">
+            <a:endParaRPr lang="it-IT" sz="3200" b="0" strike="noStrike" spc="-1">
               <a:latin typeface="Arial"/>
             </a:endParaRPr>
           </a:p>
@@ -3863,14 +4586,9 @@
       </p:sp>
     </p:spTree>
   </p:cSld>
-  <mc:AlternateContent>
-    <mc:Choice Requires="p14">
-      <p:transition spd="slow" p14:dur="2000"/>
-    </mc:Choice>
-    <mc:Fallback>
-      <p:transition spd="slow"/>
-    </mc:Fallback>
-  </mc:AlternateContent>
+  <p:clrMapOvr>
+    <a:masterClrMapping/>
+  </p:clrMapOvr>
   <p:timing>
     <p:tnLst>
       <p:par>
@@ -3879,14 +4597,14 @@
             <p:seq>
               <p:cTn id="2" dur="indefinite" nodeType="mainSeq"/>
               <p:prevCondLst>
-                <p:cond delay="0" evt="onPrev">
+                <p:cond evt="onPrev" delay="0">
                   <p:tgtEl>
                     <p:sldTgt/>
                   </p:tgtEl>
                 </p:cond>
               </p:prevCondLst>
               <p:nextCondLst>
-                <p:cond delay="0" evt="onNext">
+                <p:cond evt="onNext" delay="0">
                   <p:tgtEl>
                     <p:sldTgt/>
                   </p:tgtEl>
@@ -3902,7 +4620,7 @@
 </file>
 
 <file path=ppt/slides/slide2.xml><?xml version="1.0" encoding="utf-8"?>
-<p:sld xmlns:a="http://schemas.openxmlformats.org/drawingml/2006/main" xmlns:p="http://schemas.openxmlformats.org/presentationml/2006/main" xmlns:r="http://schemas.openxmlformats.org/officeDocument/2006/relationships" xmlns:p14="http://schemas.microsoft.com/office/powerpoint/2010/main" xmlns:p15="http://schemas.microsoft.com/office/powerpoint/2012/main" xmlns:mc="http://schemas.openxmlformats.org/markup-compatibility/2006">
+<p:sld xmlns:a="http://schemas.openxmlformats.org/drawingml/2006/main" xmlns:r="http://schemas.openxmlformats.org/officeDocument/2006/relationships" xmlns:p="http://schemas.openxmlformats.org/presentationml/2006/main">
   <p:cSld>
     <p:spTree>
       <p:nvGrpSpPr>
@@ -3941,6 +4659,7 @@
           <a:bodyPr anchor="ctr">
             <a:normAutofit/>
           </a:bodyPr>
+          <a:lstStyle/>
           <a:p>
             <a:pPr algn="ctr">
               <a:lnSpc>
@@ -3948,7 +4667,7 @@
               </a:lnSpc>
             </a:pPr>
             <a:r>
-              <a:rPr b="0" lang="it-IT" sz="4400" spc="-1" strike="noStrike">
+              <a:rPr lang="it-IT" sz="4400" b="0" strike="noStrike" spc="-1">
                 <a:solidFill>
                   <a:srgbClr val="000000"/>
                 </a:solidFill>
@@ -3956,12 +4675,6 @@
               </a:rPr>
               <a:t>Review</a:t>
             </a:r>
-            <a:endParaRPr b="0" lang="it-IT" sz="4400" spc="-1" strike="noStrike">
-              <a:solidFill>
-                <a:srgbClr val="000000"/>
-              </a:solidFill>
-              <a:latin typeface="Calibri"/>
-            </a:endParaRPr>
           </a:p>
         </p:txBody>
       </p:sp>
@@ -3973,7 +4686,7 @@
         </p:nvSpPr>
         <p:spPr>
           <a:xfrm>
-            <a:off x="457200" y="1600200"/>
+            <a:off x="457200" y="1389182"/>
             <a:ext cx="8229240" cy="4525560"/>
           </a:xfrm>
           <a:prstGeom prst="rect">
@@ -3986,8 +4699,9 @@
         </p:spPr>
         <p:txBody>
           <a:bodyPr>
-            <a:normAutofit fontScale="91000"/>
-          </a:bodyPr>
+            <a:normAutofit fontScale="91000" lnSpcReduction="20000"/>
+          </a:bodyPr>
+          <a:lstStyle/>
           <a:p>
             <a:pPr>
               <a:lnSpc>
@@ -3998,7 +4712,7 @@
               </a:spcBef>
             </a:pPr>
             <a:r>
-              <a:rPr b="0" lang="it-IT" sz="3200" spc="-1" strike="noStrike">
+              <a:rPr lang="it-IT" sz="3200" b="0" strike="noStrike" spc="-1" dirty="0">
                 <a:solidFill>
                   <a:srgbClr val="000000"/>
                 </a:solidFill>
@@ -4006,12 +4720,6 @@
               </a:rPr>
               <a:t>Sprint:</a:t>
             </a:r>
-            <a:endParaRPr b="0" lang="it-IT" sz="3200" spc="-1" strike="noStrike">
-              <a:solidFill>
-                <a:srgbClr val="000000"/>
-              </a:solidFill>
-              <a:latin typeface="Calibri"/>
-            </a:endParaRPr>
           </a:p>
           <a:p>
             <a:pPr marL="343080" indent="-342720">
@@ -4028,7 +4736,7 @@
               <a:buChar char="•"/>
             </a:pPr>
             <a:r>
-              <a:rPr b="0" lang="it-IT" sz="3200" spc="-1" strike="noStrike">
+              <a:rPr lang="it-IT" sz="3200" b="0" strike="noStrike" spc="-1" dirty="0">
                 <a:solidFill>
                   <a:srgbClr val="000000"/>
                 </a:solidFill>
@@ -4036,15 +4744,9 @@
               </a:rPr>
               <a:t>Following stories implemented:</a:t>
             </a:r>
-            <a:endParaRPr b="0" lang="it-IT" sz="3200" spc="-1" strike="noStrike">
-              <a:solidFill>
-                <a:srgbClr val="000000"/>
-              </a:solidFill>
-              <a:latin typeface="Calibri"/>
-            </a:endParaRPr>
-          </a:p>
-          <a:p>
-            <a:pPr lvl="1" marL="743040" indent="-285480">
+          </a:p>
+          <a:p>
+            <a:pPr marL="743040" lvl="1" indent="-285480">
               <a:lnSpc>
                 <a:spcPct val="100000"/>
               </a:lnSpc>
@@ -4058,7 +4760,7 @@
               <a:buChar char="–"/>
             </a:pPr>
             <a:r>
-              <a:rPr b="0" lang="it-IT" sz="2800" spc="-1" strike="noStrike">
+              <a:rPr lang="it-IT" sz="2800" b="0" strike="noStrike" spc="-1" dirty="0">
                 <a:solidFill>
                   <a:srgbClr val="000000"/>
                 </a:solidFill>
@@ -4066,15 +4768,9 @@
               </a:rPr>
               <a:t>booking tickets by the customers </a:t>
             </a:r>
-            <a:endParaRPr b="0" lang="it-IT" sz="2800" spc="-1" strike="noStrike">
-              <a:solidFill>
-                <a:srgbClr val="000000"/>
-              </a:solidFill>
-              <a:latin typeface="Calibri"/>
-            </a:endParaRPr>
-          </a:p>
-          <a:p>
-            <a:pPr lvl="1" marL="743040" indent="-285480">
+          </a:p>
+          <a:p>
+            <a:pPr marL="743040" lvl="1" indent="-285480">
               <a:lnSpc>
                 <a:spcPct val="100000"/>
               </a:lnSpc>
@@ -4088,7 +4784,7 @@
               <a:buChar char="–"/>
             </a:pPr>
             <a:r>
-              <a:rPr b="0" lang="it-IT" sz="2800" spc="-1" strike="noStrike">
+              <a:rPr lang="it-IT" sz="2800" b="0" strike="noStrike" spc="-1" dirty="0">
                 <a:solidFill>
                   <a:srgbClr val="000000"/>
                 </a:solidFill>
@@ -4096,15 +4792,9 @@
               </a:rPr>
               <a:t>calling a ticket to be served in a specific counter by Officer</a:t>
             </a:r>
-            <a:endParaRPr b="0" lang="it-IT" sz="2800" spc="-1" strike="noStrike">
-              <a:solidFill>
-                <a:srgbClr val="000000"/>
-              </a:solidFill>
-              <a:latin typeface="Calibri"/>
-            </a:endParaRPr>
-          </a:p>
-          <a:p>
-            <a:pPr lvl="1" marL="743040" indent="-285480">
+          </a:p>
+          <a:p>
+            <a:pPr marL="743040" lvl="1" indent="-285480">
               <a:lnSpc>
                 <a:spcPct val="100000"/>
               </a:lnSpc>
@@ -4118,7 +4808,7 @@
               <a:buChar char="–"/>
             </a:pPr>
             <a:r>
-              <a:rPr b="0" lang="it-IT" sz="2800" spc="-1" strike="noStrike">
+              <a:rPr lang="it-IT" sz="2800" b="0" strike="noStrike" spc="-1" dirty="0">
                 <a:solidFill>
                   <a:srgbClr val="000000"/>
                 </a:solidFill>
@@ -4126,15 +4816,9 @@
               </a:rPr>
               <a:t>Notifying the customers once they are called to the counter </a:t>
             </a:r>
-            <a:endParaRPr b="0" lang="it-IT" sz="2800" spc="-1" strike="noStrike">
-              <a:solidFill>
-                <a:srgbClr val="000000"/>
-              </a:solidFill>
-              <a:latin typeface="Calibri"/>
-            </a:endParaRPr>
-          </a:p>
-          <a:p>
-            <a:pPr lvl="1" marL="743040" indent="-285480">
+          </a:p>
+          <a:p>
+            <a:pPr marL="743040" lvl="1" indent="-285480">
               <a:lnSpc>
                 <a:spcPct val="100000"/>
               </a:lnSpc>
@@ -4148,7 +4832,7 @@
               <a:buChar char="–"/>
             </a:pPr>
             <a:r>
-              <a:rPr b="0" lang="it-IT" sz="2800" spc="-1" strike="noStrike">
+              <a:rPr lang="it-IT" sz="2800" b="0" strike="noStrike" spc="-1" dirty="0">
                 <a:solidFill>
                   <a:srgbClr val="000000"/>
                 </a:solidFill>
@@ -4156,12 +4840,6 @@
               </a:rPr>
               <a:t>configuring the counters</a:t>
             </a:r>
-            <a:endParaRPr b="0" lang="it-IT" sz="2800" spc="-1" strike="noStrike">
-              <a:solidFill>
-                <a:srgbClr val="000000"/>
-              </a:solidFill>
-              <a:latin typeface="Calibri"/>
-            </a:endParaRPr>
           </a:p>
           <a:p>
             <a:pPr marL="343080" indent="-342720">
@@ -4178,7 +4856,7 @@
               <a:buChar char="•"/>
             </a:pPr>
             <a:r>
-              <a:rPr b="0" lang="it-IT" sz="3200" spc="-1" strike="noStrike">
+              <a:rPr lang="it-IT" sz="3200" b="0" strike="noStrike" spc="-1" dirty="0">
                 <a:solidFill>
                   <a:srgbClr val="000000"/>
                 </a:solidFill>
@@ -4186,15 +4864,9 @@
               </a:rPr>
               <a:t>Feedback:</a:t>
             </a:r>
-            <a:endParaRPr b="0" lang="it-IT" sz="3200" spc="-1" strike="noStrike">
-              <a:solidFill>
-                <a:srgbClr val="000000"/>
-              </a:solidFill>
-              <a:latin typeface="Calibri"/>
-            </a:endParaRPr>
-          </a:p>
-          <a:p>
-            <a:pPr lvl="1" marL="743040" indent="-285480">
+          </a:p>
+          <a:p>
+            <a:pPr marL="743040" lvl="1" indent="-285480">
               <a:lnSpc>
                 <a:spcPct val="100000"/>
               </a:lnSpc>
@@ -4208,7 +4880,7 @@
               <a:buChar char="–"/>
             </a:pPr>
             <a:r>
-              <a:rPr b="1" lang="it-IT" sz="2800" spc="-1" strike="noStrike">
+              <a:rPr lang="it-IT" sz="2800" b="1" strike="noStrike" spc="-1" dirty="0">
                 <a:solidFill>
                   <a:srgbClr val="000000"/>
                 </a:solidFill>
@@ -4217,7 +4889,7 @@
               <a:t>Positive:</a:t>
             </a:r>
             <a:r>
-              <a:rPr b="0" lang="it-IT" sz="2800" spc="-1" strike="noStrike">
+              <a:rPr lang="it-IT" sz="2800" b="0" strike="noStrike" spc="-1" dirty="0">
                 <a:solidFill>
                   <a:srgbClr val="000000"/>
                 </a:solidFill>
@@ -4225,15 +4897,9 @@
               </a:rPr>
               <a:t> Suitable User Interface</a:t>
             </a:r>
-            <a:endParaRPr b="0" lang="it-IT" sz="2800" spc="-1" strike="noStrike">
-              <a:solidFill>
-                <a:srgbClr val="000000"/>
-              </a:solidFill>
-              <a:latin typeface="Calibri"/>
-            </a:endParaRPr>
-          </a:p>
-          <a:p>
-            <a:pPr lvl="1" marL="743040" indent="-285480">
+          </a:p>
+          <a:p>
+            <a:pPr marL="743040" lvl="1" indent="-285480">
               <a:lnSpc>
                 <a:spcPct val="100000"/>
               </a:lnSpc>
@@ -4247,7 +4913,7 @@
               <a:buChar char="–"/>
             </a:pPr>
             <a:r>
-              <a:rPr b="1" lang="it-IT" sz="2800" spc="-1" strike="noStrike">
+              <a:rPr lang="it-IT" sz="2800" b="1" strike="noStrike" spc="-1" dirty="0">
                 <a:solidFill>
                   <a:srgbClr val="000000"/>
                 </a:solidFill>
@@ -4256,7 +4922,7 @@
               <a:t>Negative:</a:t>
             </a:r>
             <a:r>
-              <a:rPr b="0" lang="it-IT" sz="2800" spc="-1" strike="noStrike">
+              <a:rPr lang="it-IT" sz="2800" b="0" strike="noStrike" spc="-1" dirty="0">
                 <a:solidFill>
                   <a:srgbClr val="000000"/>
                 </a:solidFill>
@@ -4264,41 +4930,30 @@
               </a:rPr>
               <a:t> Text on the Buttons are small</a:t>
             </a:r>
-            <a:endParaRPr b="0" lang="it-IT" sz="2800" spc="-1" strike="noStrike">
-              <a:solidFill>
-                <a:srgbClr val="000000"/>
-              </a:solidFill>
-              <a:latin typeface="Calibri"/>
-            </a:endParaRPr>
           </a:p>
         </p:txBody>
       </p:sp>
     </p:spTree>
   </p:cSld>
-  <mc:AlternateContent>
-    <mc:Choice Requires="p14">
-      <p:transition spd="slow" p14:dur="2000"/>
-    </mc:Choice>
-    <mc:Fallback>
-      <p:transition spd="slow"/>
-    </mc:Fallback>
-  </mc:AlternateContent>
+  <p:clrMapOvr>
+    <a:masterClrMapping/>
+  </p:clrMapOvr>
   <p:timing>
     <p:tnLst>
       <p:par>
-        <p:cTn id="3" dur="indefinite" restart="never" nodeType="tmRoot">
+        <p:cTn id="1" dur="indefinite" restart="never" nodeType="tmRoot">
           <p:childTnLst>
             <p:seq>
-              <p:cTn id="4" dur="indefinite" nodeType="mainSeq"/>
+              <p:cTn id="2" dur="indefinite" nodeType="mainSeq"/>
               <p:prevCondLst>
-                <p:cond delay="0" evt="onPrev">
+                <p:cond evt="onPrev" delay="0">
                   <p:tgtEl>
                     <p:sldTgt/>
                   </p:tgtEl>
                 </p:cond>
               </p:prevCondLst>
               <p:nextCondLst>
-                <p:cond delay="0" evt="onNext">
+                <p:cond evt="onNext" delay="0">
                   <p:tgtEl>
                     <p:sldTgt/>
                   </p:tgtEl>
@@ -4314,7 +4969,7 @@
 </file>
 
 <file path=ppt/slides/slide3.xml><?xml version="1.0" encoding="utf-8"?>
-<p:sld xmlns:a="http://schemas.openxmlformats.org/drawingml/2006/main" xmlns:p="http://schemas.openxmlformats.org/presentationml/2006/main" xmlns:r="http://schemas.openxmlformats.org/officeDocument/2006/relationships" xmlns:p14="http://schemas.microsoft.com/office/powerpoint/2010/main" xmlns:p15="http://schemas.microsoft.com/office/powerpoint/2012/main" xmlns:mc="http://schemas.openxmlformats.org/markup-compatibility/2006">
+<p:sld xmlns:a="http://schemas.openxmlformats.org/drawingml/2006/main" xmlns:r="http://schemas.openxmlformats.org/officeDocument/2006/relationships" xmlns:p="http://schemas.openxmlformats.org/presentationml/2006/main">
   <p:cSld>
     <p:spTree>
       <p:nvGrpSpPr>
@@ -4353,6 +5008,7 @@
           <a:bodyPr anchor="ctr">
             <a:normAutofit/>
           </a:bodyPr>
+          <a:lstStyle/>
           <a:p>
             <a:pPr algn="ctr">
               <a:lnSpc>
@@ -4360,7 +5016,7 @@
               </a:lnSpc>
             </a:pPr>
             <a:r>
-              <a:rPr b="0" lang="it-IT" sz="4400" spc="-1" strike="noStrike">
+              <a:rPr lang="it-IT" sz="4400" b="0" strike="noStrike" spc="-1">
                 <a:solidFill>
                   <a:srgbClr val="000000"/>
                 </a:solidFill>
@@ -4368,12 +5024,6 @@
               </a:rPr>
               <a:t>Process</a:t>
             </a:r>
-            <a:endParaRPr b="0" lang="it-IT" sz="4400" spc="-1" strike="noStrike">
-              <a:solidFill>
-                <a:srgbClr val="000000"/>
-              </a:solidFill>
-              <a:latin typeface="Calibri"/>
-            </a:endParaRPr>
           </a:p>
         </p:txBody>
       </p:sp>
@@ -4385,7 +5035,7 @@
         </p:nvSpPr>
         <p:spPr>
           <a:xfrm>
-            <a:off x="457200" y="1417680"/>
+            <a:off x="457200" y="1364928"/>
             <a:ext cx="8229240" cy="5035320"/>
           </a:xfrm>
           <a:prstGeom prst="rect">
@@ -4398,8 +5048,9 @@
         </p:spPr>
         <p:txBody>
           <a:bodyPr>
-            <a:normAutofit/>
-          </a:bodyPr>
+            <a:normAutofit fontScale="92500" lnSpcReduction="10000"/>
+          </a:bodyPr>
+          <a:lstStyle/>
           <a:p>
             <a:pPr marL="343080" indent="-342720">
               <a:lnSpc>
@@ -4415,7 +5066,7 @@
               <a:buChar char="•"/>
             </a:pPr>
             <a:r>
-              <a:rPr b="0" lang="it-IT" sz="3200" spc="-1" strike="noStrike">
+              <a:rPr lang="it-IT" sz="3200" b="0" strike="noStrike" spc="-1" dirty="0">
                 <a:solidFill>
                   <a:srgbClr val="000000"/>
                 </a:solidFill>
@@ -4423,12 +5074,6 @@
               </a:rPr>
               <a:t>Number of stories committed/done: 4/3</a:t>
             </a:r>
-            <a:endParaRPr b="0" lang="it-IT" sz="3200" spc="-1" strike="noStrike">
-              <a:solidFill>
-                <a:srgbClr val="000000"/>
-              </a:solidFill>
-              <a:latin typeface="Calibri"/>
-            </a:endParaRPr>
           </a:p>
           <a:p>
             <a:pPr marL="343080" indent="-342720">
@@ -4445,7 +5090,7 @@
               <a:buChar char="•"/>
             </a:pPr>
             <a:r>
-              <a:rPr b="0" lang="it-IT" sz="3200" spc="-1" strike="noStrike">
+              <a:rPr lang="it-IT" sz="3200" b="0" strike="noStrike" spc="-1" dirty="0">
                 <a:solidFill>
                   <a:srgbClr val="000000"/>
                 </a:solidFill>
@@ -4453,12 +5098,6 @@
               </a:rPr>
               <a:t>Total points committed/done: 15/10</a:t>
             </a:r>
-            <a:endParaRPr b="0" lang="it-IT" sz="3200" spc="-1" strike="noStrike">
-              <a:solidFill>
-                <a:srgbClr val="000000"/>
-              </a:solidFill>
-              <a:latin typeface="Calibri"/>
-            </a:endParaRPr>
           </a:p>
           <a:p>
             <a:pPr marL="343080" indent="-342720">
@@ -4475,7 +5114,7 @@
               <a:buChar char="•"/>
             </a:pPr>
             <a:r>
-              <a:rPr b="0" lang="it-IT" sz="3200" spc="-1" strike="noStrike">
+              <a:rPr lang="it-IT" sz="3200" b="0" strike="noStrike" spc="-1" dirty="0">
                 <a:solidFill>
                   <a:srgbClr val="000000"/>
                 </a:solidFill>
@@ -4483,12 +5122,6 @@
               </a:rPr>
               <a:t>Number of hours planned/spent: 36/49</a:t>
             </a:r>
-            <a:endParaRPr b="0" lang="it-IT" sz="3200" spc="-1" strike="noStrike">
-              <a:solidFill>
-                <a:srgbClr val="000000"/>
-              </a:solidFill>
-              <a:latin typeface="Calibri"/>
-            </a:endParaRPr>
           </a:p>
           <a:p>
             <a:pPr marL="343080" indent="-342720">
@@ -4505,7 +5138,7 @@
               <a:buChar char="•"/>
             </a:pPr>
             <a:r>
-              <a:rPr b="0" lang="it-IT" sz="3200" spc="-1" strike="noStrike">
+              <a:rPr lang="it-IT" sz="3200" b="0" strike="noStrike" spc="-1" dirty="0">
                 <a:solidFill>
                   <a:srgbClr val="000000"/>
                 </a:solidFill>
@@ -4513,12 +5146,6 @@
               </a:rPr>
               <a:t>Hours per task: 5.4 (avg), 4,5 (std deviation)</a:t>
             </a:r>
-            <a:endParaRPr b="0" lang="it-IT" sz="3200" spc="-1" strike="noStrike">
-              <a:solidFill>
-                <a:srgbClr val="000000"/>
-              </a:solidFill>
-              <a:latin typeface="Calibri"/>
-            </a:endParaRPr>
           </a:p>
           <a:p>
             <a:pPr>
@@ -4529,7 +5156,7 @@
                 <a:spcPts val="641"/>
               </a:spcBef>
             </a:pPr>
-            <a:endParaRPr b="0" lang="it-IT" sz="3200" spc="-1" strike="noStrike">
+            <a:endParaRPr lang="it-IT" sz="3200" b="0" strike="noStrike" spc="-1" dirty="0">
               <a:solidFill>
                 <a:srgbClr val="000000"/>
               </a:solidFill>
@@ -4545,7 +5172,7 @@
                 <a:spcPts val="641"/>
               </a:spcBef>
             </a:pPr>
-            <a:endParaRPr b="0" lang="it-IT" sz="3200" spc="-1" strike="noStrike">
+            <a:endParaRPr lang="it-IT" sz="3200" b="0" strike="noStrike" spc="-1" dirty="0">
               <a:solidFill>
                 <a:srgbClr val="000000"/>
               </a:solidFill>
@@ -4561,7 +5188,7 @@
                 <a:spcPts val="641"/>
               </a:spcBef>
             </a:pPr>
-            <a:endParaRPr b="0" lang="it-IT" sz="3200" spc="-1" strike="noStrike">
+            <a:endParaRPr lang="it-IT" sz="3200" b="0" strike="noStrike" spc="-1" dirty="0">
               <a:solidFill>
                 <a:srgbClr val="000000"/>
               </a:solidFill>
@@ -4577,7 +5204,7 @@
                 <a:spcPts val="641"/>
               </a:spcBef>
             </a:pPr>
-            <a:endParaRPr b="0" lang="it-IT" sz="3200" spc="-1" strike="noStrike">
+            <a:endParaRPr lang="it-IT" sz="3200" b="0" strike="noStrike" spc="-1" dirty="0">
               <a:solidFill>
                 <a:srgbClr val="000000"/>
               </a:solidFill>
@@ -4593,7 +5220,7 @@
                 <a:spcPts val="641"/>
               </a:spcBef>
             </a:pPr>
-            <a:endParaRPr b="0" lang="it-IT" sz="3200" spc="-1" strike="noStrike">
+            <a:endParaRPr lang="it-IT" sz="3200" b="0" strike="noStrike" spc="-1" dirty="0">
               <a:solidFill>
                 <a:srgbClr val="000000"/>
               </a:solidFill>
@@ -4615,7 +5242,7 @@
               <a:buChar char="•"/>
             </a:pPr>
             <a:r>
-              <a:rPr b="0" lang="it-IT" sz="3200" spc="-1" strike="noStrike">
+              <a:rPr lang="it-IT" sz="3200" b="0" strike="noStrike" spc="-1" dirty="0">
                 <a:solidFill>
                   <a:srgbClr val="000000"/>
                 </a:solidFill>
@@ -4623,12 +5250,6 @@
               </a:rPr>
               <a:t>Total task estimation error ratio: 0.73</a:t>
             </a:r>
-            <a:endParaRPr b="0" lang="it-IT" sz="3200" spc="-1" strike="noStrike">
-              <a:solidFill>
-                <a:srgbClr val="000000"/>
-              </a:solidFill>
-              <a:latin typeface="Calibri"/>
-            </a:endParaRPr>
           </a:p>
           <a:p>
             <a:pPr>
@@ -4639,7 +5260,7 @@
                 <a:spcPts val="641"/>
               </a:spcBef>
             </a:pPr>
-            <a:endParaRPr b="0" lang="it-IT" sz="3200" spc="-1" strike="noStrike">
+            <a:endParaRPr lang="it-IT" sz="3200" b="0" strike="noStrike" spc="-1" dirty="0">
               <a:solidFill>
                 <a:srgbClr val="000000"/>
               </a:solidFill>
@@ -4652,10 +5273,16 @@
         <p:nvGraphicFramePr>
           <p:cNvPr id="88" name="Table 3"/>
           <p:cNvGraphicFramePr/>
-          <p:nvPr/>
+          <p:nvPr>
+            <p:extLst>
+              <p:ext uri="{D42A27DB-BD31-4B8C-83A1-F6EECF244321}">
+                <p14:modId xmlns:p14="http://schemas.microsoft.com/office/powerpoint/2010/main" val="2129386086"/>
+              </p:ext>
+            </p:extLst>
+          </p:nvPr>
         </p:nvGraphicFramePr>
         <p:xfrm>
-          <a:off x="642960" y="3573000"/>
+          <a:off x="642960" y="3441119"/>
           <a:ext cx="7857720" cy="2214360"/>
         </p:xfrm>
         <a:graphic>
@@ -4663,18 +5290,47 @@
             <a:tbl>
               <a:tblPr/>
               <a:tblGrid>
-                <a:gridCol w="1571400"/>
-                <a:gridCol w="1571400"/>
-                <a:gridCol w="1571400"/>
-                <a:gridCol w="1571400"/>
-                <a:gridCol w="1572120"/>
+                <a:gridCol w="1571400">
+                  <a:extLst>
+                    <a:ext uri="{9D8B030D-6E8A-4147-A177-3AD203B41FA5}">
+                      <a16:colId xmlns:a16="http://schemas.microsoft.com/office/drawing/2014/main" val="20000"/>
+                    </a:ext>
+                  </a:extLst>
+                </a:gridCol>
+                <a:gridCol w="1571400">
+                  <a:extLst>
+                    <a:ext uri="{9D8B030D-6E8A-4147-A177-3AD203B41FA5}">
+                      <a16:colId xmlns:a16="http://schemas.microsoft.com/office/drawing/2014/main" val="20001"/>
+                    </a:ext>
+                  </a:extLst>
+                </a:gridCol>
+                <a:gridCol w="1571400">
+                  <a:extLst>
+                    <a:ext uri="{9D8B030D-6E8A-4147-A177-3AD203B41FA5}">
+                      <a16:colId xmlns:a16="http://schemas.microsoft.com/office/drawing/2014/main" val="20002"/>
+                    </a:ext>
+                  </a:extLst>
+                </a:gridCol>
+                <a:gridCol w="1571400">
+                  <a:extLst>
+                    <a:ext uri="{9D8B030D-6E8A-4147-A177-3AD203B41FA5}">
+                      <a16:colId xmlns:a16="http://schemas.microsoft.com/office/drawing/2014/main" val="20003"/>
+                    </a:ext>
+                  </a:extLst>
+                </a:gridCol>
+                <a:gridCol w="1572120">
+                  <a:extLst>
+                    <a:ext uri="{9D8B030D-6E8A-4147-A177-3AD203B41FA5}">
+                      <a16:colId xmlns:a16="http://schemas.microsoft.com/office/drawing/2014/main" val="20004"/>
+                    </a:ext>
+                  </a:extLst>
+                </a:gridCol>
               </a:tblGrid>
               <a:tr h="667440">
                 <a:tc>
                   <a:txBody>
-                    <a:bodyPr>
-                      <a:noAutofit/>
-                    </a:bodyPr>
+                    <a:bodyPr/>
+                    <a:lstStyle/>
                     <a:p>
                       <a:pPr>
                         <a:lnSpc>
@@ -4682,50 +5338,49 @@
                         </a:lnSpc>
                       </a:pPr>
                       <a:r>
-                        <a:rPr b="1" lang="it-IT" sz="1800" spc="-1" strike="noStrike">
+                        <a:rPr lang="it-IT" sz="1800" b="1" strike="noStrike" spc="-1">
                           <a:solidFill>
-                            <a:srgbClr val="ffffff"/>
+                            <a:srgbClr val="FFFFFF"/>
                           </a:solidFill>
                           <a:latin typeface="Calibri"/>
                         </a:rPr>
                         <a:t>ID story</a:t>
                       </a:r>
-                      <a:endParaRPr b="0" lang="it-IT" sz="1800" spc="-1" strike="noStrike">
+                      <a:endParaRPr lang="it-IT" sz="1800" b="0" strike="noStrike" spc="-1">
                         <a:latin typeface="Arial"/>
                       </a:endParaRPr>
                     </a:p>
                   </a:txBody>
-                  <a:tcPr marL="91440" marR="91440">
+                  <a:tcPr>
                     <a:lnL w="12240">
                       <a:solidFill>
-                        <a:srgbClr val="ffffff"/>
+                        <a:srgbClr val="FFFFFF"/>
                       </a:solidFill>
                     </a:lnL>
                     <a:lnR w="12240">
                       <a:solidFill>
-                        <a:srgbClr val="ffffff"/>
+                        <a:srgbClr val="FFFFFF"/>
                       </a:solidFill>
                     </a:lnR>
                     <a:lnT w="12240">
                       <a:solidFill>
-                        <a:srgbClr val="ffffff"/>
+                        <a:srgbClr val="FFFFFF"/>
                       </a:solidFill>
                     </a:lnT>
                     <a:lnB w="38160">
                       <a:solidFill>
-                        <a:srgbClr val="ffffff"/>
+                        <a:srgbClr val="FFFFFF"/>
                       </a:solidFill>
                     </a:lnB>
                     <a:solidFill>
-                      <a:srgbClr val="4f81bd"/>
+                      <a:srgbClr val="4F81BD"/>
                     </a:solidFill>
                   </a:tcPr>
                 </a:tc>
                 <a:tc>
                   <a:txBody>
-                    <a:bodyPr>
-                      <a:noAutofit/>
-                    </a:bodyPr>
+                    <a:bodyPr/>
+                    <a:lstStyle/>
                     <a:p>
                       <a:pPr>
                         <a:lnSpc>
@@ -4733,50 +5388,49 @@
                         </a:lnSpc>
                       </a:pPr>
                       <a:r>
-                        <a:rPr b="1" lang="it-IT" sz="1800" spc="-1" strike="noStrike">
+                        <a:rPr lang="it-IT" sz="1800" b="1" strike="noStrike" spc="-1" dirty="0">
                           <a:solidFill>
-                            <a:srgbClr val="ffffff"/>
+                            <a:srgbClr val="FFFFFF"/>
                           </a:solidFill>
                           <a:latin typeface="Calibri"/>
                         </a:rPr>
                         <a:t># Tasks</a:t>
                       </a:r>
-                      <a:endParaRPr b="0" lang="it-IT" sz="1800" spc="-1" strike="noStrike">
+                      <a:endParaRPr lang="it-IT" sz="1800" b="0" strike="noStrike" spc="-1" dirty="0">
                         <a:latin typeface="Arial"/>
                       </a:endParaRPr>
                     </a:p>
                   </a:txBody>
-                  <a:tcPr marL="91440" marR="91440">
+                  <a:tcPr>
                     <a:lnL w="12240">
                       <a:solidFill>
-                        <a:srgbClr val="ffffff"/>
+                        <a:srgbClr val="FFFFFF"/>
                       </a:solidFill>
                     </a:lnL>
                     <a:lnR w="12240">
                       <a:solidFill>
-                        <a:srgbClr val="ffffff"/>
+                        <a:srgbClr val="FFFFFF"/>
                       </a:solidFill>
                     </a:lnR>
                     <a:lnT w="12240">
                       <a:solidFill>
-                        <a:srgbClr val="ffffff"/>
+                        <a:srgbClr val="FFFFFF"/>
                       </a:solidFill>
                     </a:lnT>
                     <a:lnB w="38160">
                       <a:solidFill>
-                        <a:srgbClr val="ffffff"/>
+                        <a:srgbClr val="FFFFFF"/>
                       </a:solidFill>
                     </a:lnB>
                     <a:solidFill>
-                      <a:srgbClr val="4f81bd"/>
+                      <a:srgbClr val="4F81BD"/>
                     </a:solidFill>
                   </a:tcPr>
                 </a:tc>
                 <a:tc>
                   <a:txBody>
-                    <a:bodyPr>
-                      <a:noAutofit/>
-                    </a:bodyPr>
+                    <a:bodyPr/>
+                    <a:lstStyle/>
                     <a:p>
                       <a:pPr>
                         <a:lnSpc>
@@ -4784,50 +5438,49 @@
                         </a:lnSpc>
                       </a:pPr>
                       <a:r>
-                        <a:rPr b="1" lang="it-IT" sz="1800" spc="-1" strike="noStrike">
+                        <a:rPr lang="it-IT" sz="1800" b="1" strike="noStrike" spc="-1">
                           <a:solidFill>
-                            <a:srgbClr val="ffffff"/>
+                            <a:srgbClr val="FFFFFF"/>
                           </a:solidFill>
                           <a:latin typeface="Calibri"/>
                         </a:rPr>
                         <a:t>Points</a:t>
                       </a:r>
-                      <a:endParaRPr b="0" lang="it-IT" sz="1800" spc="-1" strike="noStrike">
+                      <a:endParaRPr lang="it-IT" sz="1800" b="0" strike="noStrike" spc="-1">
                         <a:latin typeface="Arial"/>
                       </a:endParaRPr>
                     </a:p>
                   </a:txBody>
-                  <a:tcPr marL="91440" marR="91440">
+                  <a:tcPr>
                     <a:lnL w="12240">
                       <a:solidFill>
-                        <a:srgbClr val="ffffff"/>
+                        <a:srgbClr val="FFFFFF"/>
                       </a:solidFill>
                     </a:lnL>
                     <a:lnR w="12240">
                       <a:solidFill>
-                        <a:srgbClr val="ffffff"/>
+                        <a:srgbClr val="FFFFFF"/>
                       </a:solidFill>
                     </a:lnR>
                     <a:lnT w="12240">
                       <a:solidFill>
-                        <a:srgbClr val="ffffff"/>
+                        <a:srgbClr val="FFFFFF"/>
                       </a:solidFill>
                     </a:lnT>
                     <a:lnB w="38160">
                       <a:solidFill>
-                        <a:srgbClr val="ffffff"/>
+                        <a:srgbClr val="FFFFFF"/>
                       </a:solidFill>
                     </a:lnB>
                     <a:solidFill>
-                      <a:srgbClr val="4f81bd"/>
+                      <a:srgbClr val="4F81BD"/>
                     </a:solidFill>
                   </a:tcPr>
                 </a:tc>
                 <a:tc>
                   <a:txBody>
-                    <a:bodyPr>
-                      <a:noAutofit/>
-                    </a:bodyPr>
+                    <a:bodyPr/>
+                    <a:lstStyle/>
                     <a:p>
                       <a:pPr>
                         <a:lnSpc>
@@ -4835,50 +5488,49 @@
                         </a:lnSpc>
                       </a:pPr>
                       <a:r>
-                        <a:rPr b="1" lang="it-IT" sz="1800" spc="-1" strike="noStrike">
+                        <a:rPr lang="it-IT" sz="1800" b="1" strike="noStrike" spc="-1">
                           <a:solidFill>
-                            <a:srgbClr val="ffffff"/>
+                            <a:srgbClr val="FFFFFF"/>
                           </a:solidFill>
                           <a:latin typeface="Calibri"/>
                         </a:rPr>
                         <a:t>Hrs estimated</a:t>
                       </a:r>
-                      <a:endParaRPr b="0" lang="it-IT" sz="1800" spc="-1" strike="noStrike">
+                      <a:endParaRPr lang="it-IT" sz="1800" b="0" strike="noStrike" spc="-1">
                         <a:latin typeface="Arial"/>
                       </a:endParaRPr>
                     </a:p>
                   </a:txBody>
-                  <a:tcPr marL="91440" marR="91440">
+                  <a:tcPr>
                     <a:lnL w="12240">
                       <a:solidFill>
-                        <a:srgbClr val="ffffff"/>
+                        <a:srgbClr val="FFFFFF"/>
                       </a:solidFill>
                     </a:lnL>
                     <a:lnR w="12240">
                       <a:solidFill>
-                        <a:srgbClr val="ffffff"/>
+                        <a:srgbClr val="FFFFFF"/>
                       </a:solidFill>
                     </a:lnR>
                     <a:lnT w="12240">
                       <a:solidFill>
-                        <a:srgbClr val="ffffff"/>
+                        <a:srgbClr val="FFFFFF"/>
                       </a:solidFill>
                     </a:lnT>
                     <a:lnB w="38160">
                       <a:solidFill>
-                        <a:srgbClr val="ffffff"/>
+                        <a:srgbClr val="FFFFFF"/>
                       </a:solidFill>
                     </a:lnB>
                     <a:solidFill>
-                      <a:srgbClr val="4f81bd"/>
+                      <a:srgbClr val="4F81BD"/>
                     </a:solidFill>
                   </a:tcPr>
                 </a:tc>
                 <a:tc>
                   <a:txBody>
-                    <a:bodyPr>
-                      <a:noAutofit/>
-                    </a:bodyPr>
+                    <a:bodyPr/>
+                    <a:lstStyle/>
                     <a:p>
                       <a:pPr>
                         <a:lnSpc>
@@ -4886,52 +5538,56 @@
                         </a:lnSpc>
                       </a:pPr>
                       <a:r>
-                        <a:rPr b="1" lang="it-IT" sz="1800" spc="-1" strike="noStrike">
+                        <a:rPr lang="it-IT" sz="1800" b="1" strike="noStrike" spc="-1">
                           <a:solidFill>
-                            <a:srgbClr val="ffffff"/>
+                            <a:srgbClr val="FFFFFF"/>
                           </a:solidFill>
                           <a:latin typeface="Calibri"/>
                         </a:rPr>
                         <a:t>Hrs Spent</a:t>
                       </a:r>
-                      <a:endParaRPr b="0" lang="it-IT" sz="1800" spc="-1" strike="noStrike">
+                      <a:endParaRPr lang="it-IT" sz="1800" b="0" strike="noStrike" spc="-1">
                         <a:latin typeface="Arial"/>
                       </a:endParaRPr>
                     </a:p>
                   </a:txBody>
-                  <a:tcPr marL="91440" marR="91440">
+                  <a:tcPr>
                     <a:lnL w="12240">
                       <a:solidFill>
-                        <a:srgbClr val="ffffff"/>
+                        <a:srgbClr val="FFFFFF"/>
                       </a:solidFill>
                     </a:lnL>
                     <a:lnR w="12240">
                       <a:solidFill>
-                        <a:srgbClr val="ffffff"/>
+                        <a:srgbClr val="FFFFFF"/>
                       </a:solidFill>
                     </a:lnR>
                     <a:lnT w="12240">
                       <a:solidFill>
-                        <a:srgbClr val="ffffff"/>
+                        <a:srgbClr val="FFFFFF"/>
                       </a:solidFill>
                     </a:lnT>
                     <a:lnB w="38160">
                       <a:solidFill>
-                        <a:srgbClr val="ffffff"/>
+                        <a:srgbClr val="FFFFFF"/>
                       </a:solidFill>
                     </a:lnB>
                     <a:solidFill>
-                      <a:srgbClr val="4f81bd"/>
+                      <a:srgbClr val="4F81BD"/>
                     </a:solidFill>
                   </a:tcPr>
                 </a:tc>
+                <a:extLst>
+                  <a:ext uri="{0D108BD9-81ED-4DB2-BD59-A6C34878D82A}">
+                    <a16:rowId xmlns:a16="http://schemas.microsoft.com/office/drawing/2014/main" val="10000"/>
+                  </a:ext>
+                </a:extLst>
               </a:tr>
               <a:tr h="386640">
                 <a:tc>
                   <a:txBody>
-                    <a:bodyPr>
-                      <a:noAutofit/>
-                    </a:bodyPr>
+                    <a:bodyPr/>
+                    <a:lstStyle/>
                     <a:p>
                       <a:pPr>
                         <a:lnSpc>
@@ -4939,7 +5595,7 @@
                         </a:lnSpc>
                       </a:pPr>
                       <a:r>
-                        <a:rPr b="0" lang="it-IT" sz="1800" spc="-1" strike="noStrike">
+                        <a:rPr lang="it-IT" sz="1800" b="0" strike="noStrike" spc="-1">
                           <a:solidFill>
                             <a:srgbClr val="000000"/>
                           </a:solidFill>
@@ -4947,42 +5603,45 @@
                         </a:rPr>
                         <a:t>OQ-1</a:t>
                       </a:r>
-                      <a:endParaRPr b="0" lang="it-IT" sz="1800" spc="-1" strike="noStrike">
+                      <a:endParaRPr lang="it-IT" sz="1800" b="0" strike="noStrike" spc="-1">
                         <a:latin typeface="Arial"/>
                       </a:endParaRPr>
                     </a:p>
                   </a:txBody>
-                  <a:tcPr marL="91440" marR="91440">
+                  <a:tcPr>
                     <a:lnL w="12240">
                       <a:solidFill>
-                        <a:srgbClr val="ffffff"/>
+                        <a:srgbClr val="FFFFFF"/>
                       </a:solidFill>
                     </a:lnL>
                     <a:lnR w="12240">
                       <a:solidFill>
-                        <a:srgbClr val="ffffff"/>
+                        <a:srgbClr val="FFFFFF"/>
                       </a:solidFill>
                     </a:lnR>
-                    <a:lnT w="12240">
-                      <a:solidFill>
-                        <a:srgbClr val="ffffff"/>
-                      </a:solidFill>
+                    <a:lnT w="38160" cap="flat" cmpd="sng" algn="ctr">
+                      <a:solidFill>
+                        <a:srgbClr val="FFFFFF"/>
+                      </a:solidFill>
+                      <a:prstDash val="solid"/>
+                      <a:round/>
+                      <a:headEnd type="none" w="med" len="med"/>
+                      <a:tailEnd type="none" w="med" len="med"/>
                     </a:lnT>
                     <a:lnB w="12240">
                       <a:solidFill>
-                        <a:srgbClr val="ffffff"/>
+                        <a:srgbClr val="FFFFFF"/>
                       </a:solidFill>
                     </a:lnB>
                     <a:solidFill>
-                      <a:srgbClr val="d0d8e7"/>
+                      <a:srgbClr val="D0D8E7"/>
                     </a:solidFill>
                   </a:tcPr>
                 </a:tc>
                 <a:tc>
                   <a:txBody>
-                    <a:bodyPr>
-                      <a:noAutofit/>
-                    </a:bodyPr>
+                    <a:bodyPr/>
+                    <a:lstStyle/>
                     <a:p>
                       <a:pPr>
                         <a:lnSpc>
@@ -4990,7 +5649,7 @@
                         </a:lnSpc>
                       </a:pPr>
                       <a:r>
-                        <a:rPr b="0" lang="it-IT" sz="1800" spc="-1" strike="noStrike">
+                        <a:rPr lang="it-IT" sz="1800" b="0" strike="noStrike" spc="-1">
                           <a:solidFill>
                             <a:srgbClr val="000000"/>
                           </a:solidFill>
@@ -4998,42 +5657,45 @@
                         </a:rPr>
                         <a:t>3</a:t>
                       </a:r>
-                      <a:endParaRPr b="0" lang="it-IT" sz="1800" spc="-1" strike="noStrike">
+                      <a:endParaRPr lang="it-IT" sz="1800" b="0" strike="noStrike" spc="-1">
                         <a:latin typeface="Arial"/>
                       </a:endParaRPr>
                     </a:p>
                   </a:txBody>
-                  <a:tcPr marL="91440" marR="91440">
+                  <a:tcPr>
                     <a:lnL w="12240">
                       <a:solidFill>
-                        <a:srgbClr val="ffffff"/>
+                        <a:srgbClr val="FFFFFF"/>
                       </a:solidFill>
                     </a:lnL>
                     <a:lnR w="12240">
                       <a:solidFill>
-                        <a:srgbClr val="ffffff"/>
+                        <a:srgbClr val="FFFFFF"/>
                       </a:solidFill>
                     </a:lnR>
-                    <a:lnT w="12240">
-                      <a:solidFill>
-                        <a:srgbClr val="ffffff"/>
-                      </a:solidFill>
+                    <a:lnT w="38160" cap="flat" cmpd="sng" algn="ctr">
+                      <a:solidFill>
+                        <a:srgbClr val="FFFFFF"/>
+                      </a:solidFill>
+                      <a:prstDash val="solid"/>
+                      <a:round/>
+                      <a:headEnd type="none" w="med" len="med"/>
+                      <a:tailEnd type="none" w="med" len="med"/>
                     </a:lnT>
                     <a:lnB w="12240">
                       <a:solidFill>
-                        <a:srgbClr val="ffffff"/>
+                        <a:srgbClr val="FFFFFF"/>
                       </a:solidFill>
                     </a:lnB>
                     <a:solidFill>
-                      <a:srgbClr val="d0d8e7"/>
+                      <a:srgbClr val="D0D8E7"/>
                     </a:solidFill>
                   </a:tcPr>
                 </a:tc>
                 <a:tc>
                   <a:txBody>
-                    <a:bodyPr>
-                      <a:noAutofit/>
-                    </a:bodyPr>
+                    <a:bodyPr/>
+                    <a:lstStyle/>
                     <a:p>
                       <a:pPr>
                         <a:lnSpc>
@@ -5041,7 +5703,7 @@
                         </a:lnSpc>
                       </a:pPr>
                       <a:r>
-                        <a:rPr b="0" lang="it-IT" sz="1800" spc="-1" strike="noStrike">
+                        <a:rPr lang="it-IT" sz="1800" b="0" strike="noStrike" spc="-1">
                           <a:solidFill>
                             <a:srgbClr val="000000"/>
                           </a:solidFill>
@@ -5049,42 +5711,45 @@
                         </a:rPr>
                         <a:t>5</a:t>
                       </a:r>
-                      <a:endParaRPr b="0" lang="it-IT" sz="1800" spc="-1" strike="noStrike">
+                      <a:endParaRPr lang="it-IT" sz="1800" b="0" strike="noStrike" spc="-1">
                         <a:latin typeface="Arial"/>
                       </a:endParaRPr>
                     </a:p>
                   </a:txBody>
-                  <a:tcPr marL="91440" marR="91440">
+                  <a:tcPr>
                     <a:lnL w="12240">
                       <a:solidFill>
-                        <a:srgbClr val="ffffff"/>
+                        <a:srgbClr val="FFFFFF"/>
                       </a:solidFill>
                     </a:lnL>
                     <a:lnR w="12240">
                       <a:solidFill>
-                        <a:srgbClr val="ffffff"/>
+                        <a:srgbClr val="FFFFFF"/>
                       </a:solidFill>
                     </a:lnR>
-                    <a:lnT w="12240">
-                      <a:solidFill>
-                        <a:srgbClr val="ffffff"/>
-                      </a:solidFill>
+                    <a:lnT w="38160" cap="flat" cmpd="sng" algn="ctr">
+                      <a:solidFill>
+                        <a:srgbClr val="FFFFFF"/>
+                      </a:solidFill>
+                      <a:prstDash val="solid"/>
+                      <a:round/>
+                      <a:headEnd type="none" w="med" len="med"/>
+                      <a:tailEnd type="none" w="med" len="med"/>
                     </a:lnT>
                     <a:lnB w="12240">
                       <a:solidFill>
-                        <a:srgbClr val="ffffff"/>
+                        <a:srgbClr val="FFFFFF"/>
                       </a:solidFill>
                     </a:lnB>
                     <a:solidFill>
-                      <a:srgbClr val="d0d8e7"/>
+                      <a:srgbClr val="D0D8E7"/>
                     </a:solidFill>
                   </a:tcPr>
                 </a:tc>
                 <a:tc>
                   <a:txBody>
-                    <a:bodyPr>
-                      <a:noAutofit/>
-                    </a:bodyPr>
+                    <a:bodyPr/>
+                    <a:lstStyle/>
                     <a:p>
                       <a:pPr>
                         <a:lnSpc>
@@ -5092,7 +5757,7 @@
                         </a:lnSpc>
                       </a:pPr>
                       <a:r>
-                        <a:rPr b="0" lang="it-IT" sz="1800" spc="-1" strike="noStrike">
+                        <a:rPr lang="it-IT" sz="1800" b="0" strike="noStrike" spc="-1">
                           <a:solidFill>
                             <a:srgbClr val="000000"/>
                           </a:solidFill>
@@ -5100,42 +5765,45 @@
                         </a:rPr>
                         <a:t>11</a:t>
                       </a:r>
-                      <a:endParaRPr b="0" lang="it-IT" sz="1800" spc="-1" strike="noStrike">
+                      <a:endParaRPr lang="it-IT" sz="1800" b="0" strike="noStrike" spc="-1">
                         <a:latin typeface="Arial"/>
                       </a:endParaRPr>
                     </a:p>
                   </a:txBody>
-                  <a:tcPr marL="91440" marR="91440">
+                  <a:tcPr>
                     <a:lnL w="12240">
                       <a:solidFill>
-                        <a:srgbClr val="ffffff"/>
+                        <a:srgbClr val="FFFFFF"/>
                       </a:solidFill>
                     </a:lnL>
                     <a:lnR w="12240">
                       <a:solidFill>
-                        <a:srgbClr val="ffffff"/>
+                        <a:srgbClr val="FFFFFF"/>
                       </a:solidFill>
                     </a:lnR>
-                    <a:lnT w="12240">
-                      <a:solidFill>
-                        <a:srgbClr val="ffffff"/>
-                      </a:solidFill>
+                    <a:lnT w="38160" cap="flat" cmpd="sng" algn="ctr">
+                      <a:solidFill>
+                        <a:srgbClr val="FFFFFF"/>
+                      </a:solidFill>
+                      <a:prstDash val="solid"/>
+                      <a:round/>
+                      <a:headEnd type="none" w="med" len="med"/>
+                      <a:tailEnd type="none" w="med" len="med"/>
                     </a:lnT>
                     <a:lnB w="12240">
                       <a:solidFill>
-                        <a:srgbClr val="ffffff"/>
+                        <a:srgbClr val="FFFFFF"/>
                       </a:solidFill>
                     </a:lnB>
                     <a:solidFill>
-                      <a:srgbClr val="d0d8e7"/>
+                      <a:srgbClr val="D0D8E7"/>
                     </a:solidFill>
                   </a:tcPr>
                 </a:tc>
                 <a:tc>
                   <a:txBody>
-                    <a:bodyPr>
-                      <a:noAutofit/>
-                    </a:bodyPr>
+                    <a:bodyPr/>
+                    <a:lstStyle/>
                     <a:p>
                       <a:pPr>
                         <a:lnSpc>
@@ -5143,7 +5811,7 @@
                         </a:lnSpc>
                       </a:pPr>
                       <a:r>
-                        <a:rPr b="0" lang="it-IT" sz="1800" spc="-1" strike="noStrike">
+                        <a:rPr lang="it-IT" sz="1800" b="0" strike="noStrike" spc="-1">
                           <a:solidFill>
                             <a:srgbClr val="000000"/>
                           </a:solidFill>
@@ -5151,44 +5819,52 @@
                         </a:rPr>
                         <a:t>14</a:t>
                       </a:r>
-                      <a:endParaRPr b="0" lang="it-IT" sz="1800" spc="-1" strike="noStrike">
+                      <a:endParaRPr lang="it-IT" sz="1800" b="0" strike="noStrike" spc="-1">
                         <a:latin typeface="Arial"/>
                       </a:endParaRPr>
                     </a:p>
                   </a:txBody>
-                  <a:tcPr marL="91440" marR="91440">
+                  <a:tcPr>
                     <a:lnL w="12240">
                       <a:solidFill>
-                        <a:srgbClr val="ffffff"/>
+                        <a:srgbClr val="FFFFFF"/>
                       </a:solidFill>
                     </a:lnL>
                     <a:lnR w="12240">
                       <a:solidFill>
-                        <a:srgbClr val="ffffff"/>
+                        <a:srgbClr val="FFFFFF"/>
                       </a:solidFill>
                     </a:lnR>
-                    <a:lnT w="12240">
-                      <a:solidFill>
-                        <a:srgbClr val="ffffff"/>
-                      </a:solidFill>
+                    <a:lnT w="38160" cap="flat" cmpd="sng" algn="ctr">
+                      <a:solidFill>
+                        <a:srgbClr val="FFFFFF"/>
+                      </a:solidFill>
+                      <a:prstDash val="solid"/>
+                      <a:round/>
+                      <a:headEnd type="none" w="med" len="med"/>
+                      <a:tailEnd type="none" w="med" len="med"/>
                     </a:lnT>
                     <a:lnB w="12240">
                       <a:solidFill>
-                        <a:srgbClr val="ffffff"/>
+                        <a:srgbClr val="FFFFFF"/>
                       </a:solidFill>
                     </a:lnB>
                     <a:solidFill>
-                      <a:srgbClr val="d0d8e7"/>
+                      <a:srgbClr val="D0D8E7"/>
                     </a:solidFill>
                   </a:tcPr>
                 </a:tc>
+                <a:extLst>
+                  <a:ext uri="{0D108BD9-81ED-4DB2-BD59-A6C34878D82A}">
+                    <a16:rowId xmlns:a16="http://schemas.microsoft.com/office/drawing/2014/main" val="10001"/>
+                  </a:ext>
+                </a:extLst>
               </a:tr>
               <a:tr h="386640">
                 <a:tc>
                   <a:txBody>
-                    <a:bodyPr>
-                      <a:noAutofit/>
-                    </a:bodyPr>
+                    <a:bodyPr/>
+                    <a:lstStyle/>
                     <a:p>
                       <a:pPr>
                         <a:lnSpc>
@@ -5196,7 +5872,7 @@
                         </a:lnSpc>
                       </a:pPr>
                       <a:r>
-                        <a:rPr b="0" lang="it-IT" sz="1800" spc="-1" strike="noStrike">
+                        <a:rPr lang="it-IT" sz="1800" b="0" strike="noStrike" spc="-1">
                           <a:solidFill>
                             <a:srgbClr val="000000"/>
                           </a:solidFill>
@@ -5204,42 +5880,41 @@
                         </a:rPr>
                         <a:t>OQ-2</a:t>
                       </a:r>
-                      <a:endParaRPr b="0" lang="it-IT" sz="1800" spc="-1" strike="noStrike">
+                      <a:endParaRPr lang="it-IT" sz="1800" b="0" strike="noStrike" spc="-1">
                         <a:latin typeface="Arial"/>
                       </a:endParaRPr>
                     </a:p>
                   </a:txBody>
-                  <a:tcPr marL="91440" marR="91440">
+                  <a:tcPr>
                     <a:lnL w="12240">
                       <a:solidFill>
-                        <a:srgbClr val="ffffff"/>
+                        <a:srgbClr val="FFFFFF"/>
                       </a:solidFill>
                     </a:lnL>
                     <a:lnR w="12240">
                       <a:solidFill>
-                        <a:srgbClr val="ffffff"/>
+                        <a:srgbClr val="FFFFFF"/>
                       </a:solidFill>
                     </a:lnR>
                     <a:lnT w="12240">
                       <a:solidFill>
-                        <a:srgbClr val="ffffff"/>
+                        <a:srgbClr val="FFFFFF"/>
                       </a:solidFill>
                     </a:lnT>
                     <a:lnB w="12240">
                       <a:solidFill>
-                        <a:srgbClr val="ffffff"/>
+                        <a:srgbClr val="FFFFFF"/>
                       </a:solidFill>
                     </a:lnB>
                     <a:solidFill>
-                      <a:srgbClr val="e9ecf3"/>
+                      <a:srgbClr val="E9ECF3"/>
                     </a:solidFill>
                   </a:tcPr>
                 </a:tc>
                 <a:tc>
                   <a:txBody>
-                    <a:bodyPr>
-                      <a:noAutofit/>
-                    </a:bodyPr>
+                    <a:bodyPr/>
+                    <a:lstStyle/>
                     <a:p>
                       <a:pPr>
                         <a:lnSpc>
@@ -5247,7 +5922,7 @@
                         </a:lnSpc>
                       </a:pPr>
                       <a:r>
-                        <a:rPr b="0" lang="it-IT" sz="1800" spc="-1" strike="noStrike">
+                        <a:rPr lang="it-IT" sz="1800" b="0" strike="noStrike" spc="-1">
                           <a:solidFill>
                             <a:srgbClr val="000000"/>
                           </a:solidFill>
@@ -5255,42 +5930,41 @@
                         </a:rPr>
                         <a:t>2</a:t>
                       </a:r>
-                      <a:endParaRPr b="0" lang="it-IT" sz="1800" spc="-1" strike="noStrike">
+                      <a:endParaRPr lang="it-IT" sz="1800" b="0" strike="noStrike" spc="-1">
                         <a:latin typeface="Arial"/>
                       </a:endParaRPr>
                     </a:p>
                   </a:txBody>
-                  <a:tcPr marL="91440" marR="91440">
+                  <a:tcPr>
                     <a:lnL w="12240">
                       <a:solidFill>
-                        <a:srgbClr val="ffffff"/>
+                        <a:srgbClr val="FFFFFF"/>
                       </a:solidFill>
                     </a:lnL>
                     <a:lnR w="12240">
                       <a:solidFill>
-                        <a:srgbClr val="ffffff"/>
+                        <a:srgbClr val="FFFFFF"/>
                       </a:solidFill>
                     </a:lnR>
                     <a:lnT w="12240">
                       <a:solidFill>
-                        <a:srgbClr val="ffffff"/>
+                        <a:srgbClr val="FFFFFF"/>
                       </a:solidFill>
                     </a:lnT>
                     <a:lnB w="12240">
                       <a:solidFill>
-                        <a:srgbClr val="ffffff"/>
+                        <a:srgbClr val="FFFFFF"/>
                       </a:solidFill>
                     </a:lnB>
                     <a:solidFill>
-                      <a:srgbClr val="e9ecf3"/>
+                      <a:srgbClr val="E9ECF3"/>
                     </a:solidFill>
                   </a:tcPr>
                 </a:tc>
                 <a:tc>
                   <a:txBody>
-                    <a:bodyPr>
-                      <a:noAutofit/>
-                    </a:bodyPr>
+                    <a:bodyPr/>
+                    <a:lstStyle/>
                     <a:p>
                       <a:pPr>
                         <a:lnSpc>
@@ -5298,7 +5972,7 @@
                         </a:lnSpc>
                       </a:pPr>
                       <a:r>
-                        <a:rPr b="0" lang="it-IT" sz="1800" spc="-1" strike="noStrike">
+                        <a:rPr lang="it-IT" sz="1800" b="0" strike="noStrike" spc="-1">
                           <a:solidFill>
                             <a:srgbClr val="000000"/>
                           </a:solidFill>
@@ -5306,42 +5980,41 @@
                         </a:rPr>
                         <a:t>3</a:t>
                       </a:r>
-                      <a:endParaRPr b="0" lang="it-IT" sz="1800" spc="-1" strike="noStrike">
+                      <a:endParaRPr lang="it-IT" sz="1800" b="0" strike="noStrike" spc="-1">
                         <a:latin typeface="Arial"/>
                       </a:endParaRPr>
                     </a:p>
                   </a:txBody>
-                  <a:tcPr marL="91440" marR="91440">
+                  <a:tcPr>
                     <a:lnL w="12240">
                       <a:solidFill>
-                        <a:srgbClr val="ffffff"/>
+                        <a:srgbClr val="FFFFFF"/>
                       </a:solidFill>
                     </a:lnL>
                     <a:lnR w="12240">
                       <a:solidFill>
-                        <a:srgbClr val="ffffff"/>
+                        <a:srgbClr val="FFFFFF"/>
                       </a:solidFill>
                     </a:lnR>
                     <a:lnT w="12240">
                       <a:solidFill>
-                        <a:srgbClr val="ffffff"/>
+                        <a:srgbClr val="FFFFFF"/>
                       </a:solidFill>
                     </a:lnT>
                     <a:lnB w="12240">
                       <a:solidFill>
-                        <a:srgbClr val="ffffff"/>
+                        <a:srgbClr val="FFFFFF"/>
                       </a:solidFill>
                     </a:lnB>
                     <a:solidFill>
-                      <a:srgbClr val="e9ecf3"/>
+                      <a:srgbClr val="E9ECF3"/>
                     </a:solidFill>
                   </a:tcPr>
                 </a:tc>
                 <a:tc>
                   <a:txBody>
-                    <a:bodyPr>
-                      <a:noAutofit/>
-                    </a:bodyPr>
+                    <a:bodyPr/>
+                    <a:lstStyle/>
                     <a:p>
                       <a:pPr>
                         <a:lnSpc>
@@ -5349,7 +6022,7 @@
                         </a:lnSpc>
                       </a:pPr>
                       <a:r>
-                        <a:rPr b="0" lang="it-IT" sz="1800" spc="-1" strike="noStrike">
+                        <a:rPr lang="it-IT" sz="1800" b="0" strike="noStrike" spc="-1">
                           <a:solidFill>
                             <a:srgbClr val="000000"/>
                           </a:solidFill>
@@ -5357,42 +6030,41 @@
                         </a:rPr>
                         <a:t>8</a:t>
                       </a:r>
-                      <a:endParaRPr b="0" lang="it-IT" sz="1800" spc="-1" strike="noStrike">
+                      <a:endParaRPr lang="it-IT" sz="1800" b="0" strike="noStrike" spc="-1">
                         <a:latin typeface="Arial"/>
                       </a:endParaRPr>
                     </a:p>
                   </a:txBody>
-                  <a:tcPr marL="91440" marR="91440">
+                  <a:tcPr>
                     <a:lnL w="12240">
                       <a:solidFill>
-                        <a:srgbClr val="ffffff"/>
+                        <a:srgbClr val="FFFFFF"/>
                       </a:solidFill>
                     </a:lnL>
                     <a:lnR w="12240">
                       <a:solidFill>
-                        <a:srgbClr val="ffffff"/>
+                        <a:srgbClr val="FFFFFF"/>
                       </a:solidFill>
                     </a:lnR>
                     <a:lnT w="12240">
                       <a:solidFill>
-                        <a:srgbClr val="ffffff"/>
+                        <a:srgbClr val="FFFFFF"/>
                       </a:solidFill>
                     </a:lnT>
                     <a:lnB w="12240">
                       <a:solidFill>
-                        <a:srgbClr val="ffffff"/>
+                        <a:srgbClr val="FFFFFF"/>
                       </a:solidFill>
                     </a:lnB>
                     <a:solidFill>
-                      <a:srgbClr val="e9ecf3"/>
+                      <a:srgbClr val="E9ECF3"/>
                     </a:solidFill>
                   </a:tcPr>
                 </a:tc>
                 <a:tc>
                   <a:txBody>
-                    <a:bodyPr>
-                      <a:noAutofit/>
-                    </a:bodyPr>
+                    <a:bodyPr/>
+                    <a:lstStyle/>
                     <a:p>
                       <a:pPr>
                         <a:lnSpc>
@@ -5400,7 +6072,7 @@
                         </a:lnSpc>
                       </a:pPr>
                       <a:r>
-                        <a:rPr b="0" lang="it-IT" sz="1800" spc="-1" strike="noStrike">
+                        <a:rPr lang="it-IT" sz="1800" b="0" strike="noStrike" spc="-1">
                           <a:solidFill>
                             <a:srgbClr val="000000"/>
                           </a:solidFill>
@@ -5408,44 +6080,48 @@
                         </a:rPr>
                         <a:t>13.5</a:t>
                       </a:r>
-                      <a:endParaRPr b="0" lang="it-IT" sz="1800" spc="-1" strike="noStrike">
+                      <a:endParaRPr lang="it-IT" sz="1800" b="0" strike="noStrike" spc="-1">
                         <a:latin typeface="Arial"/>
                       </a:endParaRPr>
                     </a:p>
                   </a:txBody>
-                  <a:tcPr marL="91440" marR="91440">
+                  <a:tcPr>
                     <a:lnL w="12240">
                       <a:solidFill>
-                        <a:srgbClr val="ffffff"/>
+                        <a:srgbClr val="FFFFFF"/>
                       </a:solidFill>
                     </a:lnL>
                     <a:lnR w="12240">
                       <a:solidFill>
-                        <a:srgbClr val="ffffff"/>
+                        <a:srgbClr val="FFFFFF"/>
                       </a:solidFill>
                     </a:lnR>
                     <a:lnT w="12240">
                       <a:solidFill>
-                        <a:srgbClr val="ffffff"/>
+                        <a:srgbClr val="FFFFFF"/>
                       </a:solidFill>
                     </a:lnT>
                     <a:lnB w="12240">
                       <a:solidFill>
-                        <a:srgbClr val="ffffff"/>
+                        <a:srgbClr val="FFFFFF"/>
                       </a:solidFill>
                     </a:lnB>
                     <a:solidFill>
-                      <a:srgbClr val="e9ecf3"/>
+                      <a:srgbClr val="E9ECF3"/>
                     </a:solidFill>
                   </a:tcPr>
                 </a:tc>
+                <a:extLst>
+                  <a:ext uri="{0D108BD9-81ED-4DB2-BD59-A6C34878D82A}">
+                    <a16:rowId xmlns:a16="http://schemas.microsoft.com/office/drawing/2014/main" val="10002"/>
+                  </a:ext>
+                </a:extLst>
               </a:tr>
               <a:tr h="386640">
                 <a:tc>
                   <a:txBody>
-                    <a:bodyPr>
-                      <a:noAutofit/>
-                    </a:bodyPr>
+                    <a:bodyPr/>
+                    <a:lstStyle/>
                     <a:p>
                       <a:pPr>
                         <a:lnSpc>
@@ -5453,7 +6129,7 @@
                         </a:lnSpc>
                       </a:pPr>
                       <a:r>
-                        <a:rPr b="0" lang="it-IT" sz="1800" spc="-1" strike="noStrike">
+                        <a:rPr lang="it-IT" sz="1800" b="0" strike="noStrike" spc="-1">
                           <a:solidFill>
                             <a:srgbClr val="000000"/>
                           </a:solidFill>
@@ -5461,42 +6137,41 @@
                         </a:rPr>
                         <a:t>OQ-6</a:t>
                       </a:r>
-                      <a:endParaRPr b="0" lang="it-IT" sz="1800" spc="-1" strike="noStrike">
+                      <a:endParaRPr lang="it-IT" sz="1800" b="0" strike="noStrike" spc="-1">
                         <a:latin typeface="Arial"/>
                       </a:endParaRPr>
                     </a:p>
                   </a:txBody>
-                  <a:tcPr marL="91440" marR="91440">
+                  <a:tcPr>
                     <a:lnL w="12240">
                       <a:solidFill>
-                        <a:srgbClr val="ffffff"/>
+                        <a:srgbClr val="FFFFFF"/>
                       </a:solidFill>
                     </a:lnL>
                     <a:lnR w="12240">
                       <a:solidFill>
-                        <a:srgbClr val="ffffff"/>
+                        <a:srgbClr val="FFFFFF"/>
                       </a:solidFill>
                     </a:lnR>
                     <a:lnT w="12240">
                       <a:solidFill>
-                        <a:srgbClr val="ffffff"/>
+                        <a:srgbClr val="FFFFFF"/>
                       </a:solidFill>
                     </a:lnT>
                     <a:lnB w="12240">
                       <a:solidFill>
-                        <a:srgbClr val="ffffff"/>
+                        <a:srgbClr val="FFFFFF"/>
                       </a:solidFill>
                     </a:lnB>
                     <a:solidFill>
-                      <a:srgbClr val="d0d8e7"/>
+                      <a:srgbClr val="D0D8E7"/>
                     </a:solidFill>
                   </a:tcPr>
                 </a:tc>
                 <a:tc>
                   <a:txBody>
-                    <a:bodyPr>
-                      <a:noAutofit/>
-                    </a:bodyPr>
+                    <a:bodyPr/>
+                    <a:lstStyle/>
                     <a:p>
                       <a:pPr>
                         <a:lnSpc>
@@ -5504,7 +6179,7 @@
                         </a:lnSpc>
                       </a:pPr>
                       <a:r>
-                        <a:rPr b="0" lang="it-IT" sz="1800" spc="-1" strike="noStrike">
+                        <a:rPr lang="it-IT" sz="1800" b="0" strike="noStrike" spc="-1">
                           <a:solidFill>
                             <a:srgbClr val="000000"/>
                           </a:solidFill>
@@ -5512,42 +6187,41 @@
                         </a:rPr>
                         <a:t>2</a:t>
                       </a:r>
-                      <a:endParaRPr b="0" lang="it-IT" sz="1800" spc="-1" strike="noStrike">
+                      <a:endParaRPr lang="it-IT" sz="1800" b="0" strike="noStrike" spc="-1">
                         <a:latin typeface="Arial"/>
                       </a:endParaRPr>
                     </a:p>
                   </a:txBody>
-                  <a:tcPr marL="91440" marR="91440">
+                  <a:tcPr>
                     <a:lnL w="12240">
                       <a:solidFill>
-                        <a:srgbClr val="ffffff"/>
+                        <a:srgbClr val="FFFFFF"/>
                       </a:solidFill>
                     </a:lnL>
                     <a:lnR w="12240">
                       <a:solidFill>
-                        <a:srgbClr val="ffffff"/>
+                        <a:srgbClr val="FFFFFF"/>
                       </a:solidFill>
                     </a:lnR>
                     <a:lnT w="12240">
                       <a:solidFill>
-                        <a:srgbClr val="ffffff"/>
+                        <a:srgbClr val="FFFFFF"/>
                       </a:solidFill>
                     </a:lnT>
                     <a:lnB w="12240">
                       <a:solidFill>
-                        <a:srgbClr val="ffffff"/>
+                        <a:srgbClr val="FFFFFF"/>
                       </a:solidFill>
                     </a:lnB>
                     <a:solidFill>
-                      <a:srgbClr val="d0d8e7"/>
+                      <a:srgbClr val="D0D8E7"/>
                     </a:solidFill>
                   </a:tcPr>
                 </a:tc>
                 <a:tc>
                   <a:txBody>
-                    <a:bodyPr>
-                      <a:noAutofit/>
-                    </a:bodyPr>
+                    <a:bodyPr/>
+                    <a:lstStyle/>
                     <a:p>
                       <a:pPr>
                         <a:lnSpc>
@@ -5555,7 +6229,7 @@
                         </a:lnSpc>
                       </a:pPr>
                       <a:r>
-                        <a:rPr b="0" lang="it-IT" sz="1800" spc="-1" strike="noStrike">
+                        <a:rPr lang="it-IT" sz="1800" b="0" strike="noStrike" spc="-1">
                           <a:solidFill>
                             <a:srgbClr val="000000"/>
                           </a:solidFill>
@@ -5563,42 +6237,41 @@
                         </a:rPr>
                         <a:t>2</a:t>
                       </a:r>
-                      <a:endParaRPr b="0" lang="it-IT" sz="1800" spc="-1" strike="noStrike">
+                      <a:endParaRPr lang="it-IT" sz="1800" b="0" strike="noStrike" spc="-1">
                         <a:latin typeface="Arial"/>
                       </a:endParaRPr>
                     </a:p>
                   </a:txBody>
-                  <a:tcPr marL="91440" marR="91440">
+                  <a:tcPr>
                     <a:lnL w="12240">
                       <a:solidFill>
-                        <a:srgbClr val="ffffff"/>
+                        <a:srgbClr val="FFFFFF"/>
                       </a:solidFill>
                     </a:lnL>
                     <a:lnR w="12240">
                       <a:solidFill>
-                        <a:srgbClr val="ffffff"/>
+                        <a:srgbClr val="FFFFFF"/>
                       </a:solidFill>
                     </a:lnR>
                     <a:lnT w="12240">
                       <a:solidFill>
-                        <a:srgbClr val="ffffff"/>
+                        <a:srgbClr val="FFFFFF"/>
                       </a:solidFill>
                     </a:lnT>
                     <a:lnB w="12240">
                       <a:solidFill>
-                        <a:srgbClr val="ffffff"/>
+                        <a:srgbClr val="FFFFFF"/>
                       </a:solidFill>
                     </a:lnB>
                     <a:solidFill>
-                      <a:srgbClr val="d0d8e7"/>
+                      <a:srgbClr val="D0D8E7"/>
                     </a:solidFill>
                   </a:tcPr>
                 </a:tc>
                 <a:tc>
                   <a:txBody>
-                    <a:bodyPr>
-                      <a:noAutofit/>
-                    </a:bodyPr>
+                    <a:bodyPr/>
+                    <a:lstStyle/>
                     <a:p>
                       <a:pPr>
                         <a:lnSpc>
@@ -5606,7 +6279,7 @@
                         </a:lnSpc>
                       </a:pPr>
                       <a:r>
-                        <a:rPr b="0" lang="it-IT" sz="1800" spc="-1" strike="noStrike">
+                        <a:rPr lang="it-IT" sz="1800" b="0" strike="noStrike" spc="-1">
                           <a:solidFill>
                             <a:srgbClr val="000000"/>
                           </a:solidFill>
@@ -5614,42 +6287,41 @@
                         </a:rPr>
                         <a:t>10</a:t>
                       </a:r>
-                      <a:endParaRPr b="0" lang="it-IT" sz="1800" spc="-1" strike="noStrike">
+                      <a:endParaRPr lang="it-IT" sz="1800" b="0" strike="noStrike" spc="-1">
                         <a:latin typeface="Arial"/>
                       </a:endParaRPr>
                     </a:p>
                   </a:txBody>
-                  <a:tcPr marL="91440" marR="91440">
+                  <a:tcPr>
                     <a:lnL w="12240">
                       <a:solidFill>
-                        <a:srgbClr val="ffffff"/>
+                        <a:srgbClr val="FFFFFF"/>
                       </a:solidFill>
                     </a:lnL>
                     <a:lnR w="12240">
                       <a:solidFill>
-                        <a:srgbClr val="ffffff"/>
+                        <a:srgbClr val="FFFFFF"/>
                       </a:solidFill>
                     </a:lnR>
                     <a:lnT w="12240">
                       <a:solidFill>
-                        <a:srgbClr val="ffffff"/>
+                        <a:srgbClr val="FFFFFF"/>
                       </a:solidFill>
                     </a:lnT>
                     <a:lnB w="12240">
                       <a:solidFill>
-                        <a:srgbClr val="ffffff"/>
+                        <a:srgbClr val="FFFFFF"/>
                       </a:solidFill>
                     </a:lnB>
                     <a:solidFill>
-                      <a:srgbClr val="d0d8e7"/>
+                      <a:srgbClr val="D0D8E7"/>
                     </a:solidFill>
                   </a:tcPr>
                 </a:tc>
                 <a:tc>
                   <a:txBody>
-                    <a:bodyPr>
-                      <a:noAutofit/>
-                    </a:bodyPr>
+                    <a:bodyPr/>
+                    <a:lstStyle/>
                     <a:p>
                       <a:pPr>
                         <a:lnSpc>
@@ -5657,7 +6329,7 @@
                         </a:lnSpc>
                       </a:pPr>
                       <a:r>
-                        <a:rPr b="0" lang="it-IT" sz="1800" spc="-1" strike="noStrike">
+                        <a:rPr lang="it-IT" sz="1800" b="0" strike="noStrike" spc="-1">
                           <a:solidFill>
                             <a:srgbClr val="000000"/>
                           </a:solidFill>
@@ -5665,44 +6337,48 @@
                         </a:rPr>
                         <a:t>5</a:t>
                       </a:r>
-                      <a:endParaRPr b="0" lang="it-IT" sz="1800" spc="-1" strike="noStrike">
+                      <a:endParaRPr lang="it-IT" sz="1800" b="0" strike="noStrike" spc="-1">
                         <a:latin typeface="Arial"/>
                       </a:endParaRPr>
                     </a:p>
                   </a:txBody>
-                  <a:tcPr marL="91440" marR="91440">
+                  <a:tcPr>
                     <a:lnL w="12240">
                       <a:solidFill>
-                        <a:srgbClr val="ffffff"/>
+                        <a:srgbClr val="FFFFFF"/>
                       </a:solidFill>
                     </a:lnL>
                     <a:lnR w="12240">
                       <a:solidFill>
-                        <a:srgbClr val="ffffff"/>
+                        <a:srgbClr val="FFFFFF"/>
                       </a:solidFill>
                     </a:lnR>
                     <a:lnT w="12240">
                       <a:solidFill>
-                        <a:srgbClr val="ffffff"/>
+                        <a:srgbClr val="FFFFFF"/>
                       </a:solidFill>
                     </a:lnT>
                     <a:lnB w="12240">
                       <a:solidFill>
-                        <a:srgbClr val="ffffff"/>
+                        <a:srgbClr val="FFFFFF"/>
                       </a:solidFill>
                     </a:lnB>
                     <a:solidFill>
-                      <a:srgbClr val="d0d8e7"/>
+                      <a:srgbClr val="D0D8E7"/>
                     </a:solidFill>
                   </a:tcPr>
                 </a:tc>
+                <a:extLst>
+                  <a:ext uri="{0D108BD9-81ED-4DB2-BD59-A6C34878D82A}">
+                    <a16:rowId xmlns:a16="http://schemas.microsoft.com/office/drawing/2014/main" val="10003"/>
+                  </a:ext>
+                </a:extLst>
               </a:tr>
               <a:tr h="387000">
                 <a:tc>
                   <a:txBody>
-                    <a:bodyPr>
-                      <a:noAutofit/>
-                    </a:bodyPr>
+                    <a:bodyPr/>
+                    <a:lstStyle/>
                     <a:p>
                       <a:pPr>
                         <a:lnSpc>
@@ -5710,7 +6386,7 @@
                         </a:lnSpc>
                       </a:pPr>
                       <a:r>
-                        <a:rPr b="0" lang="it-IT" sz="1800" spc="-1" strike="noStrike">
+                        <a:rPr lang="it-IT" sz="1800" b="0" strike="noStrike" spc="-1">
                           <a:solidFill>
                             <a:srgbClr val="000000"/>
                           </a:solidFill>
@@ -5718,42 +6394,41 @@
                         </a:rPr>
                         <a:t>OQ-17</a:t>
                       </a:r>
-                      <a:endParaRPr b="0" lang="it-IT" sz="1800" spc="-1" strike="noStrike">
+                      <a:endParaRPr lang="it-IT" sz="1800" b="0" strike="noStrike" spc="-1">
                         <a:latin typeface="Arial"/>
                       </a:endParaRPr>
                     </a:p>
                   </a:txBody>
-                  <a:tcPr marL="91440" marR="91440">
+                  <a:tcPr>
                     <a:lnL w="12240">
                       <a:solidFill>
-                        <a:srgbClr val="ffffff"/>
+                        <a:srgbClr val="FFFFFF"/>
                       </a:solidFill>
                     </a:lnL>
                     <a:lnR w="12240">
                       <a:solidFill>
-                        <a:srgbClr val="ffffff"/>
+                        <a:srgbClr val="FFFFFF"/>
                       </a:solidFill>
                     </a:lnR>
                     <a:lnT w="12240">
                       <a:solidFill>
-                        <a:srgbClr val="ffffff"/>
+                        <a:srgbClr val="FFFFFF"/>
                       </a:solidFill>
                     </a:lnT>
                     <a:lnB w="12240">
                       <a:solidFill>
-                        <a:srgbClr val="ffffff"/>
+                        <a:srgbClr val="FFFFFF"/>
                       </a:solidFill>
                     </a:lnB>
                     <a:solidFill>
-                      <a:srgbClr val="e9ecf3"/>
+                      <a:srgbClr val="E9ECF3"/>
                     </a:solidFill>
                   </a:tcPr>
                 </a:tc>
                 <a:tc>
                   <a:txBody>
-                    <a:bodyPr>
-                      <a:noAutofit/>
-                    </a:bodyPr>
+                    <a:bodyPr/>
+                    <a:lstStyle/>
                     <a:p>
                       <a:pPr>
                         <a:lnSpc>
@@ -5761,7 +6436,7 @@
                         </a:lnSpc>
                       </a:pPr>
                       <a:r>
-                        <a:rPr b="0" lang="it-IT" sz="1800" spc="-1" strike="noStrike">
+                        <a:rPr lang="it-IT" sz="1800" b="0" strike="noStrike" spc="-1">
                           <a:solidFill>
                             <a:srgbClr val="000000"/>
                           </a:solidFill>
@@ -5769,42 +6444,41 @@
                         </a:rPr>
                         <a:t>2</a:t>
                       </a:r>
-                      <a:endParaRPr b="0" lang="it-IT" sz="1800" spc="-1" strike="noStrike">
+                      <a:endParaRPr lang="it-IT" sz="1800" b="0" strike="noStrike" spc="-1">
                         <a:latin typeface="Arial"/>
                       </a:endParaRPr>
                     </a:p>
                   </a:txBody>
-                  <a:tcPr marL="91440" marR="91440">
+                  <a:tcPr>
                     <a:lnL w="12240">
                       <a:solidFill>
-                        <a:srgbClr val="ffffff"/>
+                        <a:srgbClr val="FFFFFF"/>
                       </a:solidFill>
                     </a:lnL>
                     <a:lnR w="12240">
                       <a:solidFill>
-                        <a:srgbClr val="ffffff"/>
+                        <a:srgbClr val="FFFFFF"/>
                       </a:solidFill>
                     </a:lnR>
                     <a:lnT w="12240">
                       <a:solidFill>
-                        <a:srgbClr val="ffffff"/>
+                        <a:srgbClr val="FFFFFF"/>
                       </a:solidFill>
                     </a:lnT>
                     <a:lnB w="12240">
                       <a:solidFill>
-                        <a:srgbClr val="ffffff"/>
+                        <a:srgbClr val="FFFFFF"/>
                       </a:solidFill>
                     </a:lnB>
                     <a:solidFill>
-                      <a:srgbClr val="e9ecf3"/>
+                      <a:srgbClr val="E9ECF3"/>
                     </a:solidFill>
                   </a:tcPr>
                 </a:tc>
                 <a:tc>
                   <a:txBody>
-                    <a:bodyPr>
-                      <a:noAutofit/>
-                    </a:bodyPr>
+                    <a:bodyPr/>
+                    <a:lstStyle/>
                     <a:p>
                       <a:pPr>
                         <a:lnSpc>
@@ -5812,7 +6486,7 @@
                         </a:lnSpc>
                       </a:pPr>
                       <a:r>
-                        <a:rPr b="0" lang="it-IT" sz="1800" spc="-1" strike="noStrike">
+                        <a:rPr lang="it-IT" sz="1800" b="0" strike="noStrike" spc="-1">
                           <a:solidFill>
                             <a:srgbClr val="000000"/>
                           </a:solidFill>
@@ -5820,42 +6494,41 @@
                         </a:rPr>
                         <a:t>5</a:t>
                       </a:r>
-                      <a:endParaRPr b="0" lang="it-IT" sz="1800" spc="-1" strike="noStrike">
+                      <a:endParaRPr lang="it-IT" sz="1800" b="0" strike="noStrike" spc="-1">
                         <a:latin typeface="Arial"/>
                       </a:endParaRPr>
                     </a:p>
                   </a:txBody>
-                  <a:tcPr marL="91440" marR="91440">
+                  <a:tcPr>
                     <a:lnL w="12240">
                       <a:solidFill>
-                        <a:srgbClr val="ffffff"/>
+                        <a:srgbClr val="FFFFFF"/>
                       </a:solidFill>
                     </a:lnL>
                     <a:lnR w="12240">
                       <a:solidFill>
-                        <a:srgbClr val="ffffff"/>
+                        <a:srgbClr val="FFFFFF"/>
                       </a:solidFill>
                     </a:lnR>
                     <a:lnT w="12240">
                       <a:solidFill>
-                        <a:srgbClr val="ffffff"/>
+                        <a:srgbClr val="FFFFFF"/>
                       </a:solidFill>
                     </a:lnT>
                     <a:lnB w="12240">
                       <a:solidFill>
-                        <a:srgbClr val="ffffff"/>
+                        <a:srgbClr val="FFFFFF"/>
                       </a:solidFill>
                     </a:lnB>
                     <a:solidFill>
-                      <a:srgbClr val="e9ecf3"/>
+                      <a:srgbClr val="E9ECF3"/>
                     </a:solidFill>
                   </a:tcPr>
                 </a:tc>
                 <a:tc>
                   <a:txBody>
-                    <a:bodyPr>
-                      <a:noAutofit/>
-                    </a:bodyPr>
+                    <a:bodyPr/>
+                    <a:lstStyle/>
                     <a:p>
                       <a:pPr>
                         <a:lnSpc>
@@ -5863,7 +6536,7 @@
                         </a:lnSpc>
                       </a:pPr>
                       <a:r>
-                        <a:rPr b="0" lang="it-IT" sz="1800" spc="-1" strike="noStrike">
+                        <a:rPr lang="it-IT" sz="1800" b="0" strike="noStrike" spc="-1">
                           <a:solidFill>
                             <a:srgbClr val="000000"/>
                           </a:solidFill>
@@ -5871,42 +6544,41 @@
                         </a:rPr>
                         <a:t>7</a:t>
                       </a:r>
-                      <a:endParaRPr b="0" lang="it-IT" sz="1800" spc="-1" strike="noStrike">
+                      <a:endParaRPr lang="it-IT" sz="1800" b="0" strike="noStrike" spc="-1">
                         <a:latin typeface="Arial"/>
                       </a:endParaRPr>
                     </a:p>
                   </a:txBody>
-                  <a:tcPr marL="91440" marR="91440">
+                  <a:tcPr>
                     <a:lnL w="12240">
                       <a:solidFill>
-                        <a:srgbClr val="ffffff"/>
+                        <a:srgbClr val="FFFFFF"/>
                       </a:solidFill>
                     </a:lnL>
                     <a:lnR w="12240">
                       <a:solidFill>
-                        <a:srgbClr val="ffffff"/>
+                        <a:srgbClr val="FFFFFF"/>
                       </a:solidFill>
                     </a:lnR>
                     <a:lnT w="12240">
                       <a:solidFill>
-                        <a:srgbClr val="ffffff"/>
+                        <a:srgbClr val="FFFFFF"/>
                       </a:solidFill>
                     </a:lnT>
                     <a:lnB w="12240">
                       <a:solidFill>
-                        <a:srgbClr val="ffffff"/>
+                        <a:srgbClr val="FFFFFF"/>
                       </a:solidFill>
                     </a:lnB>
                     <a:solidFill>
-                      <a:srgbClr val="e9ecf3"/>
+                      <a:srgbClr val="E9ECF3"/>
                     </a:solidFill>
                   </a:tcPr>
                 </a:tc>
                 <a:tc>
                   <a:txBody>
-                    <a:bodyPr>
-                      <a:noAutofit/>
-                    </a:bodyPr>
+                    <a:bodyPr/>
+                    <a:lstStyle/>
                     <a:p>
                       <a:pPr>
                         <a:lnSpc>
@@ -5914,7 +6586,7 @@
                         </a:lnSpc>
                       </a:pPr>
                       <a:r>
-                        <a:rPr b="0" lang="it-IT" sz="1800" spc="-1" strike="noStrike">
+                        <a:rPr lang="it-IT" sz="1800" b="0" strike="noStrike" spc="-1" dirty="0">
                           <a:solidFill>
                             <a:srgbClr val="000000"/>
                           </a:solidFill>
@@ -5922,37 +6594,42 @@
                         </a:rPr>
                         <a:t>16.5</a:t>
                       </a:r>
-                      <a:endParaRPr b="0" lang="it-IT" sz="1800" spc="-1" strike="noStrike">
+                      <a:endParaRPr lang="it-IT" sz="1800" b="0" strike="noStrike" spc="-1" dirty="0">
                         <a:latin typeface="Arial"/>
                       </a:endParaRPr>
                     </a:p>
                   </a:txBody>
-                  <a:tcPr marL="91440" marR="91440">
+                  <a:tcPr>
                     <a:lnL w="12240">
                       <a:solidFill>
-                        <a:srgbClr val="ffffff"/>
+                        <a:srgbClr val="FFFFFF"/>
                       </a:solidFill>
                     </a:lnL>
                     <a:lnR w="12240">
                       <a:solidFill>
-                        <a:srgbClr val="ffffff"/>
+                        <a:srgbClr val="FFFFFF"/>
                       </a:solidFill>
                     </a:lnR>
                     <a:lnT w="12240">
                       <a:solidFill>
-                        <a:srgbClr val="ffffff"/>
+                        <a:srgbClr val="FFFFFF"/>
                       </a:solidFill>
                     </a:lnT>
                     <a:lnB w="12240">
                       <a:solidFill>
-                        <a:srgbClr val="ffffff"/>
+                        <a:srgbClr val="FFFFFF"/>
                       </a:solidFill>
                     </a:lnB>
                     <a:solidFill>
-                      <a:srgbClr val="e9ecf3"/>
+                      <a:srgbClr val="E9ECF3"/>
                     </a:solidFill>
                   </a:tcPr>
                 </a:tc>
+                <a:extLst>
+                  <a:ext uri="{0D108BD9-81ED-4DB2-BD59-A6C34878D82A}">
+                    <a16:rowId xmlns:a16="http://schemas.microsoft.com/office/drawing/2014/main" val="10004"/>
+                  </a:ext>
+                </a:extLst>
               </a:tr>
             </a:tbl>
           </a:graphicData>
@@ -5960,30 +6637,25 @@
       </p:graphicFrame>
     </p:spTree>
   </p:cSld>
-  <mc:AlternateContent>
-    <mc:Choice Requires="p14">
-      <p:transition spd="slow" p14:dur="2000"/>
-    </mc:Choice>
-    <mc:Fallback>
-      <p:transition spd="slow"/>
-    </mc:Fallback>
-  </mc:AlternateContent>
+  <p:clrMapOvr>
+    <a:masterClrMapping/>
+  </p:clrMapOvr>
   <p:timing>
     <p:tnLst>
       <p:par>
-        <p:cTn id="5" dur="indefinite" restart="never" nodeType="tmRoot">
+        <p:cTn id="1" dur="indefinite" restart="never" nodeType="tmRoot">
           <p:childTnLst>
             <p:seq>
-              <p:cTn id="6" dur="indefinite" nodeType="mainSeq"/>
+              <p:cTn id="2" dur="indefinite" nodeType="mainSeq"/>
               <p:prevCondLst>
-                <p:cond delay="0" evt="onPrev">
+                <p:cond evt="onPrev" delay="0">
                   <p:tgtEl>
                     <p:sldTgt/>
                   </p:tgtEl>
                 </p:cond>
               </p:prevCondLst>
               <p:nextCondLst>
-                <p:cond delay="0" evt="onNext">
+                <p:cond evt="onNext" delay="0">
                   <p:tgtEl>
                     <p:sldTgt/>
                   </p:tgtEl>
@@ -5999,7 +6671,7 @@
 </file>
 
 <file path=ppt/slides/slide4.xml><?xml version="1.0" encoding="utf-8"?>
-<p:sld xmlns:a="http://schemas.openxmlformats.org/drawingml/2006/main" xmlns:p="http://schemas.openxmlformats.org/presentationml/2006/main" xmlns:r="http://schemas.openxmlformats.org/officeDocument/2006/relationships" xmlns:p14="http://schemas.microsoft.com/office/powerpoint/2010/main" xmlns:p15="http://schemas.microsoft.com/office/powerpoint/2012/main" xmlns:mc="http://schemas.openxmlformats.org/markup-compatibility/2006">
+<p:sld xmlns:a="http://schemas.openxmlformats.org/drawingml/2006/main" xmlns:r="http://schemas.openxmlformats.org/officeDocument/2006/relationships" xmlns:p="http://schemas.openxmlformats.org/presentationml/2006/main">
   <p:cSld>
     <p:spTree>
       <p:nvGrpSpPr>
@@ -6038,6 +6710,7 @@
           <a:bodyPr anchor="ctr">
             <a:normAutofit/>
           </a:bodyPr>
+          <a:lstStyle/>
           <a:p>
             <a:pPr algn="ctr">
               <a:lnSpc>
@@ -6045,7 +6718,7 @@
               </a:lnSpc>
             </a:pPr>
             <a:r>
-              <a:rPr b="0" lang="it-IT" sz="4400" spc="-1" strike="noStrike">
+              <a:rPr lang="it-IT" sz="4400" b="0" strike="noStrike" spc="-1">
                 <a:solidFill>
                   <a:srgbClr val="000000"/>
                 </a:solidFill>
@@ -6053,12 +6726,6 @@
               </a:rPr>
               <a:t>Testing</a:t>
             </a:r>
-            <a:endParaRPr b="0" lang="it-IT" sz="4400" spc="-1" strike="noStrike">
-              <a:solidFill>
-                <a:srgbClr val="000000"/>
-              </a:solidFill>
-              <a:latin typeface="Calibri"/>
-            </a:endParaRPr>
           </a:p>
         </p:txBody>
       </p:sp>
@@ -6085,6 +6752,7 @@
           <a:bodyPr>
             <a:noAutofit/>
           </a:bodyPr>
+          <a:lstStyle/>
           <a:p>
             <a:pPr>
               <a:lnSpc>
@@ -6094,7 +6762,7 @@
                 <a:spcPts val="641"/>
               </a:spcBef>
             </a:pPr>
-            <a:endParaRPr b="0" lang="it-IT" sz="3200" spc="-1" strike="noStrike">
+            <a:endParaRPr lang="it-IT" sz="3200" b="0" strike="noStrike" spc="-1">
               <a:solidFill>
                 <a:srgbClr val="000000"/>
               </a:solidFill>
@@ -6116,7 +6784,7 @@
               <a:buChar char="•"/>
             </a:pPr>
             <a:r>
-              <a:rPr b="0" lang="it-IT" sz="3200" spc="-1" strike="noStrike">
+              <a:rPr lang="it-IT" sz="3200" b="0" strike="noStrike" spc="-1">
                 <a:solidFill>
                   <a:srgbClr val="000000"/>
                 </a:solidFill>
@@ -6124,12 +6792,6 @@
               </a:rPr>
               <a:t>We included our estimation of testing in the task estimation, so we don’t have time tracked only for testing.</a:t>
             </a:r>
-            <a:endParaRPr b="0" lang="it-IT" sz="3200" spc="-1" strike="noStrike">
-              <a:solidFill>
-                <a:srgbClr val="000000"/>
-              </a:solidFill>
-              <a:latin typeface="Calibri"/>
-            </a:endParaRPr>
           </a:p>
           <a:p>
             <a:pPr marL="343080" indent="-342720">
@@ -6146,7 +6808,7 @@
               <a:buChar char="•"/>
             </a:pPr>
             <a:r>
-              <a:rPr b="0" lang="it-IT" sz="3200" spc="-1" strike="noStrike">
+              <a:rPr lang="it-IT" sz="3200" b="0" strike="noStrike" spc="-1">
                 <a:solidFill>
                   <a:srgbClr val="000000"/>
                 </a:solidFill>
@@ -6154,41 +6816,30 @@
               </a:rPr>
               <a:t>Total hours spent: 1hrs</a:t>
             </a:r>
-            <a:endParaRPr b="0" lang="it-IT" sz="3200" spc="-1" strike="noStrike">
-              <a:solidFill>
-                <a:srgbClr val="000000"/>
-              </a:solidFill>
-              <a:latin typeface="Calibri"/>
-            </a:endParaRPr>
           </a:p>
         </p:txBody>
       </p:sp>
     </p:spTree>
   </p:cSld>
-  <mc:AlternateContent>
-    <mc:Choice Requires="p14">
-      <p:transition spd="slow" p14:dur="2000"/>
-    </mc:Choice>
-    <mc:Fallback>
-      <p:transition spd="slow"/>
-    </mc:Fallback>
-  </mc:AlternateContent>
+  <p:clrMapOvr>
+    <a:masterClrMapping/>
+  </p:clrMapOvr>
   <p:timing>
     <p:tnLst>
       <p:par>
-        <p:cTn id="7" dur="indefinite" restart="never" nodeType="tmRoot">
+        <p:cTn id="1" dur="indefinite" restart="never" nodeType="tmRoot">
           <p:childTnLst>
             <p:seq>
-              <p:cTn id="8" dur="indefinite" nodeType="mainSeq"/>
+              <p:cTn id="2" dur="indefinite" nodeType="mainSeq"/>
               <p:prevCondLst>
-                <p:cond delay="0" evt="onPrev">
+                <p:cond evt="onPrev" delay="0">
                   <p:tgtEl>
                     <p:sldTgt/>
                   </p:tgtEl>
                 </p:cond>
               </p:prevCondLst>
               <p:nextCondLst>
-                <p:cond delay="0" evt="onNext">
+                <p:cond evt="onNext" delay="0">
                   <p:tgtEl>
                     <p:sldTgt/>
                   </p:tgtEl>
@@ -6204,7 +6855,7 @@
 </file>
 
 <file path=ppt/slides/slide5.xml><?xml version="1.0" encoding="utf-8"?>
-<p:sld xmlns:a="http://schemas.openxmlformats.org/drawingml/2006/main" xmlns:p="http://schemas.openxmlformats.org/presentationml/2006/main" xmlns:r="http://schemas.openxmlformats.org/officeDocument/2006/relationships" xmlns:p14="http://schemas.microsoft.com/office/powerpoint/2010/main" xmlns:p15="http://schemas.microsoft.com/office/powerpoint/2012/main" xmlns:mc="http://schemas.openxmlformats.org/markup-compatibility/2006">
+<p:sld xmlns:a="http://schemas.openxmlformats.org/drawingml/2006/main" xmlns:r="http://schemas.openxmlformats.org/officeDocument/2006/relationships" xmlns:p="http://schemas.openxmlformats.org/presentationml/2006/main">
   <p:cSld>
     <p:spTree>
       <p:nvGrpSpPr>
@@ -6243,6 +6894,7 @@
           <a:bodyPr anchor="ctr">
             <a:noAutofit/>
           </a:bodyPr>
+          <a:lstStyle/>
           <a:p>
             <a:pPr algn="ctr">
               <a:lnSpc>
@@ -6250,7 +6902,7 @@
               </a:lnSpc>
             </a:pPr>
             <a:r>
-              <a:rPr b="0" lang="it-IT" sz="4400" spc="-1" strike="noStrike">
+              <a:rPr lang="it-IT" sz="4400" b="0" strike="noStrike" spc="-1">
                 <a:solidFill>
                   <a:srgbClr val="000000"/>
                 </a:solidFill>
@@ -6258,12 +6910,6 @@
               </a:rPr>
               <a:t>Assessment</a:t>
             </a:r>
-            <a:endParaRPr b="0" lang="it-IT" sz="4400" spc="-1" strike="noStrike">
-              <a:solidFill>
-                <a:srgbClr val="000000"/>
-              </a:solidFill>
-              <a:latin typeface="Calibri"/>
-            </a:endParaRPr>
           </a:p>
         </p:txBody>
       </p:sp>
@@ -6290,6 +6936,7 @@
           <a:bodyPr>
             <a:normAutofit/>
           </a:bodyPr>
+          <a:lstStyle/>
           <a:p>
             <a:pPr marL="343080" indent="-342720">
               <a:lnSpc>
@@ -6305,7 +6952,7 @@
               <a:buChar char="•"/>
             </a:pPr>
             <a:r>
-              <a:rPr b="0" lang="it-IT" sz="3200" spc="-1" strike="noStrike">
+              <a:rPr lang="it-IT" sz="3200" b="0" strike="noStrike" spc="-1">
                 <a:solidFill>
                   <a:srgbClr val="000000"/>
                 </a:solidFill>
@@ -6313,12 +6960,6 @@
               </a:rPr>
               <a:t>Some planned stories have not been done so far because of the evaluation issue. Some tasks required more time to complete.</a:t>
             </a:r>
-            <a:endParaRPr b="0" lang="it-IT" sz="3200" spc="-1" strike="noStrike">
-              <a:solidFill>
-                <a:srgbClr val="000000"/>
-              </a:solidFill>
-              <a:latin typeface="Calibri"/>
-            </a:endParaRPr>
           </a:p>
           <a:p>
             <a:pPr marL="343080" indent="-342720">
@@ -6335,7 +6976,7 @@
               <a:buChar char="•"/>
             </a:pPr>
             <a:r>
-              <a:rPr b="0" lang="it-IT" sz="3200" spc="-1" strike="noStrike">
+              <a:rPr lang="it-IT" sz="3200" b="0" strike="noStrike" spc="-1">
                 <a:solidFill>
                   <a:srgbClr val="000000"/>
                 </a:solidFill>
@@ -6343,12 +6984,6 @@
               </a:rPr>
               <a:t>The estimation errors mostly stemmed from the lack of experience in workload assessment and the adoption of new technologies.</a:t>
             </a:r>
-            <a:endParaRPr b="0" lang="it-IT" sz="3200" spc="-1" strike="noStrike">
-              <a:solidFill>
-                <a:srgbClr val="000000"/>
-              </a:solidFill>
-              <a:latin typeface="Calibri"/>
-            </a:endParaRPr>
           </a:p>
           <a:p>
             <a:pPr marL="343080" indent="-342720">
@@ -6365,7 +7000,7 @@
               <a:buChar char="•"/>
             </a:pPr>
             <a:r>
-              <a:rPr b="0" lang="it-IT" sz="3200" spc="-1" strike="noStrike">
+              <a:rPr lang="it-IT" sz="3200" b="0" strike="noStrike" spc="-1">
                 <a:solidFill>
                   <a:srgbClr val="000000"/>
                 </a:solidFill>
@@ -6373,41 +7008,30 @@
               </a:rPr>
               <a:t>The way of communication with each other and the importance of time management is the most critical point assimilating by team members.</a:t>
             </a:r>
-            <a:endParaRPr b="0" lang="it-IT" sz="3200" spc="-1" strike="noStrike">
-              <a:solidFill>
-                <a:srgbClr val="000000"/>
-              </a:solidFill>
-              <a:latin typeface="Calibri"/>
-            </a:endParaRPr>
           </a:p>
         </p:txBody>
       </p:sp>
     </p:spTree>
   </p:cSld>
-  <mc:AlternateContent>
-    <mc:Choice Requires="p14">
-      <p:transition spd="slow" p14:dur="2000"/>
-    </mc:Choice>
-    <mc:Fallback>
-      <p:transition spd="slow"/>
-    </mc:Fallback>
-  </mc:AlternateContent>
+  <p:clrMapOvr>
+    <a:masterClrMapping/>
+  </p:clrMapOvr>
   <p:timing>
     <p:tnLst>
       <p:par>
-        <p:cTn id="9" dur="indefinite" restart="never" nodeType="tmRoot">
+        <p:cTn id="1" dur="indefinite" restart="never" nodeType="tmRoot">
           <p:childTnLst>
             <p:seq>
-              <p:cTn id="10" dur="indefinite" nodeType="mainSeq"/>
+              <p:cTn id="2" dur="indefinite" nodeType="mainSeq"/>
               <p:prevCondLst>
-                <p:cond delay="0" evt="onPrev">
+                <p:cond evt="onPrev" delay="0">
                   <p:tgtEl>
                     <p:sldTgt/>
                   </p:tgtEl>
                 </p:cond>
               </p:prevCondLst>
               <p:nextCondLst>
-                <p:cond delay="0" evt="onNext">
+                <p:cond evt="onNext" delay="0">
                   <p:tgtEl>
                     <p:sldTgt/>
                   </p:tgtEl>
@@ -6423,7 +7047,7 @@
 </file>
 
 <file path=ppt/slides/slide6.xml><?xml version="1.0" encoding="utf-8"?>
-<p:sld xmlns:a="http://schemas.openxmlformats.org/drawingml/2006/main" xmlns:p="http://schemas.openxmlformats.org/presentationml/2006/main" xmlns:r="http://schemas.openxmlformats.org/officeDocument/2006/relationships" xmlns:p14="http://schemas.microsoft.com/office/powerpoint/2010/main" xmlns:p15="http://schemas.microsoft.com/office/powerpoint/2012/main" xmlns:mc="http://schemas.openxmlformats.org/markup-compatibility/2006">
+<p:sld xmlns:a="http://schemas.openxmlformats.org/drawingml/2006/main" xmlns:r="http://schemas.openxmlformats.org/officeDocument/2006/relationships" xmlns:p="http://schemas.openxmlformats.org/presentationml/2006/main">
   <p:cSld>
     <p:spTree>
       <p:nvGrpSpPr>
@@ -6462,6 +7086,7 @@
           <a:bodyPr anchor="ctr">
             <a:noAutofit/>
           </a:bodyPr>
+          <a:lstStyle/>
           <a:p>
             <a:pPr algn="ctr">
               <a:lnSpc>
@@ -6469,7 +7094,7 @@
               </a:lnSpc>
             </a:pPr>
             <a:r>
-              <a:rPr b="0" lang="it-IT" sz="4400" spc="-1" strike="noStrike">
+              <a:rPr lang="it-IT" sz="4400" b="0" strike="noStrike" spc="-1">
                 <a:solidFill>
                   <a:srgbClr val="000000"/>
                 </a:solidFill>
@@ -6477,12 +7102,6 @@
               </a:rPr>
               <a:t>Assessment</a:t>
             </a:r>
-            <a:endParaRPr b="0" lang="it-IT" sz="4400" spc="-1" strike="noStrike">
-              <a:solidFill>
-                <a:srgbClr val="000000"/>
-              </a:solidFill>
-              <a:latin typeface="Calibri"/>
-            </a:endParaRPr>
           </a:p>
         </p:txBody>
       </p:sp>
@@ -6509,6 +7128,7 @@
           <a:bodyPr>
             <a:noAutofit/>
           </a:bodyPr>
+          <a:lstStyle/>
           <a:p>
             <a:pPr marL="343080" indent="-342720">
               <a:lnSpc>
@@ -6524,7 +7144,7 @@
               <a:buChar char="•"/>
             </a:pPr>
             <a:r>
-              <a:rPr b="0" lang="it-IT" sz="3200" spc="-1" strike="noStrike">
+              <a:rPr lang="it-IT" sz="3200" b="0" strike="noStrike" spc="-1" dirty="0">
                 <a:solidFill>
                   <a:srgbClr val="000000"/>
                 </a:solidFill>
@@ -6532,12 +7152,6 @@
               </a:rPr>
               <a:t>Taking the benefit of operating on different Branches instead of just working on the Master branch to manage the project better is the one that will enhance in the next sprint.</a:t>
             </a:r>
-            <a:endParaRPr b="0" lang="it-IT" sz="3200" spc="-1" strike="noStrike">
-              <a:solidFill>
-                <a:srgbClr val="000000"/>
-              </a:solidFill>
-              <a:latin typeface="Calibri"/>
-            </a:endParaRPr>
           </a:p>
           <a:p>
             <a:pPr marL="343080" indent="-342720">
@@ -6554,7 +7168,7 @@
               <a:buChar char="•"/>
             </a:pPr>
             <a:r>
-              <a:rPr b="0" lang="it-IT" sz="3200" spc="-1" strike="noStrike">
+              <a:rPr lang="it-IT" sz="3200" b="0" strike="noStrike" spc="-1">
                 <a:solidFill>
                   <a:srgbClr val="000000"/>
                 </a:solidFill>
@@ -6562,12 +7176,6 @@
               </a:rPr>
               <a:t>We are proud of finishing our first sprint with a working product.</a:t>
             </a:r>
-            <a:endParaRPr b="0" lang="it-IT" sz="3200" spc="-1" strike="noStrike">
-              <a:solidFill>
-                <a:srgbClr val="000000"/>
-              </a:solidFill>
-              <a:latin typeface="Calibri"/>
-            </a:endParaRPr>
           </a:p>
           <a:p>
             <a:pPr>
@@ -6578,7 +7186,7 @@
                 <a:spcPts val="641"/>
               </a:spcBef>
             </a:pPr>
-            <a:endParaRPr b="0" lang="it-IT" sz="3200" spc="-1" strike="noStrike">
+            <a:endParaRPr lang="it-IT" sz="3200" b="0" strike="noStrike" spc="-1" dirty="0">
               <a:solidFill>
                 <a:srgbClr val="000000"/>
               </a:solidFill>
@@ -6589,30 +7197,25 @@
       </p:sp>
     </p:spTree>
   </p:cSld>
-  <mc:AlternateContent>
-    <mc:Choice Requires="p14">
-      <p:transition spd="slow" p14:dur="2000"/>
-    </mc:Choice>
-    <mc:Fallback>
-      <p:transition spd="slow"/>
-    </mc:Fallback>
-  </mc:AlternateContent>
+  <p:clrMapOvr>
+    <a:masterClrMapping/>
+  </p:clrMapOvr>
   <p:timing>
     <p:tnLst>
       <p:par>
-        <p:cTn id="11" dur="indefinite" restart="never" nodeType="tmRoot">
+        <p:cTn id="1" dur="indefinite" restart="never" nodeType="tmRoot">
           <p:childTnLst>
             <p:seq>
-              <p:cTn id="12" dur="indefinite" nodeType="mainSeq"/>
+              <p:cTn id="2" dur="indefinite" nodeType="mainSeq"/>
               <p:prevCondLst>
-                <p:cond delay="0" evt="onPrev">
+                <p:cond evt="onPrev" delay="0">
                   <p:tgtEl>
                     <p:sldTgt/>
                   </p:tgtEl>
                 </p:cond>
               </p:prevCondLst>
               <p:nextCondLst>
-                <p:cond delay="0" evt="onNext">
+                <p:cond evt="onNext" delay="0">
                   <p:tgtEl>
                     <p:sldTgt/>
                   </p:tgtEl>
@@ -6638,31 +7241,31 @@
         <a:sysClr val="window" lastClr="FFFFFF"/>
       </a:lt1>
       <a:dk2>
-        <a:srgbClr val="1f497d"/>
+        <a:srgbClr val="1F497D"/>
       </a:dk2>
       <a:lt2>
-        <a:srgbClr val="eeece1"/>
+        <a:srgbClr val="EEECE1"/>
       </a:lt2>
       <a:accent1>
-        <a:srgbClr val="4f81bd"/>
+        <a:srgbClr val="4F81BD"/>
       </a:accent1>
       <a:accent2>
-        <a:srgbClr val="c0504d"/>
+        <a:srgbClr val="C0504D"/>
       </a:accent2>
       <a:accent3>
-        <a:srgbClr val="9bbb59"/>
+        <a:srgbClr val="9BBB59"/>
       </a:accent3>
       <a:accent4>
-        <a:srgbClr val="8064a2"/>
+        <a:srgbClr val="8064A2"/>
       </a:accent4>
       <a:accent5>
-        <a:srgbClr val="4bacc6"/>
+        <a:srgbClr val="4BACC6"/>
       </a:accent5>
       <a:accent6>
-        <a:srgbClr val="f79646"/>
+        <a:srgbClr val="F79646"/>
       </a:accent6>
       <a:hlink>
-        <a:srgbClr val="0000ff"/>
+        <a:srgbClr val="0000FF"/>
       </a:hlink>
       <a:folHlink>
         <a:srgbClr val="800080"/>
@@ -6847,6 +7450,8 @@
       </a:bgFillStyleLst>
     </a:fmtScheme>
   </a:themeElements>
+  <a:objectDefaults/>
+  <a:extraClrSchemeLst/>
 </a:theme>
 </file>
 
@@ -6861,31 +7466,31 @@
         <a:sysClr val="window" lastClr="FFFFFF"/>
       </a:lt1>
       <a:dk2>
-        <a:srgbClr val="1f497d"/>
+        <a:srgbClr val="1F497D"/>
       </a:dk2>
       <a:lt2>
-        <a:srgbClr val="eeece1"/>
+        <a:srgbClr val="EEECE1"/>
       </a:lt2>
       <a:accent1>
-        <a:srgbClr val="4f81bd"/>
+        <a:srgbClr val="4F81BD"/>
       </a:accent1>
       <a:accent2>
-        <a:srgbClr val="c0504d"/>
+        <a:srgbClr val="C0504D"/>
       </a:accent2>
       <a:accent3>
-        <a:srgbClr val="9bbb59"/>
+        <a:srgbClr val="9BBB59"/>
       </a:accent3>
       <a:accent4>
-        <a:srgbClr val="8064a2"/>
+        <a:srgbClr val="8064A2"/>
       </a:accent4>
       <a:accent5>
-        <a:srgbClr val="4bacc6"/>
+        <a:srgbClr val="4BACC6"/>
       </a:accent5>
       <a:accent6>
-        <a:srgbClr val="f79646"/>
+        <a:srgbClr val="F79646"/>
       </a:accent6>
       <a:hlink>
-        <a:srgbClr val="0000ff"/>
+        <a:srgbClr val="0000FF"/>
       </a:hlink>
       <a:folHlink>
         <a:srgbClr val="800080"/>
@@ -7070,5 +7675,7 @@
       </a:bgFillStyleLst>
     </a:fmtScheme>
   </a:themeElements>
+  <a:objectDefaults/>
+  <a:extraClrSchemeLst/>
 </a:theme>
 </file>